--- a/Oemof_Workshop_07_Constraints.pptx
+++ b/Oemof_Workshop_07_Constraints.pptx
@@ -5,7 +5,7 @@
     <p:sldMasterId id="2147483660" r:id="rId1"/>
   </p:sldMasterIdLst>
   <p:notesMasterIdLst>
-    <p:notesMasterId r:id="rId31"/>
+    <p:notesMasterId r:id="rId29"/>
   </p:notesMasterIdLst>
   <p:sldIdLst>
     <p:sldId id="262" r:id="rId2"/>
@@ -18,25 +18,23 @@
     <p:sldId id="343" r:id="rId9"/>
     <p:sldId id="344" r:id="rId10"/>
     <p:sldId id="345" r:id="rId11"/>
-    <p:sldId id="346" r:id="rId12"/>
-    <p:sldId id="347" r:id="rId13"/>
-    <p:sldId id="348" r:id="rId14"/>
-    <p:sldId id="349" r:id="rId15"/>
-    <p:sldId id="350" r:id="rId16"/>
-    <p:sldId id="334" r:id="rId17"/>
-    <p:sldId id="353" r:id="rId18"/>
-    <p:sldId id="351" r:id="rId19"/>
-    <p:sldId id="354" r:id="rId20"/>
-    <p:sldId id="352" r:id="rId21"/>
-    <p:sldId id="335" r:id="rId22"/>
-    <p:sldId id="356" r:id="rId23"/>
-    <p:sldId id="358" r:id="rId24"/>
+    <p:sldId id="348" r:id="rId12"/>
+    <p:sldId id="349" r:id="rId13"/>
+    <p:sldId id="350" r:id="rId14"/>
+    <p:sldId id="334" r:id="rId15"/>
+    <p:sldId id="353" r:id="rId16"/>
+    <p:sldId id="351" r:id="rId17"/>
+    <p:sldId id="354" r:id="rId18"/>
+    <p:sldId id="352" r:id="rId19"/>
+    <p:sldId id="335" r:id="rId20"/>
+    <p:sldId id="356" r:id="rId21"/>
+    <p:sldId id="358" r:id="rId22"/>
+    <p:sldId id="359" r:id="rId23"/>
+    <p:sldId id="360" r:id="rId24"/>
     <p:sldId id="336" r:id="rId25"/>
-    <p:sldId id="359" r:id="rId26"/>
-    <p:sldId id="360" r:id="rId27"/>
-    <p:sldId id="361" r:id="rId28"/>
-    <p:sldId id="362" r:id="rId29"/>
-    <p:sldId id="302" r:id="rId30"/>
+    <p:sldId id="361" r:id="rId26"/>
+    <p:sldId id="362" r:id="rId27"/>
+    <p:sldId id="302" r:id="rId28"/>
   </p:sldIdLst>
   <p:sldSz cx="9144000" cy="6858000" type="screen4x3"/>
   <p:notesSz cx="6858000" cy="9144000"/>
@@ -5868,18 +5866,18 @@
     </dgm:pt>
   </dgm:ptLst>
   <dgm:cxnLst>
+    <dgm:cxn modelId="{367BB80F-D2A2-40D4-B4CE-6220A96C4E54}" srcId="{B6813A49-D63D-4CB6-BD9E-8210BEF8732B}" destId="{AC45A8E1-22C5-4ED3-8B4C-E4A1538E11B7}" srcOrd="0" destOrd="0" parTransId="{A573AFA6-7BFA-4826-A1FC-E2EDF5C1D954}" sibTransId="{110DCD61-7C94-40F4-98E1-A21CE67E7F0E}"/>
+    <dgm:cxn modelId="{F5FCF5FC-635B-4171-9B1B-066190ECE521}" type="presOf" srcId="{D016C784-A624-4B5D-8D93-96F8437C6913}" destId="{AE111450-2127-4B78-BB35-4B9C56F44C7A}" srcOrd="0" destOrd="0" presId="urn:microsoft.com/office/officeart/2008/layout/VerticalCurvedList"/>
+    <dgm:cxn modelId="{3CF1B10E-BA51-4788-B346-B7D3214E19F7}" srcId="{B6813A49-D63D-4CB6-BD9E-8210BEF8732B}" destId="{03DD70EB-6644-43E5-95A2-110AFC32452D}" srcOrd="1" destOrd="0" parTransId="{2270F1E7-D8D8-4458-8B91-5267A96FE583}" sibTransId="{A591FAB5-0343-4367-9A00-DB92B6D41D95}"/>
+    <dgm:cxn modelId="{8A0C9B05-D5EF-4E81-965A-374947E8A135}" type="presOf" srcId="{AC45A8E1-22C5-4ED3-8B4C-E4A1538E11B7}" destId="{6E0B8608-9CAE-4B83-B0A5-3D7FDC6E258F}" srcOrd="0" destOrd="0" presId="urn:microsoft.com/office/officeart/2008/layout/VerticalCurvedList"/>
+    <dgm:cxn modelId="{79EF27EB-1787-424A-9652-7FE14C031E53}" type="presOf" srcId="{03DD70EB-6644-43E5-95A2-110AFC32452D}" destId="{8091B3EC-F3D9-4F4E-A795-EEAD0508367B}" srcOrd="0" destOrd="0" presId="urn:microsoft.com/office/officeart/2008/layout/VerticalCurvedList"/>
+    <dgm:cxn modelId="{2BFB1F17-CF95-44D7-BCAE-3940EF28803A}" srcId="{B6813A49-D63D-4CB6-BD9E-8210BEF8732B}" destId="{99B1E2E9-05C1-42CF-ADC7-707C5720F23D}" srcOrd="4" destOrd="0" parTransId="{EF99E6A0-8AF9-4709-B90C-989D0DDE7636}" sibTransId="{01B7E39F-9E0C-46BD-8CE1-4F572EC20B84}"/>
     <dgm:cxn modelId="{9AEE7B4E-DCE1-4666-BA2A-3FBDE9A057E0}" srcId="{B6813A49-D63D-4CB6-BD9E-8210BEF8732B}" destId="{A38D9F13-4DB4-4AA3-BDCE-F486F77FD89A}" srcOrd="2" destOrd="0" parTransId="{95696DD6-3D45-4527-9CB7-911058F0D27A}" sibTransId="{692AE4A8-5DA4-4333-BA79-AC755188C332}"/>
+    <dgm:cxn modelId="{DEF4DF44-823A-4036-904F-FE28DEBE351D}" type="presOf" srcId="{B6813A49-D63D-4CB6-BD9E-8210BEF8732B}" destId="{BC20CBC0-BDED-4852-95E4-D74383D57390}" srcOrd="0" destOrd="0" presId="urn:microsoft.com/office/officeart/2008/layout/VerticalCurvedList"/>
+    <dgm:cxn modelId="{A92F9ED9-5496-4400-BFF8-0AB01A7483CB}" type="presOf" srcId="{A38D9F13-4DB4-4AA3-BDCE-F486F77FD89A}" destId="{8EDBD1FC-5635-4256-9843-C4F21D5D2987}" srcOrd="0" destOrd="0" presId="urn:microsoft.com/office/officeart/2008/layout/VerticalCurvedList"/>
     <dgm:cxn modelId="{1E3F61D5-026A-485B-BA40-4E73FC835E70}" type="presOf" srcId="{99B1E2E9-05C1-42CF-ADC7-707C5720F23D}" destId="{DDE99604-2609-42DB-8365-3BFB5C55B2DA}" srcOrd="0" destOrd="0" presId="urn:microsoft.com/office/officeart/2008/layout/VerticalCurvedList"/>
-    <dgm:cxn modelId="{3CF1B10E-BA51-4788-B346-B7D3214E19F7}" srcId="{B6813A49-D63D-4CB6-BD9E-8210BEF8732B}" destId="{03DD70EB-6644-43E5-95A2-110AFC32452D}" srcOrd="1" destOrd="0" parTransId="{2270F1E7-D8D8-4458-8B91-5267A96FE583}" sibTransId="{A591FAB5-0343-4367-9A00-DB92B6D41D95}"/>
-    <dgm:cxn modelId="{367BB80F-D2A2-40D4-B4CE-6220A96C4E54}" srcId="{B6813A49-D63D-4CB6-BD9E-8210BEF8732B}" destId="{AC45A8E1-22C5-4ED3-8B4C-E4A1538E11B7}" srcOrd="0" destOrd="0" parTransId="{A573AFA6-7BFA-4826-A1FC-E2EDF5C1D954}" sibTransId="{110DCD61-7C94-40F4-98E1-A21CE67E7F0E}"/>
-    <dgm:cxn modelId="{2BFB1F17-CF95-44D7-BCAE-3940EF28803A}" srcId="{B6813A49-D63D-4CB6-BD9E-8210BEF8732B}" destId="{99B1E2E9-05C1-42CF-ADC7-707C5720F23D}" srcOrd="4" destOrd="0" parTransId="{EF99E6A0-8AF9-4709-B90C-989D0DDE7636}" sibTransId="{01B7E39F-9E0C-46BD-8CE1-4F572EC20B84}"/>
-    <dgm:cxn modelId="{F5FCF5FC-635B-4171-9B1B-066190ECE521}" type="presOf" srcId="{D016C784-A624-4B5D-8D93-96F8437C6913}" destId="{AE111450-2127-4B78-BB35-4B9C56F44C7A}" srcOrd="0" destOrd="0" presId="urn:microsoft.com/office/officeart/2008/layout/VerticalCurvedList"/>
     <dgm:cxn modelId="{92AC53CF-9701-4647-BEBC-9D92BA52D014}" type="presOf" srcId="{110DCD61-7C94-40F4-98E1-A21CE67E7F0E}" destId="{100E8889-8820-4F40-BD92-5CA8010DB304}" srcOrd="0" destOrd="0" presId="urn:microsoft.com/office/officeart/2008/layout/VerticalCurvedList"/>
     <dgm:cxn modelId="{34BA5E18-56BE-4E4E-88FA-B73471D769C4}" srcId="{B6813A49-D63D-4CB6-BD9E-8210BEF8732B}" destId="{D016C784-A624-4B5D-8D93-96F8437C6913}" srcOrd="3" destOrd="0" parTransId="{F1EDCA60-7714-4064-A579-93F0963BBC2B}" sibTransId="{6E7E0739-EC5E-4542-BF62-EC40F5B09B7F}"/>
-    <dgm:cxn modelId="{A92F9ED9-5496-4400-BFF8-0AB01A7483CB}" type="presOf" srcId="{A38D9F13-4DB4-4AA3-BDCE-F486F77FD89A}" destId="{8EDBD1FC-5635-4256-9843-C4F21D5D2987}" srcOrd="0" destOrd="0" presId="urn:microsoft.com/office/officeart/2008/layout/VerticalCurvedList"/>
-    <dgm:cxn modelId="{79EF27EB-1787-424A-9652-7FE14C031E53}" type="presOf" srcId="{03DD70EB-6644-43E5-95A2-110AFC32452D}" destId="{8091B3EC-F3D9-4F4E-A795-EEAD0508367B}" srcOrd="0" destOrd="0" presId="urn:microsoft.com/office/officeart/2008/layout/VerticalCurvedList"/>
-    <dgm:cxn modelId="{DEF4DF44-823A-4036-904F-FE28DEBE351D}" type="presOf" srcId="{B6813A49-D63D-4CB6-BD9E-8210BEF8732B}" destId="{BC20CBC0-BDED-4852-95E4-D74383D57390}" srcOrd="0" destOrd="0" presId="urn:microsoft.com/office/officeart/2008/layout/VerticalCurvedList"/>
-    <dgm:cxn modelId="{8A0C9B05-D5EF-4E81-965A-374947E8A135}" type="presOf" srcId="{AC45A8E1-22C5-4ED3-8B4C-E4A1538E11B7}" destId="{6E0B8608-9CAE-4B83-B0A5-3D7FDC6E258F}" srcOrd="0" destOrd="0" presId="urn:microsoft.com/office/officeart/2008/layout/VerticalCurvedList"/>
     <dgm:cxn modelId="{2D503F12-40A6-40CF-8B4F-DA151347AA99}" type="presParOf" srcId="{BC20CBC0-BDED-4852-95E4-D74383D57390}" destId="{4DEE34CD-9E05-4EAE-892E-DCDFE68F18C2}" srcOrd="0" destOrd="0" presId="urn:microsoft.com/office/officeart/2008/layout/VerticalCurvedList"/>
     <dgm:cxn modelId="{F905A33A-CA04-4E82-A5E5-351DAAF097C0}" type="presParOf" srcId="{4DEE34CD-9E05-4EAE-892E-DCDFE68F18C2}" destId="{D0882D72-27DE-4720-B7F6-18E7B6AF2050}" srcOrd="0" destOrd="0" presId="urn:microsoft.com/office/officeart/2008/layout/VerticalCurvedList"/>
     <dgm:cxn modelId="{E800E529-265B-4B77-A74E-5E11D25487A1}" type="presParOf" srcId="{D0882D72-27DE-4720-B7F6-18E7B6AF2050}" destId="{0FA0DB12-2E83-47D1-9317-A5196229707F}" srcOrd="0" destOrd="0" presId="urn:microsoft.com/office/officeart/2008/layout/VerticalCurvedList"/>
@@ -26510,7 +26508,7 @@
           <a:p>
             <a:fld id="{6BD11D3B-DADA-9042-8997-28ACE677BFD3}" type="datetimeFigureOut">
               <a:rPr lang="de-DE" smtClean="0"/>
-              <a:t>17.09.2019</a:t>
+              <a:t>18.09.2019</a:t>
             </a:fld>
             <a:endParaRPr lang="de-DE"/>
           </a:p>
@@ -36758,69 +36756,303 @@
           <a:chExt cx="0" cy="0"/>
         </a:xfrm>
       </p:grpSpPr>
-      <p:sp>
-        <p:nvSpPr>
-          <p:cNvPr id="2" name="Vertikaler Textplatzhalter 1"/>
-          <p:cNvSpPr>
-            <a:spLocks noGrp="1"/>
-          </p:cNvSpPr>
-          <p:nvPr>
-            <p:ph type="body" orient="vert" idx="1"/>
-          </p:nvPr>
-        </p:nvSpPr>
-        <p:spPr/>
-        <p:txBody>
-          <a:bodyPr/>
-          <a:lstStyle/>
-          <a:p>
-            <a:r>
-              <a:rPr lang="de-DE" dirty="0" smtClean="0"/>
-              <a:t>The </a:t>
-            </a:r>
-            <a:r>
-              <a:rPr lang="de-DE" dirty="0" err="1" smtClean="0"/>
-              <a:t>objective</a:t>
-            </a:r>
-            <a:r>
-              <a:rPr lang="de-DE" dirty="0" smtClean="0"/>
-              <a:t> </a:t>
-            </a:r>
-            <a:r>
-              <a:rPr lang="de-DE" dirty="0" err="1" smtClean="0"/>
-              <a:t>value</a:t>
-            </a:r>
-            <a:r>
-              <a:rPr lang="de-DE" dirty="0" smtClean="0"/>
-              <a:t> </a:t>
-            </a:r>
-            <a:r>
-              <a:rPr lang="de-DE" dirty="0" err="1" smtClean="0"/>
-              <a:t>should</a:t>
-            </a:r>
-            <a:r>
-              <a:rPr lang="de-DE" dirty="0" smtClean="0"/>
-              <a:t> </a:t>
-            </a:r>
-            <a:r>
-              <a:rPr lang="de-DE" dirty="0" err="1" smtClean="0"/>
-              <a:t>be</a:t>
-            </a:r>
-            <a:r>
-              <a:rPr lang="de-DE" dirty="0" smtClean="0"/>
-              <a:t> </a:t>
-            </a:r>
-            <a:r>
-              <a:rPr lang="de-DE" dirty="0" err="1" smtClean="0"/>
-              <a:t>minimized</a:t>
-            </a:r>
-            <a:r>
-              <a:rPr lang="de-DE" dirty="0" smtClean="0"/>
-              <a:t>:</a:t>
-            </a:r>
-            <a:endParaRPr lang="en-GB" dirty="0"/>
-          </a:p>
-        </p:txBody>
-      </p:sp>
+      <mc:AlternateContent xmlns:mc="http://schemas.openxmlformats.org/markup-compatibility/2006">
+        <mc:Choice xmlns:a14="http://schemas.microsoft.com/office/drawing/2010/main" Requires="a14">
+          <p:sp>
+            <p:nvSpPr>
+              <p:cNvPr id="2" name="Vertikaler Textplatzhalter 1"/>
+              <p:cNvSpPr>
+                <a:spLocks noGrp="1"/>
+              </p:cNvSpPr>
+              <p:nvPr>
+                <p:ph type="body" orient="vert" idx="1"/>
+              </p:nvPr>
+            </p:nvSpPr>
+            <p:spPr/>
+            <p:txBody>
+              <a:bodyPr/>
+              <a:lstStyle/>
+              <a:p>
+                <a:r>
+                  <a:rPr lang="de-DE" dirty="0" smtClean="0"/>
+                  <a:t>Each </a:t>
+                </a:r>
+                <a:r>
+                  <a:rPr lang="de-DE" dirty="0" err="1" smtClean="0"/>
+                  <a:t>bus</a:t>
+                </a:r>
+                <a:r>
+                  <a:rPr lang="de-DE" dirty="0" smtClean="0"/>
+                  <a:t> </a:t>
+                </a:r>
+                <a:r>
+                  <a:rPr lang="de-DE" dirty="0" err="1" smtClean="0"/>
+                  <a:t>is</a:t>
+                </a:r>
+                <a:r>
+                  <a:rPr lang="de-DE" dirty="0" smtClean="0"/>
+                  <a:t> </a:t>
+                </a:r>
+                <a:r>
+                  <a:rPr lang="de-DE" dirty="0" err="1" smtClean="0"/>
+                  <a:t>by</a:t>
+                </a:r>
+                <a:r>
+                  <a:rPr lang="de-DE" dirty="0" smtClean="0"/>
+                  <a:t> </a:t>
+                </a:r>
+                <a:r>
+                  <a:rPr lang="de-DE" dirty="0" err="1" smtClean="0"/>
+                  <a:t>default</a:t>
+                </a:r>
+                <a:r>
+                  <a:rPr lang="de-DE" dirty="0"/>
+                  <a:t> </a:t>
+                </a:r>
+                <a:r>
+                  <a:rPr lang="de-DE" dirty="0" err="1" smtClean="0"/>
+                  <a:t>balanced</a:t>
+                </a:r>
+                <a:r>
+                  <a:rPr lang="de-DE" dirty="0" smtClean="0"/>
+                  <a:t>:</a:t>
+                </a:r>
+              </a:p>
+              <a:p>
+                <a:pPr lvl="1"/>
+                <a14:m>
+                  <m:oMath xmlns:m="http://schemas.openxmlformats.org/officeDocument/2006/math">
+                    <m:nary>
+                      <m:naryPr>
+                        <m:chr m:val="∑"/>
+                        <m:subHide m:val="on"/>
+                        <m:supHide m:val="on"/>
+                        <m:ctrlPr>
+                          <a:rPr lang="de-DE" i="1">
+                            <a:latin typeface="Cambria Math" panose="02040503050406030204" pitchFamily="18" charset="0"/>
+                          </a:rPr>
+                        </m:ctrlPr>
+                      </m:naryPr>
+                      <m:sub/>
+                      <m:sup/>
+                      <m:e>
+                        <m:r>
+                          <a:rPr lang="de-DE" i="1">
+                            <a:latin typeface="Cambria Math" panose="02040503050406030204" pitchFamily="18" charset="0"/>
+                          </a:rPr>
+                          <m:t>𝑖𝑛𝑝𝑢𝑡𝑠</m:t>
+                        </m:r>
+                        <m:r>
+                          <a:rPr lang="de-DE" i="1">
+                            <a:latin typeface="Cambria Math" panose="02040503050406030204" pitchFamily="18" charset="0"/>
+                          </a:rPr>
+                          <m:t>= </m:t>
+                        </m:r>
+                        <m:nary>
+                          <m:naryPr>
+                            <m:chr m:val="∑"/>
+                            <m:subHide m:val="on"/>
+                            <m:supHide m:val="on"/>
+                            <m:ctrlPr>
+                              <a:rPr lang="de-DE" i="1">
+                                <a:latin typeface="Cambria Math" panose="02040503050406030204" pitchFamily="18" charset="0"/>
+                              </a:rPr>
+                            </m:ctrlPr>
+                          </m:naryPr>
+                          <m:sub/>
+                          <m:sup/>
+                          <m:e>
+                            <m:r>
+                              <a:rPr lang="de-DE" i="1">
+                                <a:latin typeface="Cambria Math" panose="02040503050406030204" pitchFamily="18" charset="0"/>
+                              </a:rPr>
+                              <m:t>𝑜𝑢𝑡𝑝𝑢𝑡𝑠</m:t>
+                            </m:r>
+                          </m:e>
+                        </m:nary>
+                      </m:e>
+                    </m:nary>
+                    <m:r>
+                      <m:rPr>
+                        <m:nor/>
+                      </m:rPr>
+                      <a:rPr lang="de-DE" dirty="0"/>
+                      <m:t> </m:t>
+                    </m:r>
+                    <m:r>
+                      <a:rPr lang="de-DE" i="1" dirty="0">
+                        <a:latin typeface="Cambria Math" panose="02040503050406030204" pitchFamily="18" charset="0"/>
+                        <a:ea typeface="Cambria Math" panose="02040503050406030204" pitchFamily="18" charset="0"/>
+                      </a:rPr>
+                      <m:t>∀ </m:t>
+                    </m:r>
+                    <m:r>
+                      <a:rPr lang="de-DE" i="1" dirty="0">
+                        <a:latin typeface="Cambria Math" panose="02040503050406030204" pitchFamily="18" charset="0"/>
+                        <a:ea typeface="Cambria Math" panose="02040503050406030204" pitchFamily="18" charset="0"/>
+                      </a:rPr>
+                      <m:t>𝑡</m:t>
+                    </m:r>
+                  </m:oMath>
+                </a14:m>
+                <a:endParaRPr lang="de-DE" dirty="0" smtClean="0"/>
+              </a:p>
+              <a:p>
+                <a:pPr lvl="1"/>
+                <a:r>
+                  <a:rPr lang="de-DE" dirty="0" err="1" smtClean="0"/>
+                  <a:t>Ie</a:t>
+                </a:r>
+                <a:r>
+                  <a:rPr lang="de-DE" dirty="0" smtClean="0"/>
+                  <a:t>. </a:t>
+                </a:r>
+                <a:r>
+                  <a:rPr lang="de-DE" dirty="0" err="1" smtClean="0"/>
+                  <a:t>no</a:t>
+                </a:r>
+                <a:r>
+                  <a:rPr lang="de-DE" dirty="0" smtClean="0"/>
+                  <a:t> </a:t>
+                </a:r>
+                <a:r>
+                  <a:rPr lang="de-DE" dirty="0" err="1" smtClean="0"/>
+                  <a:t>energy</a:t>
+                </a:r>
+                <a:r>
+                  <a:rPr lang="de-DE" dirty="0" smtClean="0"/>
+                  <a:t> </a:t>
+                </a:r>
+                <a:r>
+                  <a:rPr lang="de-DE" dirty="0" err="1" smtClean="0"/>
+                  <a:t>can</a:t>
+                </a:r>
+                <a:r>
+                  <a:rPr lang="de-DE" dirty="0" smtClean="0"/>
+                  <a:t> </a:t>
+                </a:r>
+                <a:r>
+                  <a:rPr lang="de-DE" dirty="0" err="1" smtClean="0"/>
+                  <a:t>be</a:t>
+                </a:r>
+                <a:r>
+                  <a:rPr lang="de-DE" dirty="0" smtClean="0"/>
+                  <a:t> lost </a:t>
+                </a:r>
+                <a:r>
+                  <a:rPr lang="de-DE" dirty="0" err="1" smtClean="0"/>
+                  <a:t>or</a:t>
+                </a:r>
+                <a:r>
+                  <a:rPr lang="de-DE" dirty="0" smtClean="0"/>
+                  <a:t> </a:t>
+                </a:r>
+                <a:r>
+                  <a:rPr lang="de-DE" dirty="0" err="1" smtClean="0"/>
+                  <a:t>generated</a:t>
+                </a:r>
+                <a:r>
+                  <a:rPr lang="de-DE" dirty="0" smtClean="0"/>
+                  <a:t> </a:t>
+                </a:r>
+                <a:r>
+                  <a:rPr lang="de-DE" dirty="0" err="1" smtClean="0"/>
+                  <a:t>from</a:t>
+                </a:r>
+                <a:r>
+                  <a:rPr lang="de-DE" dirty="0" smtClean="0"/>
+                  <a:t> </a:t>
+                </a:r>
+                <a:r>
+                  <a:rPr lang="de-DE" dirty="0" err="1" smtClean="0"/>
+                  <a:t>nowhere</a:t>
+                </a:r>
+                <a:endParaRPr lang="de-DE" dirty="0" smtClean="0"/>
+              </a:p>
+              <a:p>
+                <a:pPr lvl="1"/>
+                <a:r>
+                  <a:rPr lang="de-DE" dirty="0" smtClean="0"/>
+                  <a:t>Can </a:t>
+                </a:r>
+                <a:r>
+                  <a:rPr lang="de-DE" dirty="0" err="1" smtClean="0"/>
+                  <a:t>require</a:t>
+                </a:r>
+                <a:r>
+                  <a:rPr lang="de-DE" dirty="0" smtClean="0"/>
+                  <a:t> „</a:t>
+                </a:r>
+                <a:r>
+                  <a:rPr lang="de-DE" dirty="0" err="1" smtClean="0"/>
+                  <a:t>shortage</a:t>
+                </a:r>
+                <a:r>
+                  <a:rPr lang="de-DE" dirty="0" smtClean="0"/>
+                  <a:t>“-Source </a:t>
+                </a:r>
+                <a:r>
+                  <a:rPr lang="de-DE" dirty="0" err="1" smtClean="0"/>
+                  <a:t>or</a:t>
+                </a:r>
+                <a:r>
+                  <a:rPr lang="de-DE" dirty="0" smtClean="0"/>
+                  <a:t> „</a:t>
+                </a:r>
+                <a:r>
+                  <a:rPr lang="de-DE" dirty="0" err="1" smtClean="0"/>
+                  <a:t>excess</a:t>
+                </a:r>
+                <a:r>
+                  <a:rPr lang="de-DE" dirty="0" smtClean="0"/>
+                  <a:t>“-</a:t>
+                </a:r>
+                <a:r>
+                  <a:rPr lang="de-DE" dirty="0" smtClean="0"/>
+                  <a:t>Sink</a:t>
+                </a:r>
+              </a:p>
+              <a:p>
+                <a:pPr lvl="1"/>
+                <a:endParaRPr lang="de-DE" dirty="0"/>
+              </a:p>
+            </p:txBody>
+          </p:sp>
+        </mc:Choice>
+        <mc:Fallback>
+          <p:sp>
+            <p:nvSpPr>
+              <p:cNvPr id="2" name="Vertikaler Textplatzhalter 1"/>
+              <p:cNvSpPr>
+                <a:spLocks noGrp="1" noRot="1" noChangeAspect="1" noMove="1" noResize="1" noEditPoints="1" noAdjustHandles="1" noChangeArrowheads="1" noChangeShapeType="1" noTextEdit="1"/>
+              </p:cNvSpPr>
+              <p:nvPr>
+                <p:ph type="body" orient="vert" idx="1"/>
+              </p:nvPr>
+            </p:nvSpPr>
+            <p:spPr>
+              <a:blipFill>
+                <a:blip r:embed="rId2"/>
+                <a:stretch>
+                  <a:fillRect l="-1082" t="-6210"/>
+                </a:stretch>
+              </a:blipFill>
+            </p:spPr>
+            <p:txBody>
+              <a:bodyPr/>
+              <a:lstStyle/>
+              <a:p>
+                <a:r>
+                  <a:rPr lang="en-GB">
+                    <a:noFill/>
+                  </a:rPr>
+                  <a:t> </a:t>
+                </a:r>
+              </a:p>
+            </p:txBody>
+          </p:sp>
+        </mc:Fallback>
+      </mc:AlternateContent>
       <p:sp>
         <p:nvSpPr>
           <p:cNvPr id="3" name="Fußzeilenplatzhalter 2"/>
@@ -36880,9 +37112,7 @@
         </p:nvSpPr>
         <p:spPr/>
         <p:txBody>
-          <a:bodyPr>
-            <a:normAutofit/>
-          </a:bodyPr>
+          <a:bodyPr/>
           <a:lstStyle/>
           <a:p>
             <a:r>
@@ -36895,19 +37125,11 @@
             </a:r>
             <a:r>
               <a:rPr lang="de-DE" dirty="0" smtClean="0"/>
-              <a:t>-file“: </a:t>
+              <a:t>-file“: Bus </a:t>
             </a:r>
             <a:r>
               <a:rPr lang="de-DE" dirty="0" err="1" smtClean="0"/>
-              <a:t>Objective</a:t>
-            </a:r>
-            <a:r>
-              <a:rPr lang="de-DE" dirty="0" smtClean="0"/>
-              <a:t> </a:t>
-            </a:r>
-            <a:r>
-              <a:rPr lang="de-DE" dirty="0" err="1" smtClean="0"/>
-              <a:t>value</a:t>
+              <a:t>balances</a:t>
             </a:r>
             <a:endParaRPr lang="en-GB" dirty="0"/>
           </a:p>
@@ -36936,60 +37158,40 @@
           </a:p>
         </p:txBody>
       </p:sp>
-      <p:sp>
-        <p:nvSpPr>
-          <p:cNvPr id="7" name="Textfeld 6"/>
-          <p:cNvSpPr txBox="1"/>
+      <p:pic>
+        <p:nvPicPr>
+          <p:cNvPr id="8" name="Grafik 7"/>
+          <p:cNvPicPr>
+            <a:picLocks noChangeAspect="1"/>
+          </p:cNvPicPr>
           <p:nvPr/>
-        </p:nvSpPr>
+        </p:nvPicPr>
+        <p:blipFill>
+          <a:blip r:embed="rId3">
+            <a:extLst>
+              <a:ext uri="{28A0092B-C50C-407E-A947-70E740481C1C}">
+                <a14:useLocalDpi xmlns:a14="http://schemas.microsoft.com/office/drawing/2010/main" val="0"/>
+              </a:ext>
+            </a:extLst>
+          </a:blip>
+          <a:stretch>
+            <a:fillRect/>
+          </a:stretch>
+        </p:blipFill>
         <p:spPr>
           <a:xfrm>
-            <a:off x="2399071" y="3834581"/>
-            <a:ext cx="2316724" cy="300082"/>
+            <a:off x="2120475" y="3646362"/>
+            <a:ext cx="4903049" cy="1727741"/>
           </a:xfrm>
           <a:prstGeom prst="rect">
             <a:avLst/>
           </a:prstGeom>
-          <a:noFill/>
         </p:spPr>
-        <p:txBody>
-          <a:bodyPr wrap="none" rtlCol="0">
-            <a:spAutoFit/>
-          </a:bodyPr>
-          <a:lstStyle/>
-          <a:p>
-            <a:r>
-              <a:rPr lang="de-DE" dirty="0" smtClean="0"/>
-              <a:t>Image </a:t>
-            </a:r>
-            <a:r>
-              <a:rPr lang="de-DE" dirty="0" err="1" smtClean="0"/>
-              <a:t>for</a:t>
-            </a:r>
-            <a:r>
-              <a:rPr lang="de-DE" dirty="0" smtClean="0"/>
-              <a:t> </a:t>
-            </a:r>
-            <a:r>
-              <a:rPr lang="de-DE" dirty="0" err="1" smtClean="0"/>
-              <a:t>investment</a:t>
-            </a:r>
-            <a:r>
-              <a:rPr lang="de-DE" dirty="0" smtClean="0"/>
-              <a:t> </a:t>
-            </a:r>
-            <a:r>
-              <a:rPr lang="de-DE" dirty="0" err="1" smtClean="0"/>
-              <a:t>problem</a:t>
-            </a:r>
-            <a:endParaRPr lang="en-GB" dirty="0"/>
-          </a:p>
-        </p:txBody>
-      </p:sp>
+      </p:pic>
     </p:spTree>
     <p:extLst>
       <p:ext uri="{BB962C8B-B14F-4D97-AF65-F5344CB8AC3E}">
-        <p14:creationId xmlns:p14="http://schemas.microsoft.com/office/powerpoint/2010/main" val="830497871"/>
+        <p14:creationId xmlns:p14="http://schemas.microsoft.com/office/powerpoint/2010/main" val="881700195"/>
       </p:ext>
     </p:extLst>
   </p:cSld>
@@ -37272,7 +37474,11 @@
                 </a:r>
                 <a:r>
                   <a:rPr lang="de-DE" dirty="0" smtClean="0"/>
-                  <a:t>“-Sink</a:t>
+                  <a:t>“-</a:t>
+                </a:r>
+                <a:r>
+                  <a:rPr lang="de-DE" dirty="0" smtClean="0"/>
+                  <a:t>Sink</a:t>
                 </a:r>
               </a:p>
             </p:txBody>
@@ -37417,1034 +37623,66 @@
           </a:p>
         </p:txBody>
       </p:sp>
-      <p:sp>
-        <p:nvSpPr>
-          <p:cNvPr id="7" name="Textfeld 6"/>
-          <p:cNvSpPr txBox="1"/>
+      <p:pic>
+        <p:nvPicPr>
+          <p:cNvPr id="8" name="Grafik 7"/>
+          <p:cNvPicPr>
+            <a:picLocks noChangeAspect="1"/>
+          </p:cNvPicPr>
           <p:nvPr/>
-        </p:nvSpPr>
+        </p:nvPicPr>
+        <p:blipFill>
+          <a:blip r:embed="rId3">
+            <a:extLst>
+              <a:ext uri="{28A0092B-C50C-407E-A947-70E740481C1C}">
+                <a14:useLocalDpi xmlns:a14="http://schemas.microsoft.com/office/drawing/2010/main" val="0"/>
+              </a:ext>
+            </a:extLst>
+          </a:blip>
+          <a:stretch>
+            <a:fillRect/>
+          </a:stretch>
+        </p:blipFill>
         <p:spPr>
           <a:xfrm>
-            <a:off x="3215148" y="4100052"/>
-            <a:ext cx="2084032" cy="300082"/>
+            <a:off x="636399" y="3271908"/>
+            <a:ext cx="7886699" cy="1420699"/>
           </a:xfrm>
           <a:prstGeom prst="rect">
             <a:avLst/>
           </a:prstGeom>
-          <a:noFill/>
         </p:spPr>
-        <p:txBody>
-          <a:bodyPr wrap="none" rtlCol="0">
-            <a:spAutoFit/>
-          </a:bodyPr>
-          <a:lstStyle/>
-          <a:p>
-            <a:r>
-              <a:rPr lang="de-DE" dirty="0" smtClean="0"/>
-              <a:t>Image </a:t>
-            </a:r>
-            <a:r>
-              <a:rPr lang="de-DE" dirty="0" err="1" smtClean="0"/>
-              <a:t>for</a:t>
-            </a:r>
-            <a:r>
-              <a:rPr lang="de-DE" dirty="0" smtClean="0"/>
-              <a:t> </a:t>
-            </a:r>
-            <a:r>
-              <a:rPr lang="de-DE" dirty="0" err="1" smtClean="0"/>
-              <a:t>bus</a:t>
-            </a:r>
-            <a:r>
-              <a:rPr lang="de-DE" dirty="0" smtClean="0"/>
-              <a:t> </a:t>
-            </a:r>
-            <a:r>
-              <a:rPr lang="de-DE" dirty="0" err="1" smtClean="0"/>
-              <a:t>balance</a:t>
-            </a:r>
-            <a:r>
-              <a:rPr lang="de-DE" dirty="0" smtClean="0"/>
-              <a:t> easy</a:t>
-            </a:r>
-            <a:endParaRPr lang="en-GB" dirty="0"/>
-          </a:p>
-        </p:txBody>
-      </p:sp>
-    </p:spTree>
-    <p:extLst>
-      <p:ext uri="{BB962C8B-B14F-4D97-AF65-F5344CB8AC3E}">
-        <p14:creationId xmlns:p14="http://schemas.microsoft.com/office/powerpoint/2010/main" val="199721314"/>
-      </p:ext>
-    </p:extLst>
-  </p:cSld>
-  <p:clrMapOvr>
-    <a:masterClrMapping/>
-  </p:clrMapOvr>
-  <p:timing>
-    <p:tnLst>
-      <p:par>
-        <p:cTn id="1" dur="indefinite" restart="never" nodeType="tmRoot"/>
-      </p:par>
-    </p:tnLst>
-  </p:timing>
-</p:sld>
-</file>
-
-<file path=ppt/slides/slide13.xml><?xml version="1.0" encoding="utf-8"?>
-<p:sld xmlns:a="http://schemas.openxmlformats.org/drawingml/2006/main" xmlns:r="http://schemas.openxmlformats.org/officeDocument/2006/relationships" xmlns:p="http://schemas.openxmlformats.org/presentationml/2006/main">
-  <p:cSld>
-    <p:spTree>
-      <p:nvGrpSpPr>
-        <p:cNvPr id="1" name=""/>
-        <p:cNvGrpSpPr/>
-        <p:nvPr/>
-      </p:nvGrpSpPr>
-      <p:grpSpPr>
-        <a:xfrm>
-          <a:off x="0" y="0"/>
-          <a:ext cx="0" cy="0"/>
-          <a:chOff x="0" y="0"/>
-          <a:chExt cx="0" cy="0"/>
-        </a:xfrm>
-      </p:grpSpPr>
-      <mc:AlternateContent xmlns:mc="http://schemas.openxmlformats.org/markup-compatibility/2006">
-        <mc:Choice xmlns:a14="http://schemas.microsoft.com/office/drawing/2010/main" Requires="a14">
-          <p:sp>
-            <p:nvSpPr>
-              <p:cNvPr id="2" name="Vertikaler Textplatzhalter 1"/>
-              <p:cNvSpPr>
-                <a:spLocks noGrp="1"/>
-              </p:cNvSpPr>
-              <p:nvPr>
-                <p:ph type="body" orient="vert" idx="1"/>
-              </p:nvPr>
-            </p:nvSpPr>
-            <p:spPr/>
-            <p:txBody>
-              <a:bodyPr/>
-              <a:lstStyle/>
-              <a:p>
-                <a:r>
-                  <a:rPr lang="de-DE" dirty="0" smtClean="0"/>
-                  <a:t>Each </a:t>
-                </a:r>
-                <a:r>
-                  <a:rPr lang="de-DE" dirty="0" err="1" smtClean="0"/>
-                  <a:t>bus</a:t>
-                </a:r>
-                <a:r>
-                  <a:rPr lang="de-DE" dirty="0" smtClean="0"/>
-                  <a:t> </a:t>
-                </a:r>
-                <a:r>
-                  <a:rPr lang="de-DE" dirty="0" err="1" smtClean="0"/>
-                  <a:t>is</a:t>
-                </a:r>
-                <a:r>
-                  <a:rPr lang="de-DE" dirty="0" smtClean="0"/>
-                  <a:t> </a:t>
-                </a:r>
-                <a:r>
-                  <a:rPr lang="de-DE" dirty="0" err="1" smtClean="0"/>
-                  <a:t>by</a:t>
-                </a:r>
-                <a:r>
-                  <a:rPr lang="de-DE" dirty="0" smtClean="0"/>
-                  <a:t> </a:t>
-                </a:r>
-                <a:r>
-                  <a:rPr lang="de-DE" dirty="0" err="1" smtClean="0"/>
-                  <a:t>default</a:t>
-                </a:r>
-                <a:r>
-                  <a:rPr lang="de-DE" dirty="0"/>
-                  <a:t> </a:t>
-                </a:r>
-                <a:r>
-                  <a:rPr lang="de-DE" dirty="0" err="1" smtClean="0"/>
-                  <a:t>balanced</a:t>
-                </a:r>
-                <a:r>
-                  <a:rPr lang="de-DE" dirty="0" smtClean="0"/>
-                  <a:t>:</a:t>
-                </a:r>
-              </a:p>
-              <a:p>
-                <a:pPr lvl="1"/>
-                <a14:m>
-                  <m:oMath xmlns:m="http://schemas.openxmlformats.org/officeDocument/2006/math">
-                    <m:nary>
-                      <m:naryPr>
-                        <m:chr m:val="∑"/>
-                        <m:subHide m:val="on"/>
-                        <m:supHide m:val="on"/>
-                        <m:ctrlPr>
-                          <a:rPr lang="de-DE" i="1">
-                            <a:latin typeface="Cambria Math" panose="02040503050406030204" pitchFamily="18" charset="0"/>
-                          </a:rPr>
-                        </m:ctrlPr>
-                      </m:naryPr>
-                      <m:sub/>
-                      <m:sup/>
-                      <m:e>
-                        <m:r>
-                          <a:rPr lang="de-DE" i="1">
-                            <a:latin typeface="Cambria Math" panose="02040503050406030204" pitchFamily="18" charset="0"/>
-                          </a:rPr>
-                          <m:t>𝑖𝑛𝑝𝑢𝑡𝑠</m:t>
-                        </m:r>
-                        <m:r>
-                          <a:rPr lang="de-DE" i="1">
-                            <a:latin typeface="Cambria Math" panose="02040503050406030204" pitchFamily="18" charset="0"/>
-                          </a:rPr>
-                          <m:t>= </m:t>
-                        </m:r>
-                        <m:nary>
-                          <m:naryPr>
-                            <m:chr m:val="∑"/>
-                            <m:subHide m:val="on"/>
-                            <m:supHide m:val="on"/>
-                            <m:ctrlPr>
-                              <a:rPr lang="de-DE" i="1">
-                                <a:latin typeface="Cambria Math" panose="02040503050406030204" pitchFamily="18" charset="0"/>
-                              </a:rPr>
-                            </m:ctrlPr>
-                          </m:naryPr>
-                          <m:sub/>
-                          <m:sup/>
-                          <m:e>
-                            <m:r>
-                              <a:rPr lang="de-DE" i="1">
-                                <a:latin typeface="Cambria Math" panose="02040503050406030204" pitchFamily="18" charset="0"/>
-                              </a:rPr>
-                              <m:t>𝑜𝑢𝑡𝑝𝑢𝑡𝑠</m:t>
-                            </m:r>
-                          </m:e>
-                        </m:nary>
-                      </m:e>
-                    </m:nary>
-                    <m:r>
-                      <m:rPr>
-                        <m:nor/>
-                      </m:rPr>
-                      <a:rPr lang="de-DE" dirty="0"/>
-                      <m:t> </m:t>
-                    </m:r>
-                    <m:r>
-                      <a:rPr lang="de-DE" i="1" dirty="0">
-                        <a:latin typeface="Cambria Math" panose="02040503050406030204" pitchFamily="18" charset="0"/>
-                        <a:ea typeface="Cambria Math" panose="02040503050406030204" pitchFamily="18" charset="0"/>
-                      </a:rPr>
-                      <m:t>∀ </m:t>
-                    </m:r>
-                    <m:r>
-                      <a:rPr lang="de-DE" i="1" dirty="0">
-                        <a:latin typeface="Cambria Math" panose="02040503050406030204" pitchFamily="18" charset="0"/>
-                        <a:ea typeface="Cambria Math" panose="02040503050406030204" pitchFamily="18" charset="0"/>
-                      </a:rPr>
-                      <m:t>𝑡</m:t>
-                    </m:r>
-                  </m:oMath>
-                </a14:m>
-                <a:endParaRPr lang="de-DE" dirty="0" smtClean="0"/>
-              </a:p>
-              <a:p>
-                <a:pPr lvl="1"/>
-                <a:r>
-                  <a:rPr lang="de-DE" dirty="0" err="1" smtClean="0"/>
-                  <a:t>Ie</a:t>
-                </a:r>
-                <a:r>
-                  <a:rPr lang="de-DE" dirty="0" smtClean="0"/>
-                  <a:t>. </a:t>
-                </a:r>
-                <a:r>
-                  <a:rPr lang="de-DE" dirty="0" err="1" smtClean="0"/>
-                  <a:t>no</a:t>
-                </a:r>
-                <a:r>
-                  <a:rPr lang="de-DE" dirty="0" smtClean="0"/>
-                  <a:t> </a:t>
-                </a:r>
-                <a:r>
-                  <a:rPr lang="de-DE" dirty="0" err="1" smtClean="0"/>
-                  <a:t>energy</a:t>
-                </a:r>
-                <a:r>
-                  <a:rPr lang="de-DE" dirty="0" smtClean="0"/>
-                  <a:t> </a:t>
-                </a:r>
-                <a:r>
-                  <a:rPr lang="de-DE" dirty="0" err="1" smtClean="0"/>
-                  <a:t>can</a:t>
-                </a:r>
-                <a:r>
-                  <a:rPr lang="de-DE" dirty="0" smtClean="0"/>
-                  <a:t> </a:t>
-                </a:r>
-                <a:r>
-                  <a:rPr lang="de-DE" dirty="0" err="1" smtClean="0"/>
-                  <a:t>be</a:t>
-                </a:r>
-                <a:r>
-                  <a:rPr lang="de-DE" dirty="0" smtClean="0"/>
-                  <a:t> lost </a:t>
-                </a:r>
-                <a:r>
-                  <a:rPr lang="de-DE" dirty="0" err="1" smtClean="0"/>
-                  <a:t>or</a:t>
-                </a:r>
-                <a:r>
-                  <a:rPr lang="de-DE" dirty="0" smtClean="0"/>
-                  <a:t> </a:t>
-                </a:r>
-                <a:r>
-                  <a:rPr lang="de-DE" dirty="0" err="1" smtClean="0"/>
-                  <a:t>generated</a:t>
-                </a:r>
-                <a:r>
-                  <a:rPr lang="de-DE" dirty="0" smtClean="0"/>
-                  <a:t> </a:t>
-                </a:r>
-                <a:r>
-                  <a:rPr lang="de-DE" dirty="0" err="1" smtClean="0"/>
-                  <a:t>from</a:t>
-                </a:r>
-                <a:r>
-                  <a:rPr lang="de-DE" dirty="0" smtClean="0"/>
-                  <a:t> </a:t>
-                </a:r>
-                <a:r>
-                  <a:rPr lang="de-DE" dirty="0" err="1" smtClean="0"/>
-                  <a:t>nowhere</a:t>
-                </a:r>
-                <a:endParaRPr lang="de-DE" dirty="0" smtClean="0"/>
-              </a:p>
-              <a:p>
-                <a:pPr lvl="1"/>
-                <a:r>
-                  <a:rPr lang="de-DE" dirty="0" smtClean="0"/>
-                  <a:t>Can </a:t>
-                </a:r>
-                <a:r>
-                  <a:rPr lang="de-DE" dirty="0" err="1" smtClean="0"/>
-                  <a:t>require</a:t>
-                </a:r>
-                <a:r>
-                  <a:rPr lang="de-DE" dirty="0" smtClean="0"/>
-                  <a:t> „</a:t>
-                </a:r>
-                <a:r>
-                  <a:rPr lang="de-DE" dirty="0" err="1" smtClean="0"/>
-                  <a:t>shortage</a:t>
-                </a:r>
-                <a:r>
-                  <a:rPr lang="de-DE" dirty="0" smtClean="0"/>
-                  <a:t>“-Source </a:t>
-                </a:r>
-                <a:r>
-                  <a:rPr lang="de-DE" dirty="0" err="1" smtClean="0"/>
-                  <a:t>or</a:t>
-                </a:r>
-                <a:r>
-                  <a:rPr lang="de-DE" dirty="0" smtClean="0"/>
-                  <a:t> „</a:t>
-                </a:r>
-                <a:r>
-                  <a:rPr lang="de-DE" dirty="0" err="1" smtClean="0"/>
-                  <a:t>excess</a:t>
-                </a:r>
-                <a:r>
-                  <a:rPr lang="de-DE" dirty="0" smtClean="0"/>
-                  <a:t>“-Sink</a:t>
-                </a:r>
-              </a:p>
-            </p:txBody>
-          </p:sp>
-        </mc:Choice>
-        <mc:Fallback>
-          <p:sp>
-            <p:nvSpPr>
-              <p:cNvPr id="2" name="Vertikaler Textplatzhalter 1"/>
-              <p:cNvSpPr>
-                <a:spLocks noGrp="1" noRot="1" noChangeAspect="1" noMove="1" noResize="1" noEditPoints="1" noAdjustHandles="1" noChangeArrowheads="1" noChangeShapeType="1" noTextEdit="1"/>
-              </p:cNvSpPr>
-              <p:nvPr>
-                <p:ph type="body" orient="vert" idx="1"/>
-              </p:nvPr>
-            </p:nvSpPr>
-            <p:spPr>
-              <a:blipFill>
-                <a:blip r:embed="rId2"/>
-                <a:stretch>
-                  <a:fillRect l="-1082" t="-6210"/>
-                </a:stretch>
-              </a:blipFill>
-            </p:spPr>
-            <p:txBody>
-              <a:bodyPr/>
-              <a:lstStyle/>
-              <a:p>
-                <a:r>
-                  <a:rPr lang="en-GB">
-                    <a:noFill/>
-                  </a:rPr>
-                  <a:t> </a:t>
-                </a:r>
-              </a:p>
-            </p:txBody>
-          </p:sp>
-        </mc:Fallback>
-      </mc:AlternateContent>
-      <p:sp>
-        <p:nvSpPr>
-          <p:cNvPr id="3" name="Fußzeilenplatzhalter 2"/>
-          <p:cNvSpPr>
-            <a:spLocks noGrp="1"/>
-          </p:cNvSpPr>
-          <p:nvPr>
-            <p:ph type="ftr" sz="quarter" idx="11"/>
-          </p:nvPr>
-        </p:nvSpPr>
-        <p:spPr/>
-        <p:txBody>
-          <a:bodyPr/>
-          <a:lstStyle/>
-          <a:p>
-            <a:r>
-              <a:rPr lang="de-DE" smtClean="0"/>
-              <a:t>Reiner Lemoine Institut</a:t>
-            </a:r>
-            <a:endParaRPr lang="de-DE" dirty="0"/>
-          </a:p>
-        </p:txBody>
-      </p:sp>
-      <p:sp>
-        <p:nvSpPr>
-          <p:cNvPr id="4" name="Foliennummernplatzhalter 3"/>
-          <p:cNvSpPr>
-            <a:spLocks noGrp="1"/>
-          </p:cNvSpPr>
-          <p:nvPr>
-            <p:ph type="sldNum" sz="quarter" idx="12"/>
-          </p:nvPr>
-        </p:nvSpPr>
-        <p:spPr/>
-        <p:txBody>
-          <a:bodyPr/>
-          <a:lstStyle/>
-          <a:p>
-            <a:fld id="{C2A96E4E-EC3F-424D-8211-F17AF9FC0446}" type="slidenum">
-              <a:rPr lang="de-DE" smtClean="0"/>
-              <a:pPr/>
-              <a:t>12</a:t>
-            </a:fld>
-            <a:endParaRPr lang="de-DE" dirty="0"/>
-          </a:p>
-        </p:txBody>
-      </p:sp>
-      <p:sp>
-        <p:nvSpPr>
-          <p:cNvPr id="5" name="Titel 4"/>
-          <p:cNvSpPr>
-            <a:spLocks noGrp="1"/>
-          </p:cNvSpPr>
-          <p:nvPr>
-            <p:ph type="title"/>
-          </p:nvPr>
-        </p:nvSpPr>
-        <p:spPr/>
-        <p:txBody>
-          <a:bodyPr/>
-          <a:lstStyle/>
-          <a:p>
-            <a:r>
-              <a:rPr lang="de-DE" dirty="0" smtClean="0"/>
-              <a:t>The „</a:t>
-            </a:r>
-            <a:r>
-              <a:rPr lang="de-DE" dirty="0" err="1" smtClean="0"/>
-              <a:t>lp</a:t>
-            </a:r>
-            <a:r>
-              <a:rPr lang="de-DE" dirty="0" smtClean="0"/>
-              <a:t>-file“: Bus </a:t>
-            </a:r>
-            <a:r>
-              <a:rPr lang="de-DE" dirty="0" err="1" smtClean="0"/>
-              <a:t>balances</a:t>
-            </a:r>
-            <a:endParaRPr lang="en-GB" dirty="0"/>
-          </a:p>
-        </p:txBody>
-      </p:sp>
-      <p:sp>
-        <p:nvSpPr>
-          <p:cNvPr id="6" name="Datumsplatzhalter 5"/>
-          <p:cNvSpPr>
-            <a:spLocks noGrp="1"/>
-          </p:cNvSpPr>
-          <p:nvPr>
-            <p:ph type="dt" sz="half" idx="13"/>
-          </p:nvPr>
-        </p:nvSpPr>
-        <p:spPr/>
-        <p:txBody>
-          <a:bodyPr/>
-          <a:lstStyle/>
-          <a:p>
-            <a:r>
-              <a:rPr lang="en-US" noProof="0" smtClean="0"/>
-              <a:t>September 18, 2019</a:t>
-            </a:r>
-            <a:endParaRPr lang="en-US" noProof="0" dirty="0"/>
-          </a:p>
-        </p:txBody>
-      </p:sp>
-      <p:sp>
-        <p:nvSpPr>
-          <p:cNvPr id="7" name="Textfeld 6"/>
-          <p:cNvSpPr txBox="1"/>
+      </p:pic>
+      <p:pic>
+        <p:nvPicPr>
+          <p:cNvPr id="9" name="Grafik 8"/>
+          <p:cNvPicPr>
+            <a:picLocks noChangeAspect="1"/>
+          </p:cNvPicPr>
           <p:nvPr/>
-        </p:nvSpPr>
+        </p:nvPicPr>
+        <p:blipFill>
+          <a:blip r:embed="rId4">
+            <a:extLst>
+              <a:ext uri="{28A0092B-C50C-407E-A947-70E740481C1C}">
+                <a14:useLocalDpi xmlns:a14="http://schemas.microsoft.com/office/drawing/2010/main" val="0"/>
+              </a:ext>
+            </a:extLst>
+          </a:blip>
+          <a:stretch>
+            <a:fillRect/>
+          </a:stretch>
+        </p:blipFill>
         <p:spPr>
           <a:xfrm>
-            <a:off x="3215148" y="4100052"/>
-            <a:ext cx="2084032" cy="300082"/>
+            <a:off x="628651" y="4919148"/>
+            <a:ext cx="7894447" cy="1219892"/>
           </a:xfrm>
           <a:prstGeom prst="rect">
             <a:avLst/>
           </a:prstGeom>
-          <a:noFill/>
         </p:spPr>
-        <p:txBody>
-          <a:bodyPr wrap="none" rtlCol="0">
-            <a:spAutoFit/>
-          </a:bodyPr>
-          <a:lstStyle/>
-          <a:p>
-            <a:r>
-              <a:rPr lang="de-DE" dirty="0" smtClean="0"/>
-              <a:t>Image </a:t>
-            </a:r>
-            <a:r>
-              <a:rPr lang="de-DE" dirty="0" err="1" smtClean="0"/>
-              <a:t>for</a:t>
-            </a:r>
-            <a:r>
-              <a:rPr lang="de-DE" dirty="0" smtClean="0"/>
-              <a:t> </a:t>
-            </a:r>
-            <a:r>
-              <a:rPr lang="de-DE" dirty="0" err="1" smtClean="0"/>
-              <a:t>bus</a:t>
-            </a:r>
-            <a:r>
-              <a:rPr lang="de-DE" dirty="0" smtClean="0"/>
-              <a:t> </a:t>
-            </a:r>
-            <a:r>
-              <a:rPr lang="de-DE" dirty="0" err="1" smtClean="0"/>
-              <a:t>balance</a:t>
-            </a:r>
-            <a:r>
-              <a:rPr lang="de-DE" dirty="0" smtClean="0"/>
-              <a:t> easy</a:t>
-            </a:r>
-            <a:endParaRPr lang="en-GB" dirty="0"/>
-          </a:p>
-        </p:txBody>
-      </p:sp>
-    </p:spTree>
-    <p:extLst>
-      <p:ext uri="{BB962C8B-B14F-4D97-AF65-F5344CB8AC3E}">
-        <p14:creationId xmlns:p14="http://schemas.microsoft.com/office/powerpoint/2010/main" val="881700195"/>
-      </p:ext>
-    </p:extLst>
-  </p:cSld>
-  <p:clrMapOvr>
-    <a:masterClrMapping/>
-  </p:clrMapOvr>
-  <p:timing>
-    <p:tnLst>
-      <p:par>
-        <p:cTn id="1" dur="indefinite" restart="never" nodeType="tmRoot"/>
-      </p:par>
-    </p:tnLst>
-  </p:timing>
-</p:sld>
-</file>
-
-<file path=ppt/slides/slide14.xml><?xml version="1.0" encoding="utf-8"?>
-<p:sld xmlns:a="http://schemas.openxmlformats.org/drawingml/2006/main" xmlns:r="http://schemas.openxmlformats.org/officeDocument/2006/relationships" xmlns:p="http://schemas.openxmlformats.org/presentationml/2006/main">
-  <p:cSld>
-    <p:spTree>
-      <p:nvGrpSpPr>
-        <p:cNvPr id="1" name=""/>
-        <p:cNvGrpSpPr/>
-        <p:nvPr/>
-      </p:nvGrpSpPr>
-      <p:grpSpPr>
-        <a:xfrm>
-          <a:off x="0" y="0"/>
-          <a:ext cx="0" cy="0"/>
-          <a:chOff x="0" y="0"/>
-          <a:chExt cx="0" cy="0"/>
-        </a:xfrm>
-      </p:grpSpPr>
-      <mc:AlternateContent xmlns:mc="http://schemas.openxmlformats.org/markup-compatibility/2006">
-        <mc:Choice xmlns:a14="http://schemas.microsoft.com/office/drawing/2010/main" Requires="a14">
-          <p:sp>
-            <p:nvSpPr>
-              <p:cNvPr id="2" name="Vertikaler Textplatzhalter 1"/>
-              <p:cNvSpPr>
-                <a:spLocks noGrp="1"/>
-              </p:cNvSpPr>
-              <p:nvPr>
-                <p:ph type="body" orient="vert" idx="1"/>
-              </p:nvPr>
-            </p:nvSpPr>
-            <p:spPr/>
-            <p:txBody>
-              <a:bodyPr/>
-              <a:lstStyle/>
-              <a:p>
-                <a:r>
-                  <a:rPr lang="de-DE" dirty="0" smtClean="0"/>
-                  <a:t>Each </a:t>
-                </a:r>
-                <a:r>
-                  <a:rPr lang="de-DE" dirty="0" err="1" smtClean="0"/>
-                  <a:t>bus</a:t>
-                </a:r>
-                <a:r>
-                  <a:rPr lang="de-DE" dirty="0" smtClean="0"/>
-                  <a:t> </a:t>
-                </a:r>
-                <a:r>
-                  <a:rPr lang="de-DE" dirty="0" err="1" smtClean="0"/>
-                  <a:t>is</a:t>
-                </a:r>
-                <a:r>
-                  <a:rPr lang="de-DE" dirty="0" smtClean="0"/>
-                  <a:t> </a:t>
-                </a:r>
-                <a:r>
-                  <a:rPr lang="de-DE" dirty="0" err="1" smtClean="0"/>
-                  <a:t>by</a:t>
-                </a:r>
-                <a:r>
-                  <a:rPr lang="de-DE" dirty="0" smtClean="0"/>
-                  <a:t> </a:t>
-                </a:r>
-                <a:r>
-                  <a:rPr lang="de-DE" dirty="0" err="1" smtClean="0"/>
-                  <a:t>default</a:t>
-                </a:r>
-                <a:r>
-                  <a:rPr lang="de-DE" dirty="0"/>
-                  <a:t> </a:t>
-                </a:r>
-                <a:r>
-                  <a:rPr lang="de-DE" dirty="0" err="1" smtClean="0"/>
-                  <a:t>balanced</a:t>
-                </a:r>
-                <a:r>
-                  <a:rPr lang="de-DE" dirty="0" smtClean="0"/>
-                  <a:t>:</a:t>
-                </a:r>
-              </a:p>
-              <a:p>
-                <a:pPr lvl="1"/>
-                <a14:m>
-                  <m:oMath xmlns:m="http://schemas.openxmlformats.org/officeDocument/2006/math">
-                    <m:nary>
-                      <m:naryPr>
-                        <m:chr m:val="∑"/>
-                        <m:subHide m:val="on"/>
-                        <m:supHide m:val="on"/>
-                        <m:ctrlPr>
-                          <a:rPr lang="de-DE" i="1">
-                            <a:latin typeface="Cambria Math" panose="02040503050406030204" pitchFamily="18" charset="0"/>
-                          </a:rPr>
-                        </m:ctrlPr>
-                      </m:naryPr>
-                      <m:sub/>
-                      <m:sup/>
-                      <m:e>
-                        <m:r>
-                          <a:rPr lang="de-DE" i="1">
-                            <a:latin typeface="Cambria Math" panose="02040503050406030204" pitchFamily="18" charset="0"/>
-                          </a:rPr>
-                          <m:t>𝑖𝑛𝑝𝑢𝑡𝑠</m:t>
-                        </m:r>
-                        <m:r>
-                          <a:rPr lang="de-DE" i="1">
-                            <a:latin typeface="Cambria Math" panose="02040503050406030204" pitchFamily="18" charset="0"/>
-                          </a:rPr>
-                          <m:t>= </m:t>
-                        </m:r>
-                        <m:nary>
-                          <m:naryPr>
-                            <m:chr m:val="∑"/>
-                            <m:subHide m:val="on"/>
-                            <m:supHide m:val="on"/>
-                            <m:ctrlPr>
-                              <a:rPr lang="de-DE" i="1">
-                                <a:latin typeface="Cambria Math" panose="02040503050406030204" pitchFamily="18" charset="0"/>
-                              </a:rPr>
-                            </m:ctrlPr>
-                          </m:naryPr>
-                          <m:sub/>
-                          <m:sup/>
-                          <m:e>
-                            <m:r>
-                              <a:rPr lang="de-DE" i="1">
-                                <a:latin typeface="Cambria Math" panose="02040503050406030204" pitchFamily="18" charset="0"/>
-                              </a:rPr>
-                              <m:t>𝑜𝑢𝑡𝑝𝑢𝑡𝑠</m:t>
-                            </m:r>
-                          </m:e>
-                        </m:nary>
-                      </m:e>
-                    </m:nary>
-                    <m:r>
-                      <m:rPr>
-                        <m:nor/>
-                      </m:rPr>
-                      <a:rPr lang="de-DE" dirty="0"/>
-                      <m:t> </m:t>
-                    </m:r>
-                    <m:r>
-                      <a:rPr lang="de-DE" i="1" dirty="0">
-                        <a:latin typeface="Cambria Math" panose="02040503050406030204" pitchFamily="18" charset="0"/>
-                        <a:ea typeface="Cambria Math" panose="02040503050406030204" pitchFamily="18" charset="0"/>
-                      </a:rPr>
-                      <m:t>∀ </m:t>
-                    </m:r>
-                    <m:r>
-                      <a:rPr lang="de-DE" i="1" dirty="0">
-                        <a:latin typeface="Cambria Math" panose="02040503050406030204" pitchFamily="18" charset="0"/>
-                        <a:ea typeface="Cambria Math" panose="02040503050406030204" pitchFamily="18" charset="0"/>
-                      </a:rPr>
-                      <m:t>𝑡</m:t>
-                    </m:r>
-                  </m:oMath>
-                </a14:m>
-                <a:endParaRPr lang="de-DE" dirty="0" smtClean="0"/>
-              </a:p>
-              <a:p>
-                <a:pPr lvl="1"/>
-                <a:r>
-                  <a:rPr lang="de-DE" dirty="0" err="1" smtClean="0"/>
-                  <a:t>Ie</a:t>
-                </a:r>
-                <a:r>
-                  <a:rPr lang="de-DE" dirty="0" smtClean="0"/>
-                  <a:t>. </a:t>
-                </a:r>
-                <a:r>
-                  <a:rPr lang="de-DE" dirty="0" err="1" smtClean="0"/>
-                  <a:t>no</a:t>
-                </a:r>
-                <a:r>
-                  <a:rPr lang="de-DE" dirty="0" smtClean="0"/>
-                  <a:t> </a:t>
-                </a:r>
-                <a:r>
-                  <a:rPr lang="de-DE" dirty="0" err="1" smtClean="0"/>
-                  <a:t>energy</a:t>
-                </a:r>
-                <a:r>
-                  <a:rPr lang="de-DE" dirty="0" smtClean="0"/>
-                  <a:t> </a:t>
-                </a:r>
-                <a:r>
-                  <a:rPr lang="de-DE" dirty="0" err="1" smtClean="0"/>
-                  <a:t>can</a:t>
-                </a:r>
-                <a:r>
-                  <a:rPr lang="de-DE" dirty="0" smtClean="0"/>
-                  <a:t> </a:t>
-                </a:r>
-                <a:r>
-                  <a:rPr lang="de-DE" dirty="0" err="1" smtClean="0"/>
-                  <a:t>be</a:t>
-                </a:r>
-                <a:r>
-                  <a:rPr lang="de-DE" dirty="0" smtClean="0"/>
-                  <a:t> lost </a:t>
-                </a:r>
-                <a:r>
-                  <a:rPr lang="de-DE" dirty="0" err="1" smtClean="0"/>
-                  <a:t>or</a:t>
-                </a:r>
-                <a:r>
-                  <a:rPr lang="de-DE" dirty="0" smtClean="0"/>
-                  <a:t> </a:t>
-                </a:r>
-                <a:r>
-                  <a:rPr lang="de-DE" dirty="0" err="1" smtClean="0"/>
-                  <a:t>generated</a:t>
-                </a:r>
-                <a:r>
-                  <a:rPr lang="de-DE" dirty="0" smtClean="0"/>
-                  <a:t> </a:t>
-                </a:r>
-                <a:r>
-                  <a:rPr lang="de-DE" dirty="0" err="1" smtClean="0"/>
-                  <a:t>from</a:t>
-                </a:r>
-                <a:r>
-                  <a:rPr lang="de-DE" dirty="0" smtClean="0"/>
-                  <a:t> </a:t>
-                </a:r>
-                <a:r>
-                  <a:rPr lang="de-DE" dirty="0" err="1" smtClean="0"/>
-                  <a:t>nowhere</a:t>
-                </a:r>
-                <a:endParaRPr lang="de-DE" dirty="0" smtClean="0"/>
-              </a:p>
-              <a:p>
-                <a:pPr lvl="1"/>
-                <a:r>
-                  <a:rPr lang="de-DE" dirty="0" smtClean="0"/>
-                  <a:t>Can </a:t>
-                </a:r>
-                <a:r>
-                  <a:rPr lang="de-DE" dirty="0" err="1" smtClean="0"/>
-                  <a:t>require</a:t>
-                </a:r>
-                <a:r>
-                  <a:rPr lang="de-DE" dirty="0" smtClean="0"/>
-                  <a:t> „</a:t>
-                </a:r>
-                <a:r>
-                  <a:rPr lang="de-DE" dirty="0" err="1" smtClean="0"/>
-                  <a:t>shortage</a:t>
-                </a:r>
-                <a:r>
-                  <a:rPr lang="de-DE" dirty="0" smtClean="0"/>
-                  <a:t>“-Source </a:t>
-                </a:r>
-                <a:r>
-                  <a:rPr lang="de-DE" dirty="0" err="1" smtClean="0"/>
-                  <a:t>or</a:t>
-                </a:r>
-                <a:r>
-                  <a:rPr lang="de-DE" dirty="0" smtClean="0"/>
-                  <a:t> „</a:t>
-                </a:r>
-                <a:r>
-                  <a:rPr lang="de-DE" dirty="0" err="1" smtClean="0"/>
-                  <a:t>excess</a:t>
-                </a:r>
-                <a:r>
-                  <a:rPr lang="de-DE" dirty="0" smtClean="0"/>
-                  <a:t>“-Sink</a:t>
-                </a:r>
-              </a:p>
-            </p:txBody>
-          </p:sp>
-        </mc:Choice>
-        <mc:Fallback>
-          <p:sp>
-            <p:nvSpPr>
-              <p:cNvPr id="2" name="Vertikaler Textplatzhalter 1"/>
-              <p:cNvSpPr>
-                <a:spLocks noGrp="1" noRot="1" noChangeAspect="1" noMove="1" noResize="1" noEditPoints="1" noAdjustHandles="1" noChangeArrowheads="1" noChangeShapeType="1" noTextEdit="1"/>
-              </p:cNvSpPr>
-              <p:nvPr>
-                <p:ph type="body" orient="vert" idx="1"/>
-              </p:nvPr>
-            </p:nvSpPr>
-            <p:spPr>
-              <a:blipFill>
-                <a:blip r:embed="rId2"/>
-                <a:stretch>
-                  <a:fillRect l="-1082" t="-6210"/>
-                </a:stretch>
-              </a:blipFill>
-            </p:spPr>
-            <p:txBody>
-              <a:bodyPr/>
-              <a:lstStyle/>
-              <a:p>
-                <a:r>
-                  <a:rPr lang="en-GB">
-                    <a:noFill/>
-                  </a:rPr>
-                  <a:t> </a:t>
-                </a:r>
-              </a:p>
-            </p:txBody>
-          </p:sp>
-        </mc:Fallback>
-      </mc:AlternateContent>
-      <p:sp>
-        <p:nvSpPr>
-          <p:cNvPr id="3" name="Fußzeilenplatzhalter 2"/>
-          <p:cNvSpPr>
-            <a:spLocks noGrp="1"/>
-          </p:cNvSpPr>
-          <p:nvPr>
-            <p:ph type="ftr" sz="quarter" idx="11"/>
-          </p:nvPr>
-        </p:nvSpPr>
-        <p:spPr/>
-        <p:txBody>
-          <a:bodyPr/>
-          <a:lstStyle/>
-          <a:p>
-            <a:r>
-              <a:rPr lang="de-DE" smtClean="0"/>
-              <a:t>Reiner Lemoine Institut</a:t>
-            </a:r>
-            <a:endParaRPr lang="de-DE" dirty="0"/>
-          </a:p>
-        </p:txBody>
-      </p:sp>
-      <p:sp>
-        <p:nvSpPr>
-          <p:cNvPr id="4" name="Foliennummernplatzhalter 3"/>
-          <p:cNvSpPr>
-            <a:spLocks noGrp="1"/>
-          </p:cNvSpPr>
-          <p:nvPr>
-            <p:ph type="sldNum" sz="quarter" idx="12"/>
-          </p:nvPr>
-        </p:nvSpPr>
-        <p:spPr/>
-        <p:txBody>
-          <a:bodyPr/>
-          <a:lstStyle/>
-          <a:p>
-            <a:fld id="{C2A96E4E-EC3F-424D-8211-F17AF9FC0446}" type="slidenum">
-              <a:rPr lang="de-DE" smtClean="0"/>
-              <a:pPr/>
-              <a:t>13</a:t>
-            </a:fld>
-            <a:endParaRPr lang="de-DE" dirty="0"/>
-          </a:p>
-        </p:txBody>
-      </p:sp>
-      <p:sp>
-        <p:nvSpPr>
-          <p:cNvPr id="5" name="Titel 4"/>
-          <p:cNvSpPr>
-            <a:spLocks noGrp="1"/>
-          </p:cNvSpPr>
-          <p:nvPr>
-            <p:ph type="title"/>
-          </p:nvPr>
-        </p:nvSpPr>
-        <p:spPr/>
-        <p:txBody>
-          <a:bodyPr/>
-          <a:lstStyle/>
-          <a:p>
-            <a:r>
-              <a:rPr lang="de-DE" dirty="0" smtClean="0"/>
-              <a:t>The „</a:t>
-            </a:r>
-            <a:r>
-              <a:rPr lang="de-DE" dirty="0" err="1" smtClean="0"/>
-              <a:t>lp</a:t>
-            </a:r>
-            <a:r>
-              <a:rPr lang="de-DE" dirty="0" smtClean="0"/>
-              <a:t>-file“: Bus </a:t>
-            </a:r>
-            <a:r>
-              <a:rPr lang="de-DE" dirty="0" err="1" smtClean="0"/>
-              <a:t>balances</a:t>
-            </a:r>
-            <a:endParaRPr lang="en-GB" dirty="0"/>
-          </a:p>
-        </p:txBody>
-      </p:sp>
-      <p:sp>
-        <p:nvSpPr>
-          <p:cNvPr id="6" name="Datumsplatzhalter 5"/>
-          <p:cNvSpPr>
-            <a:spLocks noGrp="1"/>
-          </p:cNvSpPr>
-          <p:nvPr>
-            <p:ph type="dt" sz="half" idx="13"/>
-          </p:nvPr>
-        </p:nvSpPr>
-        <p:spPr/>
-        <p:txBody>
-          <a:bodyPr/>
-          <a:lstStyle/>
-          <a:p>
-            <a:r>
-              <a:rPr lang="en-US" noProof="0" smtClean="0"/>
-              <a:t>September 18, 2019</a:t>
-            </a:r>
-            <a:endParaRPr lang="en-US" noProof="0" dirty="0"/>
-          </a:p>
-        </p:txBody>
-      </p:sp>
-      <p:sp>
-        <p:nvSpPr>
-          <p:cNvPr id="7" name="Textfeld 6"/>
-          <p:cNvSpPr txBox="1"/>
-          <p:nvPr/>
-        </p:nvSpPr>
-        <p:spPr>
-          <a:xfrm>
-            <a:off x="3215148" y="4100052"/>
-            <a:ext cx="2613792" cy="300082"/>
-          </a:xfrm>
-          <a:prstGeom prst="rect">
-            <a:avLst/>
-          </a:prstGeom>
-          <a:noFill/>
-        </p:spPr>
-        <p:txBody>
-          <a:bodyPr wrap="none" rtlCol="0">
-            <a:spAutoFit/>
-          </a:bodyPr>
-          <a:lstStyle/>
-          <a:p>
-            <a:r>
-              <a:rPr lang="de-DE" dirty="0" smtClean="0"/>
-              <a:t>Image </a:t>
-            </a:r>
-            <a:r>
-              <a:rPr lang="de-DE" dirty="0" err="1" smtClean="0"/>
-              <a:t>for</a:t>
-            </a:r>
-            <a:r>
-              <a:rPr lang="de-DE" dirty="0" smtClean="0"/>
-              <a:t> </a:t>
-            </a:r>
-            <a:r>
-              <a:rPr lang="de-DE" dirty="0" err="1" smtClean="0"/>
-              <a:t>bus</a:t>
-            </a:r>
-            <a:r>
-              <a:rPr lang="de-DE" dirty="0" smtClean="0"/>
-              <a:t> </a:t>
-            </a:r>
-            <a:r>
-              <a:rPr lang="de-DE" dirty="0" err="1" smtClean="0"/>
-              <a:t>balance</a:t>
-            </a:r>
-            <a:r>
-              <a:rPr lang="de-DE" dirty="0" smtClean="0"/>
-              <a:t> </a:t>
-            </a:r>
-            <a:r>
-              <a:rPr lang="de-DE" dirty="0" err="1" smtClean="0"/>
-              <a:t>transformer</a:t>
-            </a:r>
-            <a:endParaRPr lang="en-GB" dirty="0"/>
-          </a:p>
-        </p:txBody>
-      </p:sp>
+      </p:pic>
     </p:spTree>
     <p:extLst>
       <p:ext uri="{BB962C8B-B14F-4D97-AF65-F5344CB8AC3E}">
@@ -38465,7 +37703,7 @@
 </p:sld>
 </file>
 
-<file path=ppt/slides/slide15.xml><?xml version="1.0" encoding="utf-8"?>
+<file path=ppt/slides/slide13.xml><?xml version="1.0" encoding="utf-8"?>
 <p:sld xmlns:a="http://schemas.openxmlformats.org/drawingml/2006/main" xmlns:r="http://schemas.openxmlformats.org/officeDocument/2006/relationships" xmlns:p="http://schemas.openxmlformats.org/presentationml/2006/main">
   <p:cSld>
     <p:spTree>
@@ -38820,7 +38058,7 @@
             <a:fld id="{C2A96E4E-EC3F-424D-8211-F17AF9FC0446}" type="slidenum">
               <a:rPr lang="de-DE" smtClean="0"/>
               <a:pPr/>
-              <a:t>14</a:t>
+              <a:t>12</a:t>
             </a:fld>
             <a:endParaRPr lang="de-DE" dirty="0"/>
           </a:p>
@@ -38884,72 +38122,35 @@
           </a:p>
         </p:txBody>
       </p:sp>
-      <p:sp>
-        <p:nvSpPr>
-          <p:cNvPr id="7" name="Textfeld 6"/>
-          <p:cNvSpPr txBox="1"/>
+      <p:pic>
+        <p:nvPicPr>
+          <p:cNvPr id="8" name="Grafik 7"/>
+          <p:cNvPicPr>
+            <a:picLocks noChangeAspect="1"/>
+          </p:cNvPicPr>
           <p:nvPr/>
-        </p:nvSpPr>
+        </p:nvPicPr>
+        <p:blipFill rotWithShape="1">
+          <a:blip r:embed="rId3">
+            <a:extLst>
+              <a:ext uri="{28A0092B-C50C-407E-A947-70E740481C1C}">
+                <a14:useLocalDpi xmlns:a14="http://schemas.microsoft.com/office/drawing/2010/main" val="0"/>
+              </a:ext>
+            </a:extLst>
+          </a:blip>
+          <a:srcRect l="-553" t="474" r="553" b="52770"/>
+          <a:stretch/>
+        </p:blipFill>
         <p:spPr>
           <a:xfrm>
-            <a:off x="3215148" y="4100052"/>
-            <a:ext cx="2755626" cy="300082"/>
+            <a:off x="1941625" y="3117851"/>
+            <a:ext cx="5276246" cy="2876550"/>
           </a:xfrm>
           <a:prstGeom prst="rect">
             <a:avLst/>
           </a:prstGeom>
-          <a:noFill/>
         </p:spPr>
-        <p:txBody>
-          <a:bodyPr wrap="none" rtlCol="0">
-            <a:spAutoFit/>
-          </a:bodyPr>
-          <a:lstStyle/>
-          <a:p>
-            <a:r>
-              <a:rPr lang="de-DE" dirty="0" smtClean="0"/>
-              <a:t>Image </a:t>
-            </a:r>
-            <a:r>
-              <a:rPr lang="de-DE" dirty="0" err="1" smtClean="0"/>
-              <a:t>for</a:t>
-            </a:r>
-            <a:r>
-              <a:rPr lang="de-DE" dirty="0" smtClean="0"/>
-              <a:t> </a:t>
-            </a:r>
-            <a:r>
-              <a:rPr lang="de-DE" dirty="0" err="1" smtClean="0"/>
-              <a:t>bus</a:t>
-            </a:r>
-            <a:r>
-              <a:rPr lang="de-DE" dirty="0" smtClean="0"/>
-              <a:t> </a:t>
-            </a:r>
-            <a:r>
-              <a:rPr lang="de-DE" dirty="0" err="1" smtClean="0"/>
-              <a:t>balance</a:t>
-            </a:r>
-            <a:r>
-              <a:rPr lang="de-DE" dirty="0" smtClean="0"/>
-              <a:t> </a:t>
-            </a:r>
-            <a:r>
-              <a:rPr lang="de-DE" dirty="0" err="1" smtClean="0"/>
-              <a:t>electricity</a:t>
-            </a:r>
-            <a:r>
-              <a:rPr lang="de-DE" dirty="0" smtClean="0"/>
-              <a:t> </a:t>
-            </a:r>
-            <a:r>
-              <a:rPr lang="de-DE" dirty="0" err="1" smtClean="0"/>
-              <a:t>bus</a:t>
-            </a:r>
-            <a:endParaRPr lang="en-GB" dirty="0"/>
-          </a:p>
-        </p:txBody>
-      </p:sp>
+      </p:pic>
     </p:spTree>
     <p:extLst>
       <p:ext uri="{BB962C8B-B14F-4D97-AF65-F5344CB8AC3E}">
@@ -38970,7 +38171,7 @@
 </p:sld>
 </file>
 
-<file path=ppt/slides/slide16.xml><?xml version="1.0" encoding="utf-8"?>
+<file path=ppt/slides/slide14.xml><?xml version="1.0" encoding="utf-8"?>
 <p:sld xmlns:a="http://schemas.openxmlformats.org/drawingml/2006/main" xmlns:r="http://schemas.openxmlformats.org/officeDocument/2006/relationships" xmlns:p="http://schemas.openxmlformats.org/presentationml/2006/main">
   <p:cSld>
     <p:spTree>
@@ -39064,7 +38265,7 @@
             <a:fld id="{C2A96E4E-EC3F-424D-8211-F17AF9FC0446}" type="slidenum">
               <a:rPr lang="de-DE" smtClean="0"/>
               <a:pPr/>
-              <a:t>15</a:t>
+              <a:t>13</a:t>
             </a:fld>
             <a:endParaRPr lang="de-DE" dirty="0"/>
           </a:p>
@@ -39142,7 +38343,7 @@
 </p:sld>
 </file>
 
-<file path=ppt/slides/slide17.xml><?xml version="1.0" encoding="utf-8"?>
+<file path=ppt/slides/slide15.xml><?xml version="1.0" encoding="utf-8"?>
 <p:sld xmlns:a="http://schemas.openxmlformats.org/drawingml/2006/main" xmlns:r="http://schemas.openxmlformats.org/officeDocument/2006/relationships" xmlns:p="http://schemas.openxmlformats.org/presentationml/2006/main">
   <p:cSld>
     <p:spTree>
@@ -39400,10 +38601,18 @@
             </a:r>
             <a:r>
               <a:rPr lang="de-DE" dirty="0" smtClean="0"/>
-              <a:t>: ./</a:t>
-            </a:r>
-            <a:r>
-              <a:rPr lang="de-DE" dirty="0" err="1" smtClean="0"/>
+              <a:t>: </a:t>
+            </a:r>
+            <a:r>
+              <a:rPr lang="de-DE" dirty="0" smtClean="0">
+                <a:hlinkClick r:id="rId2" action="ppaction://hlinkfile"/>
+              </a:rPr>
+              <a:t>./</a:t>
+            </a:r>
+            <a:r>
+              <a:rPr lang="de-DE" dirty="0" err="1" smtClean="0">
+                <a:hlinkClick r:id="rId2" action="ppaction://hlinkfile"/>
+              </a:rPr>
               <a:t>micro_grid_system_inbuilt_bounds.ipynb</a:t>
             </a:r>
             <a:endParaRPr lang="en-GB" dirty="0"/>
@@ -39451,7 +38660,7 @@
             <a:fld id="{C2A96E4E-EC3F-424D-8211-F17AF9FC0446}" type="slidenum">
               <a:rPr lang="de-DE" smtClean="0"/>
               <a:pPr/>
-              <a:t>16</a:t>
+              <a:t>14</a:t>
             </a:fld>
             <a:endParaRPr lang="de-DE" dirty="0"/>
           </a:p>
@@ -39551,7 +38760,7 @@
 </p:sld>
 </file>
 
-<file path=ppt/slides/slide18.xml><?xml version="1.0" encoding="utf-8"?>
+<file path=ppt/slides/slide16.xml><?xml version="1.0" encoding="utf-8"?>
 <p:sld xmlns:a="http://schemas.openxmlformats.org/drawingml/2006/main" xmlns:r="http://schemas.openxmlformats.org/officeDocument/2006/relationships" xmlns:p="http://schemas.openxmlformats.org/presentationml/2006/main">
   <p:cSld>
     <p:spTree>
@@ -39570,25 +38779,6 @@
       </p:grpSpPr>
       <p:sp>
         <p:nvSpPr>
-          <p:cNvPr id="2" name="Vertikaler Textplatzhalter 1"/>
-          <p:cNvSpPr>
-            <a:spLocks noGrp="1"/>
-          </p:cNvSpPr>
-          <p:nvPr>
-            <p:ph type="body" orient="vert" idx="1"/>
-          </p:nvPr>
-        </p:nvSpPr>
-        <p:spPr/>
-        <p:txBody>
-          <a:bodyPr/>
-          <a:lstStyle/>
-          <a:p>
-            <a:endParaRPr lang="en-GB"/>
-          </a:p>
-        </p:txBody>
-      </p:sp>
-      <p:sp>
-        <p:nvSpPr>
           <p:cNvPr id="3" name="Fußzeilenplatzhalter 2"/>
           <p:cNvSpPr>
             <a:spLocks noGrp="1"/>
@@ -39628,7 +38818,7 @@
             <a:fld id="{C2A96E4E-EC3F-424D-8211-F17AF9FC0446}" type="slidenum">
               <a:rPr lang="de-DE" smtClean="0"/>
               <a:pPr/>
-              <a:t>17</a:t>
+              <a:t>15</a:t>
             </a:fld>
             <a:endParaRPr lang="de-DE" dirty="0"/>
           </a:p>
@@ -39692,6 +38882,64 @@
           </a:p>
         </p:txBody>
       </p:sp>
+      <p:pic>
+        <p:nvPicPr>
+          <p:cNvPr id="7" name="Grafik 6"/>
+          <p:cNvPicPr>
+            <a:picLocks noChangeAspect="1"/>
+          </p:cNvPicPr>
+          <p:nvPr/>
+        </p:nvPicPr>
+        <p:blipFill rotWithShape="1">
+          <a:blip r:embed="rId2">
+            <a:extLst>
+              <a:ext uri="{28A0092B-C50C-407E-A947-70E740481C1C}">
+                <a14:useLocalDpi xmlns:a14="http://schemas.microsoft.com/office/drawing/2010/main" val="0"/>
+              </a:ext>
+            </a:extLst>
+          </a:blip>
+          <a:srcRect l="1222" t="52602"/>
+          <a:stretch/>
+        </p:blipFill>
+        <p:spPr>
+          <a:xfrm>
+            <a:off x="628651" y="4572000"/>
+            <a:ext cx="7939589" cy="1347459"/>
+          </a:xfrm>
+          <a:prstGeom prst="rect">
+            <a:avLst/>
+          </a:prstGeom>
+        </p:spPr>
+      </p:pic>
+      <p:pic>
+        <p:nvPicPr>
+          <p:cNvPr id="8" name="Grafik 7"/>
+          <p:cNvPicPr>
+            <a:picLocks noChangeAspect="1"/>
+          </p:cNvPicPr>
+          <p:nvPr/>
+        </p:nvPicPr>
+        <p:blipFill rotWithShape="1">
+          <a:blip r:embed="rId3">
+            <a:extLst>
+              <a:ext uri="{28A0092B-C50C-407E-A947-70E740481C1C}">
+                <a14:useLocalDpi xmlns:a14="http://schemas.microsoft.com/office/drawing/2010/main" val="0"/>
+              </a:ext>
+            </a:extLst>
+          </a:blip>
+          <a:srcRect t="3467"/>
+          <a:stretch/>
+        </p:blipFill>
+        <p:spPr>
+          <a:xfrm>
+            <a:off x="495300" y="1624082"/>
+            <a:ext cx="8020049" cy="2204785"/>
+          </a:xfrm>
+          <a:prstGeom prst="rect">
+            <a:avLst/>
+          </a:prstGeom>
+        </p:spPr>
+      </p:pic>
     </p:spTree>
     <p:extLst>
       <p:ext uri="{BB962C8B-B14F-4D97-AF65-F5344CB8AC3E}">
@@ -39705,7 +38953,7 @@
 </p:sld>
 </file>
 
-<file path=ppt/slides/slide19.xml><?xml version="1.0" encoding="utf-8"?>
+<file path=ppt/slides/slide17.xml><?xml version="1.0" encoding="utf-8"?>
 <p:sld xmlns:a="http://schemas.openxmlformats.org/drawingml/2006/main" xmlns:r="http://schemas.openxmlformats.org/officeDocument/2006/relationships" xmlns:p="http://schemas.openxmlformats.org/presentationml/2006/main">
   <p:cSld>
     <p:spTree>
@@ -39722,8 +38970,8 @@
           <a:chExt cx="0" cy="0"/>
         </a:xfrm>
       </p:grpSpPr>
-      <mc:AlternateContent xmlns:mc="http://schemas.openxmlformats.org/markup-compatibility/2006">
-        <mc:Choice xmlns:a14="http://schemas.microsoft.com/office/drawing/2010/main" Requires="a14">
+      <mc:AlternateContent xmlns:mc="http://schemas.openxmlformats.org/markup-compatibility/2006" xmlns:a14="http://schemas.microsoft.com/office/drawing/2010/main">
+        <mc:Choice Requires="a14">
           <p:sp>
             <p:nvSpPr>
               <p:cNvPr id="2" name="Vertikaler Textplatzhalter 1"/>
@@ -39986,7 +39234,7 @@
             </p:txBody>
           </p:sp>
         </mc:Choice>
-        <mc:Fallback>
+        <mc:Fallback xmlns="">
           <p:sp>
             <p:nvSpPr>
               <p:cNvPr id="2" name="Vertikaler Textplatzhalter 1"/>
@@ -40061,7 +39309,7 @@
             <a:fld id="{C2A96E4E-EC3F-424D-8211-F17AF9FC0446}" type="slidenum">
               <a:rPr lang="de-DE" smtClean="0"/>
               <a:pPr/>
-              <a:t>18</a:t>
+              <a:t>16</a:t>
             </a:fld>
             <a:endParaRPr lang="de-DE" dirty="0"/>
           </a:p>
@@ -40129,6 +39377,350 @@
     <p:extLst>
       <p:ext uri="{BB962C8B-B14F-4D97-AF65-F5344CB8AC3E}">
         <p14:creationId xmlns:p14="http://schemas.microsoft.com/office/powerpoint/2010/main" val="2101369942"/>
+      </p:ext>
+    </p:extLst>
+  </p:cSld>
+  <p:clrMapOvr>
+    <a:masterClrMapping/>
+  </p:clrMapOvr>
+  <p:timing>
+    <p:tnLst>
+      <p:par>
+        <p:cTn id="1" dur="indefinite" restart="never" nodeType="tmRoot"/>
+      </p:par>
+    </p:tnLst>
+  </p:timing>
+</p:sld>
+</file>
+
+<file path=ppt/slides/slide18.xml><?xml version="1.0" encoding="utf-8"?>
+<p:sld xmlns:a="http://schemas.openxmlformats.org/drawingml/2006/main" xmlns:r="http://schemas.openxmlformats.org/officeDocument/2006/relationships" xmlns:p="http://schemas.openxmlformats.org/presentationml/2006/main">
+  <p:cSld>
+    <p:spTree>
+      <p:nvGrpSpPr>
+        <p:cNvPr id="1" name=""/>
+        <p:cNvGrpSpPr/>
+        <p:nvPr/>
+      </p:nvGrpSpPr>
+      <p:grpSpPr>
+        <a:xfrm>
+          <a:off x="0" y="0"/>
+          <a:ext cx="0" cy="0"/>
+          <a:chOff x="0" y="0"/>
+          <a:chExt cx="0" cy="0"/>
+        </a:xfrm>
+      </p:grpSpPr>
+      <p:sp>
+        <p:nvSpPr>
+          <p:cNvPr id="3" name="Fußzeilenplatzhalter 2"/>
+          <p:cNvSpPr>
+            <a:spLocks noGrp="1"/>
+          </p:cNvSpPr>
+          <p:nvPr>
+            <p:ph type="ftr" sz="quarter" idx="11"/>
+          </p:nvPr>
+        </p:nvSpPr>
+        <p:spPr/>
+        <p:txBody>
+          <a:bodyPr/>
+          <a:lstStyle/>
+          <a:p>
+            <a:r>
+              <a:rPr lang="de-DE" smtClean="0"/>
+              <a:t>Reiner Lemoine Institut</a:t>
+            </a:r>
+            <a:endParaRPr lang="de-DE" dirty="0"/>
+          </a:p>
+        </p:txBody>
+      </p:sp>
+      <p:sp>
+        <p:nvSpPr>
+          <p:cNvPr id="4" name="Foliennummernplatzhalter 3"/>
+          <p:cNvSpPr>
+            <a:spLocks noGrp="1"/>
+          </p:cNvSpPr>
+          <p:nvPr>
+            <p:ph type="sldNum" sz="quarter" idx="12"/>
+          </p:nvPr>
+        </p:nvSpPr>
+        <p:spPr/>
+        <p:txBody>
+          <a:bodyPr/>
+          <a:lstStyle/>
+          <a:p>
+            <a:fld id="{C2A96E4E-EC3F-424D-8211-F17AF9FC0446}" type="slidenum">
+              <a:rPr lang="de-DE" smtClean="0"/>
+              <a:pPr/>
+              <a:t>17</a:t>
+            </a:fld>
+            <a:endParaRPr lang="de-DE" dirty="0"/>
+          </a:p>
+        </p:txBody>
+      </p:sp>
+      <p:sp>
+        <p:nvSpPr>
+          <p:cNvPr id="5" name="Titel 4"/>
+          <p:cNvSpPr>
+            <a:spLocks noGrp="1"/>
+          </p:cNvSpPr>
+          <p:nvPr>
+            <p:ph type="title"/>
+          </p:nvPr>
+        </p:nvSpPr>
+        <p:spPr/>
+        <p:txBody>
+          <a:bodyPr/>
+          <a:lstStyle/>
+          <a:p>
+            <a:r>
+              <a:rPr lang="de-DE" dirty="0" smtClean="0"/>
+              <a:t>The „</a:t>
+            </a:r>
+            <a:r>
+              <a:rPr lang="de-DE" dirty="0" err="1" smtClean="0"/>
+              <a:t>lp</a:t>
+            </a:r>
+            <a:r>
+              <a:rPr lang="de-DE" dirty="0" smtClean="0"/>
+              <a:t>-file“: </a:t>
+            </a:r>
+            <a:r>
+              <a:rPr lang="de-DE" dirty="0" err="1" smtClean="0"/>
+              <a:t>Constraints</a:t>
+            </a:r>
+            <a:endParaRPr lang="en-GB" dirty="0"/>
+          </a:p>
+        </p:txBody>
+      </p:sp>
+      <p:sp>
+        <p:nvSpPr>
+          <p:cNvPr id="6" name="Datumsplatzhalter 5"/>
+          <p:cNvSpPr>
+            <a:spLocks noGrp="1"/>
+          </p:cNvSpPr>
+          <p:nvPr>
+            <p:ph type="dt" sz="half" idx="13"/>
+          </p:nvPr>
+        </p:nvSpPr>
+        <p:spPr/>
+        <p:txBody>
+          <a:bodyPr/>
+          <a:lstStyle/>
+          <a:p>
+            <a:r>
+              <a:rPr lang="en-US" noProof="0" smtClean="0"/>
+              <a:t>September 18, 2019</a:t>
+            </a:r>
+            <a:endParaRPr lang="en-US" noProof="0" dirty="0"/>
+          </a:p>
+        </p:txBody>
+      </p:sp>
+      <p:pic>
+        <p:nvPicPr>
+          <p:cNvPr id="7" name="Grafik 6"/>
+          <p:cNvPicPr>
+            <a:picLocks noChangeAspect="1"/>
+          </p:cNvPicPr>
+          <p:nvPr/>
+        </p:nvPicPr>
+        <p:blipFill>
+          <a:blip r:embed="rId2">
+            <a:extLst>
+              <a:ext uri="{28A0092B-C50C-407E-A947-70E740481C1C}">
+                <a14:useLocalDpi xmlns:a14="http://schemas.microsoft.com/office/drawing/2010/main" val="0"/>
+              </a:ext>
+            </a:extLst>
+          </a:blip>
+          <a:stretch>
+            <a:fillRect/>
+          </a:stretch>
+        </p:blipFill>
+        <p:spPr>
+          <a:xfrm>
+            <a:off x="977056" y="2047154"/>
+            <a:ext cx="7189887" cy="2593074"/>
+          </a:xfrm>
+          <a:prstGeom prst="rect">
+            <a:avLst/>
+          </a:prstGeom>
+        </p:spPr>
+      </p:pic>
+    </p:spTree>
+    <p:extLst>
+      <p:ext uri="{BB962C8B-B14F-4D97-AF65-F5344CB8AC3E}">
+        <p14:creationId xmlns:p14="http://schemas.microsoft.com/office/powerpoint/2010/main" val="3613044812"/>
+      </p:ext>
+    </p:extLst>
+  </p:cSld>
+  <p:clrMapOvr>
+    <a:masterClrMapping/>
+  </p:clrMapOvr>
+  <p:timing>
+    <p:tnLst>
+      <p:par>
+        <p:cTn id="1" dur="indefinite" restart="never" nodeType="tmRoot"/>
+      </p:par>
+    </p:tnLst>
+  </p:timing>
+</p:sld>
+</file>
+
+<file path=ppt/slides/slide19.xml><?xml version="1.0" encoding="utf-8"?>
+<p:sld xmlns:a="http://schemas.openxmlformats.org/drawingml/2006/main" xmlns:r="http://schemas.openxmlformats.org/officeDocument/2006/relationships" xmlns:p="http://schemas.openxmlformats.org/presentationml/2006/main">
+  <p:cSld>
+    <p:spTree>
+      <p:nvGrpSpPr>
+        <p:cNvPr id="1" name=""/>
+        <p:cNvGrpSpPr/>
+        <p:nvPr/>
+      </p:nvGrpSpPr>
+      <p:grpSpPr>
+        <a:xfrm>
+          <a:off x="0" y="0"/>
+          <a:ext cx="0" cy="0"/>
+          <a:chOff x="0" y="0"/>
+          <a:chExt cx="0" cy="0"/>
+        </a:xfrm>
+      </p:grpSpPr>
+      <p:sp>
+        <p:nvSpPr>
+          <p:cNvPr id="2" name="Titel 1"/>
+          <p:cNvSpPr>
+            <a:spLocks noGrp="1"/>
+          </p:cNvSpPr>
+          <p:nvPr>
+            <p:ph type="title"/>
+          </p:nvPr>
+        </p:nvSpPr>
+        <p:spPr>
+          <a:xfrm>
+            <a:off x="628650" y="370173"/>
+            <a:ext cx="7902197" cy="695016"/>
+          </a:xfrm>
+        </p:spPr>
+        <p:txBody>
+          <a:bodyPr/>
+          <a:lstStyle/>
+          <a:p>
+            <a:r>
+              <a:rPr lang="en-US" b="1" noProof="0" smtClean="0">
+                <a:latin typeface="Roboto" charset="0"/>
+                <a:ea typeface="Roboto" charset="0"/>
+                <a:cs typeface="Roboto" charset="0"/>
+              </a:rPr>
+              <a:t>Agenda</a:t>
+            </a:r>
+            <a:endParaRPr lang="en-US" b="1" noProof="0" dirty="0">
+              <a:latin typeface="Roboto" charset="0"/>
+              <a:ea typeface="Roboto" charset="0"/>
+              <a:cs typeface="Roboto" charset="0"/>
+            </a:endParaRPr>
+          </a:p>
+        </p:txBody>
+      </p:sp>
+      <p:sp>
+        <p:nvSpPr>
+          <p:cNvPr id="5" name="Fußzeilenplatzhalter 4"/>
+          <p:cNvSpPr>
+            <a:spLocks noGrp="1"/>
+          </p:cNvSpPr>
+          <p:nvPr>
+            <p:ph type="ftr" sz="quarter" idx="11"/>
+          </p:nvPr>
+        </p:nvSpPr>
+        <p:spPr/>
+        <p:txBody>
+          <a:bodyPr/>
+          <a:lstStyle/>
+          <a:p>
+            <a:r>
+              <a:rPr lang="de-DE" smtClean="0"/>
+              <a:t>Reiner Lemoine Institut</a:t>
+            </a:r>
+            <a:endParaRPr lang="de-DE" dirty="0"/>
+          </a:p>
+        </p:txBody>
+      </p:sp>
+      <p:sp>
+        <p:nvSpPr>
+          <p:cNvPr id="6" name="Foliennummernplatzhalter 5"/>
+          <p:cNvSpPr>
+            <a:spLocks noGrp="1"/>
+          </p:cNvSpPr>
+          <p:nvPr>
+            <p:ph type="sldNum" sz="quarter" idx="12"/>
+          </p:nvPr>
+        </p:nvSpPr>
+        <p:spPr/>
+        <p:txBody>
+          <a:bodyPr/>
+          <a:lstStyle/>
+          <a:p>
+            <a:fld id="{C2A96E4E-EC3F-424D-8211-F17AF9FC0446}" type="slidenum">
+              <a:rPr lang="de-DE" smtClean="0"/>
+              <a:pPr/>
+              <a:t>18</a:t>
+            </a:fld>
+            <a:endParaRPr lang="de-DE" dirty="0"/>
+          </a:p>
+        </p:txBody>
+      </p:sp>
+      <p:graphicFrame>
+        <p:nvGraphicFramePr>
+          <p:cNvPr id="8" name="Diagram 3"/>
+          <p:cNvGraphicFramePr>
+            <a:graphicFrameLocks/>
+          </p:cNvGraphicFramePr>
+          <p:nvPr>
+            <p:extLst>
+              <p:ext uri="{D42A27DB-BD31-4B8C-83A1-F6EECF244321}">
+                <p14:modId xmlns:p14="http://schemas.microsoft.com/office/powerpoint/2010/main" val="3003020064"/>
+              </p:ext>
+            </p:extLst>
+          </p:nvPr>
+        </p:nvGraphicFramePr>
+        <p:xfrm>
+          <a:off x="669248" y="1184314"/>
+          <a:ext cx="7179352" cy="5100372"/>
+        </p:xfrm>
+        <a:graphic>
+          <a:graphicData uri="http://schemas.openxmlformats.org/drawingml/2006/diagram">
+            <dgm:relIds xmlns:dgm="http://schemas.openxmlformats.org/drawingml/2006/diagram" xmlns:r="http://schemas.openxmlformats.org/officeDocument/2006/relationships" r:dm="rId2" r:lo="rId3" r:qs="rId4" r:cs="rId5"/>
+          </a:graphicData>
+        </a:graphic>
+      </p:graphicFrame>
+      <p:sp>
+        <p:nvSpPr>
+          <p:cNvPr id="7" name="Datumsplatzhalter 5"/>
+          <p:cNvSpPr>
+            <a:spLocks noGrp="1"/>
+          </p:cNvSpPr>
+          <p:nvPr>
+            <p:ph type="dt" sz="half" idx="13"/>
+          </p:nvPr>
+        </p:nvSpPr>
+        <p:spPr>
+          <a:xfrm>
+            <a:off x="628650" y="6487210"/>
+            <a:ext cx="2057400" cy="365125"/>
+          </a:xfrm>
+        </p:spPr>
+        <p:txBody>
+          <a:bodyPr/>
+          <a:lstStyle/>
+          <a:p>
+            <a:r>
+              <a:rPr lang="en-US" dirty="0" smtClean="0"/>
+              <a:t>September 18, 2019</a:t>
+            </a:r>
+            <a:endParaRPr lang="de-DE" dirty="0"/>
+          </a:p>
+        </p:txBody>
+      </p:sp>
+    </p:spTree>
+    <p:extLst>
+      <p:ext uri="{BB962C8B-B14F-4D97-AF65-F5344CB8AC3E}">
+        <p14:creationId xmlns:p14="http://schemas.microsoft.com/office/powerpoint/2010/main" val="1133473579"/>
       </p:ext>
     </p:extLst>
   </p:cSld>
@@ -40667,7 +40259,206 @@
           <a:bodyPr/>
           <a:lstStyle/>
           <a:p>
-            <a:endParaRPr lang="en-GB" dirty="0"/>
+            <a:r>
+              <a:rPr lang="de-DE" dirty="0" smtClean="0"/>
+              <a:t>Rules </a:t>
+            </a:r>
+            <a:r>
+              <a:rPr lang="de-DE" dirty="0" err="1" smtClean="0"/>
+              <a:t>for</a:t>
+            </a:r>
+            <a:r>
+              <a:rPr lang="de-DE" dirty="0" smtClean="0"/>
+              <a:t> </a:t>
+            </a:r>
+            <a:r>
+              <a:rPr lang="de-DE" dirty="0" err="1" smtClean="0"/>
+              <a:t>own</a:t>
+            </a:r>
+            <a:r>
+              <a:rPr lang="de-DE" dirty="0" smtClean="0"/>
+              <a:t> </a:t>
+            </a:r>
+            <a:r>
+              <a:rPr lang="de-DE" dirty="0" err="1" smtClean="0"/>
+              <a:t>constraints</a:t>
+            </a:r>
+            <a:r>
+              <a:rPr lang="de-DE" dirty="0" smtClean="0"/>
+              <a:t>:</a:t>
+            </a:r>
+          </a:p>
+          <a:p>
+            <a:pPr lvl="1"/>
+            <a:r>
+              <a:rPr lang="de-DE" dirty="0" smtClean="0"/>
+              <a:t> </a:t>
+            </a:r>
+            <a:r>
+              <a:rPr lang="de-DE" dirty="0" err="1" smtClean="0"/>
+              <a:t>Linearized</a:t>
+            </a:r>
+            <a:r>
+              <a:rPr lang="de-DE" dirty="0" smtClean="0"/>
+              <a:t> </a:t>
+            </a:r>
+            <a:r>
+              <a:rPr lang="de-DE" dirty="0" err="1" smtClean="0"/>
+              <a:t>behaviour</a:t>
+            </a:r>
+            <a:endParaRPr lang="de-DE" dirty="0" smtClean="0"/>
+          </a:p>
+          <a:p>
+            <a:pPr lvl="1"/>
+            <a:r>
+              <a:rPr lang="de-DE" dirty="0" smtClean="0"/>
+              <a:t> </a:t>
+            </a:r>
+            <a:r>
+              <a:rPr lang="de-DE" dirty="0" err="1" smtClean="0"/>
+              <a:t>No</a:t>
+            </a:r>
+            <a:r>
+              <a:rPr lang="de-DE" dirty="0"/>
+              <a:t> </a:t>
+            </a:r>
+            <a:r>
+              <a:rPr lang="de-DE" dirty="0" err="1"/>
+              <a:t>no</a:t>
+            </a:r>
+            <a:r>
+              <a:rPr lang="de-DE" dirty="0"/>
+              <a:t> „</a:t>
+            </a:r>
+            <a:r>
+              <a:rPr lang="de-DE" dirty="0" err="1" smtClean="0"/>
+              <a:t>if</a:t>
+            </a:r>
+            <a:r>
+              <a:rPr lang="de-DE" dirty="0" smtClean="0"/>
+              <a:t>-</a:t>
+            </a:r>
+            <a:r>
+              <a:rPr lang="de-DE" dirty="0" err="1" smtClean="0"/>
+              <a:t>then</a:t>
+            </a:r>
+            <a:r>
+              <a:rPr lang="de-DE" dirty="0" smtClean="0"/>
+              <a:t>-relation“ </a:t>
+            </a:r>
+            <a:r>
+              <a:rPr lang="de-DE" dirty="0" err="1" smtClean="0"/>
+              <a:t>with</a:t>
+            </a:r>
+            <a:r>
+              <a:rPr lang="de-DE" dirty="0" smtClean="0"/>
+              <a:t> </a:t>
+            </a:r>
+            <a:r>
+              <a:rPr lang="de-DE" dirty="0" err="1" smtClean="0"/>
+              <a:t>other</a:t>
+            </a:r>
+            <a:r>
+              <a:rPr lang="de-DE" dirty="0" smtClean="0"/>
+              <a:t> </a:t>
+            </a:r>
+            <a:r>
+              <a:rPr lang="de-DE" dirty="0" err="1" smtClean="0"/>
+              <a:t>decision</a:t>
+            </a:r>
+            <a:r>
+              <a:rPr lang="de-DE" dirty="0" smtClean="0"/>
+              <a:t> </a:t>
+            </a:r>
+            <a:r>
+              <a:rPr lang="de-DE" dirty="0" smtClean="0"/>
+              <a:t>variables</a:t>
+            </a:r>
+          </a:p>
+          <a:p>
+            <a:r>
+              <a:rPr lang="de-DE" dirty="0" err="1" smtClean="0"/>
+              <a:t>If-then</a:t>
+            </a:r>
+            <a:r>
+              <a:rPr lang="de-DE" dirty="0" smtClean="0"/>
+              <a:t> </a:t>
+            </a:r>
+            <a:r>
+              <a:rPr lang="de-DE" dirty="0" err="1" smtClean="0"/>
+              <a:t>relations</a:t>
+            </a:r>
+            <a:r>
+              <a:rPr lang="de-DE" dirty="0" smtClean="0"/>
+              <a:t> </a:t>
+            </a:r>
+            <a:r>
+              <a:rPr lang="de-DE" dirty="0" err="1" smtClean="0"/>
+              <a:t>can</a:t>
+            </a:r>
+            <a:r>
+              <a:rPr lang="de-DE" dirty="0" smtClean="0"/>
+              <a:t> </a:t>
+            </a:r>
+            <a:r>
+              <a:rPr lang="de-DE" dirty="0" err="1" smtClean="0"/>
+              <a:t>be</a:t>
+            </a:r>
+            <a:r>
+              <a:rPr lang="de-DE" dirty="0" smtClean="0"/>
+              <a:t> </a:t>
+            </a:r>
+            <a:r>
+              <a:rPr lang="de-DE" dirty="0" err="1" smtClean="0"/>
+              <a:t>implemented</a:t>
+            </a:r>
+            <a:r>
+              <a:rPr lang="de-DE" dirty="0" smtClean="0"/>
+              <a:t> </a:t>
+            </a:r>
+            <a:r>
+              <a:rPr lang="de-DE" dirty="0" err="1" smtClean="0"/>
+              <a:t>when</a:t>
+            </a:r>
+            <a:r>
+              <a:rPr lang="de-DE" dirty="0" smtClean="0"/>
+              <a:t> </a:t>
+            </a:r>
+            <a:r>
+              <a:rPr lang="de-DE" dirty="0" err="1" smtClean="0"/>
+              <a:t>accessing</a:t>
+            </a:r>
+            <a:r>
+              <a:rPr lang="de-DE" dirty="0" smtClean="0"/>
+              <a:t> a definite </a:t>
+            </a:r>
+            <a:r>
+              <a:rPr lang="de-DE" dirty="0" err="1" smtClean="0"/>
+              <a:t>timeseries</a:t>
+            </a:r>
+            <a:r>
+              <a:rPr lang="de-DE" dirty="0" smtClean="0"/>
+              <a:t> </a:t>
+            </a:r>
+            <a:r>
+              <a:rPr lang="de-DE" dirty="0" err="1" smtClean="0"/>
+              <a:t>of</a:t>
+            </a:r>
+            <a:r>
+              <a:rPr lang="de-DE" dirty="0" smtClean="0"/>
+              <a:t> </a:t>
+            </a:r>
+            <a:r>
+              <a:rPr lang="de-DE" dirty="0" err="1" smtClean="0">
+                <a:latin typeface="Courier New" panose="02070309020205020404" pitchFamily="49" charset="0"/>
+                <a:cs typeface="Courier New" panose="02070309020205020404" pitchFamily="49" charset="0"/>
+              </a:rPr>
+              <a:t>actual_value</a:t>
+            </a:r>
+            <a:endParaRPr lang="de-DE" dirty="0" smtClean="0">
+              <a:latin typeface="Courier New" panose="02070309020205020404" pitchFamily="49" charset="0"/>
+              <a:cs typeface="Courier New" panose="02070309020205020404" pitchFamily="49" charset="0"/>
+            </a:endParaRPr>
           </a:p>
         </p:txBody>
       </p:sp>
@@ -40735,19 +40526,27 @@
           <a:p>
             <a:r>
               <a:rPr lang="de-DE" dirty="0" smtClean="0"/>
-              <a:t>The „</a:t>
+              <a:t>Guidelines </a:t>
             </a:r>
             <a:r>
               <a:rPr lang="de-DE" dirty="0" err="1" smtClean="0"/>
-              <a:t>lp</a:t>
+              <a:t>for</a:t>
             </a:r>
             <a:r>
               <a:rPr lang="de-DE" dirty="0" smtClean="0"/>
-              <a:t>-file“: </a:t>
+              <a:t> </a:t>
             </a:r>
             <a:r>
               <a:rPr lang="de-DE" dirty="0" err="1" smtClean="0"/>
-              <a:t>Constraints</a:t>
+              <a:t>own</a:t>
+            </a:r>
+            <a:r>
+              <a:rPr lang="de-DE" dirty="0" smtClean="0"/>
+              <a:t> </a:t>
+            </a:r>
+            <a:r>
+              <a:rPr lang="de-DE" dirty="0" err="1" smtClean="0"/>
+              <a:t>constraints</a:t>
             </a:r>
             <a:endParaRPr lang="en-GB" dirty="0"/>
           </a:p>
@@ -40779,7 +40578,7 @@
     </p:spTree>
     <p:extLst>
       <p:ext uri="{BB962C8B-B14F-4D97-AF65-F5344CB8AC3E}">
-        <p14:creationId xmlns:p14="http://schemas.microsoft.com/office/powerpoint/2010/main" val="3613044812"/>
+        <p14:creationId xmlns:p14="http://schemas.microsoft.com/office/powerpoint/2010/main" val="657800028"/>
       </p:ext>
     </p:extLst>
   </p:cSld>
@@ -40815,614 +40614,6 @@
       </p:grpSpPr>
       <p:sp>
         <p:nvSpPr>
-          <p:cNvPr id="2" name="Titel 1"/>
-          <p:cNvSpPr>
-            <a:spLocks noGrp="1"/>
-          </p:cNvSpPr>
-          <p:nvPr>
-            <p:ph type="title"/>
-          </p:nvPr>
-        </p:nvSpPr>
-        <p:spPr>
-          <a:xfrm>
-            <a:off x="628650" y="370173"/>
-            <a:ext cx="7902197" cy="695016"/>
-          </a:xfrm>
-        </p:spPr>
-        <p:txBody>
-          <a:bodyPr/>
-          <a:lstStyle/>
-          <a:p>
-            <a:r>
-              <a:rPr lang="en-US" b="1" noProof="0" smtClean="0">
-                <a:latin typeface="Roboto" charset="0"/>
-                <a:ea typeface="Roboto" charset="0"/>
-                <a:cs typeface="Roboto" charset="0"/>
-              </a:rPr>
-              <a:t>Agenda</a:t>
-            </a:r>
-            <a:endParaRPr lang="en-US" b="1" noProof="0" dirty="0">
-              <a:latin typeface="Roboto" charset="0"/>
-              <a:ea typeface="Roboto" charset="0"/>
-              <a:cs typeface="Roboto" charset="0"/>
-            </a:endParaRPr>
-          </a:p>
-        </p:txBody>
-      </p:sp>
-      <p:sp>
-        <p:nvSpPr>
-          <p:cNvPr id="5" name="Fußzeilenplatzhalter 4"/>
-          <p:cNvSpPr>
-            <a:spLocks noGrp="1"/>
-          </p:cNvSpPr>
-          <p:nvPr>
-            <p:ph type="ftr" sz="quarter" idx="11"/>
-          </p:nvPr>
-        </p:nvSpPr>
-        <p:spPr/>
-        <p:txBody>
-          <a:bodyPr/>
-          <a:lstStyle/>
-          <a:p>
-            <a:r>
-              <a:rPr lang="de-DE" smtClean="0"/>
-              <a:t>Reiner Lemoine Institut</a:t>
-            </a:r>
-            <a:endParaRPr lang="de-DE" dirty="0"/>
-          </a:p>
-        </p:txBody>
-      </p:sp>
-      <p:sp>
-        <p:nvSpPr>
-          <p:cNvPr id="6" name="Foliennummernplatzhalter 5"/>
-          <p:cNvSpPr>
-            <a:spLocks noGrp="1"/>
-          </p:cNvSpPr>
-          <p:nvPr>
-            <p:ph type="sldNum" sz="quarter" idx="12"/>
-          </p:nvPr>
-        </p:nvSpPr>
-        <p:spPr/>
-        <p:txBody>
-          <a:bodyPr/>
-          <a:lstStyle/>
-          <a:p>
-            <a:fld id="{C2A96E4E-EC3F-424D-8211-F17AF9FC0446}" type="slidenum">
-              <a:rPr lang="de-DE" smtClean="0"/>
-              <a:pPr/>
-              <a:t>20</a:t>
-            </a:fld>
-            <a:endParaRPr lang="de-DE" dirty="0"/>
-          </a:p>
-        </p:txBody>
-      </p:sp>
-      <p:graphicFrame>
-        <p:nvGraphicFramePr>
-          <p:cNvPr id="8" name="Diagram 3"/>
-          <p:cNvGraphicFramePr>
-            <a:graphicFrameLocks/>
-          </p:cNvGraphicFramePr>
-          <p:nvPr>
-            <p:extLst>
-              <p:ext uri="{D42A27DB-BD31-4B8C-83A1-F6EECF244321}">
-                <p14:modId xmlns:p14="http://schemas.microsoft.com/office/powerpoint/2010/main" val="3003020064"/>
-              </p:ext>
-            </p:extLst>
-          </p:nvPr>
-        </p:nvGraphicFramePr>
-        <p:xfrm>
-          <a:off x="669248" y="1184314"/>
-          <a:ext cx="7179352" cy="5100372"/>
-        </p:xfrm>
-        <a:graphic>
-          <a:graphicData uri="http://schemas.openxmlformats.org/drawingml/2006/diagram">
-            <dgm:relIds xmlns:dgm="http://schemas.openxmlformats.org/drawingml/2006/diagram" xmlns:r="http://schemas.openxmlformats.org/officeDocument/2006/relationships" r:dm="rId2" r:lo="rId3" r:qs="rId4" r:cs="rId5"/>
-          </a:graphicData>
-        </a:graphic>
-      </p:graphicFrame>
-      <p:sp>
-        <p:nvSpPr>
-          <p:cNvPr id="7" name="Datumsplatzhalter 5"/>
-          <p:cNvSpPr>
-            <a:spLocks noGrp="1"/>
-          </p:cNvSpPr>
-          <p:nvPr>
-            <p:ph type="dt" sz="half" idx="13"/>
-          </p:nvPr>
-        </p:nvSpPr>
-        <p:spPr>
-          <a:xfrm>
-            <a:off x="628650" y="6487210"/>
-            <a:ext cx="2057400" cy="365125"/>
-          </a:xfrm>
-        </p:spPr>
-        <p:txBody>
-          <a:bodyPr/>
-          <a:lstStyle/>
-          <a:p>
-            <a:r>
-              <a:rPr lang="en-US" dirty="0" smtClean="0"/>
-              <a:t>September 18, 2019</a:t>
-            </a:r>
-            <a:endParaRPr lang="de-DE" dirty="0"/>
-          </a:p>
-        </p:txBody>
-      </p:sp>
-    </p:spTree>
-    <p:extLst>
-      <p:ext uri="{BB962C8B-B14F-4D97-AF65-F5344CB8AC3E}">
-        <p14:creationId xmlns:p14="http://schemas.microsoft.com/office/powerpoint/2010/main" val="1133473579"/>
-      </p:ext>
-    </p:extLst>
-  </p:cSld>
-  <p:clrMapOvr>
-    <a:masterClrMapping/>
-  </p:clrMapOvr>
-  <p:timing>
-    <p:tnLst>
-      <p:par>
-        <p:cTn id="1" dur="indefinite" restart="never" nodeType="tmRoot"/>
-      </p:par>
-    </p:tnLst>
-  </p:timing>
-</p:sld>
-</file>
-
-<file path=ppt/slides/slide22.xml><?xml version="1.0" encoding="utf-8"?>
-<p:sld xmlns:a="http://schemas.openxmlformats.org/drawingml/2006/main" xmlns:r="http://schemas.openxmlformats.org/officeDocument/2006/relationships" xmlns:p="http://schemas.openxmlformats.org/presentationml/2006/main">
-  <p:cSld>
-    <p:spTree>
-      <p:nvGrpSpPr>
-        <p:cNvPr id="1" name=""/>
-        <p:cNvGrpSpPr/>
-        <p:nvPr/>
-      </p:nvGrpSpPr>
-      <p:grpSpPr>
-        <a:xfrm>
-          <a:off x="0" y="0"/>
-          <a:ext cx="0" cy="0"/>
-          <a:chOff x="0" y="0"/>
-          <a:chExt cx="0" cy="0"/>
-        </a:xfrm>
-      </p:grpSpPr>
-      <p:sp>
-        <p:nvSpPr>
-          <p:cNvPr id="2" name="Vertikaler Textplatzhalter 1"/>
-          <p:cNvSpPr>
-            <a:spLocks noGrp="1"/>
-          </p:cNvSpPr>
-          <p:nvPr>
-            <p:ph type="body" orient="vert" idx="1"/>
-          </p:nvPr>
-        </p:nvSpPr>
-        <p:spPr/>
-        <p:txBody>
-          <a:bodyPr/>
-          <a:lstStyle/>
-          <a:p>
-            <a:r>
-              <a:rPr lang="de-DE" dirty="0" smtClean="0"/>
-              <a:t>Rules </a:t>
-            </a:r>
-            <a:r>
-              <a:rPr lang="de-DE" dirty="0" err="1" smtClean="0"/>
-              <a:t>for</a:t>
-            </a:r>
-            <a:r>
-              <a:rPr lang="de-DE" dirty="0" smtClean="0"/>
-              <a:t> </a:t>
-            </a:r>
-            <a:r>
-              <a:rPr lang="de-DE" dirty="0" err="1" smtClean="0"/>
-              <a:t>own</a:t>
-            </a:r>
-            <a:r>
-              <a:rPr lang="de-DE" dirty="0" smtClean="0"/>
-              <a:t> </a:t>
-            </a:r>
-            <a:r>
-              <a:rPr lang="de-DE" dirty="0" err="1" smtClean="0"/>
-              <a:t>constraints</a:t>
-            </a:r>
-            <a:r>
-              <a:rPr lang="de-DE" dirty="0" smtClean="0"/>
-              <a:t>:</a:t>
-            </a:r>
-          </a:p>
-          <a:p>
-            <a:pPr lvl="1"/>
-            <a:r>
-              <a:rPr lang="de-DE" dirty="0" err="1" smtClean="0"/>
-              <a:t>Linearized</a:t>
-            </a:r>
-            <a:r>
-              <a:rPr lang="de-DE" dirty="0" smtClean="0"/>
-              <a:t> </a:t>
-            </a:r>
-            <a:r>
-              <a:rPr lang="de-DE" dirty="0" err="1" smtClean="0"/>
-              <a:t>behaviour</a:t>
-            </a:r>
-            <a:endParaRPr lang="de-DE" dirty="0" smtClean="0"/>
-          </a:p>
-          <a:p>
-            <a:pPr lvl="1"/>
-            <a:r>
-              <a:rPr lang="de-DE" dirty="0" smtClean="0"/>
-              <a:t>Non-</a:t>
-            </a:r>
-            <a:r>
-              <a:rPr lang="de-DE" dirty="0" err="1" smtClean="0"/>
-              <a:t>dependent</a:t>
-            </a:r>
-            <a:r>
-              <a:rPr lang="de-DE" dirty="0" smtClean="0"/>
-              <a:t> on </a:t>
-            </a:r>
-            <a:r>
-              <a:rPr lang="de-DE" dirty="0" err="1" smtClean="0"/>
-              <a:t>other</a:t>
-            </a:r>
-            <a:r>
-              <a:rPr lang="de-DE" dirty="0" smtClean="0"/>
-              <a:t> </a:t>
-            </a:r>
-            <a:r>
-              <a:rPr lang="de-DE" dirty="0" err="1" smtClean="0"/>
-              <a:t>decision</a:t>
-            </a:r>
-            <a:r>
-              <a:rPr lang="de-DE" dirty="0" smtClean="0"/>
-              <a:t> variables, </a:t>
-            </a:r>
-            <a:r>
-              <a:rPr lang="de-DE" dirty="0" err="1" smtClean="0"/>
-              <a:t>ie</a:t>
-            </a:r>
-            <a:r>
-              <a:rPr lang="de-DE" dirty="0" smtClean="0"/>
-              <a:t>. </a:t>
-            </a:r>
-            <a:r>
-              <a:rPr lang="de-DE" dirty="0" err="1" smtClean="0"/>
-              <a:t>no</a:t>
-            </a:r>
-            <a:r>
-              <a:rPr lang="de-DE" dirty="0" smtClean="0"/>
-              <a:t> „</a:t>
-            </a:r>
-            <a:r>
-              <a:rPr lang="de-DE" dirty="0" err="1" smtClean="0"/>
-              <a:t>if</a:t>
-            </a:r>
-            <a:r>
-              <a:rPr lang="de-DE" dirty="0" smtClean="0"/>
-              <a:t>-</a:t>
-            </a:r>
-            <a:r>
-              <a:rPr lang="de-DE" dirty="0" err="1" smtClean="0"/>
-              <a:t>then</a:t>
-            </a:r>
-            <a:r>
-              <a:rPr lang="de-DE" dirty="0" smtClean="0"/>
-              <a:t>-relation“</a:t>
-            </a:r>
-            <a:endParaRPr lang="de-DE" dirty="0"/>
-          </a:p>
-          <a:p>
-            <a:r>
-              <a:rPr lang="de-DE" dirty="0" err="1" smtClean="0"/>
-              <a:t>If-then</a:t>
-            </a:r>
-            <a:r>
-              <a:rPr lang="de-DE" dirty="0" smtClean="0"/>
-              <a:t> </a:t>
-            </a:r>
-            <a:r>
-              <a:rPr lang="de-DE" dirty="0" err="1" smtClean="0"/>
-              <a:t>relations</a:t>
-            </a:r>
-            <a:r>
-              <a:rPr lang="de-DE" dirty="0" smtClean="0"/>
-              <a:t> </a:t>
-            </a:r>
-            <a:r>
-              <a:rPr lang="de-DE" dirty="0" err="1" smtClean="0"/>
-              <a:t>can</a:t>
-            </a:r>
-            <a:r>
-              <a:rPr lang="de-DE" dirty="0" smtClean="0"/>
-              <a:t> </a:t>
-            </a:r>
-            <a:r>
-              <a:rPr lang="de-DE" dirty="0" err="1" smtClean="0"/>
-              <a:t>be</a:t>
-            </a:r>
-            <a:r>
-              <a:rPr lang="de-DE" dirty="0" smtClean="0"/>
-              <a:t> </a:t>
-            </a:r>
-            <a:r>
-              <a:rPr lang="de-DE" dirty="0" err="1" smtClean="0"/>
-              <a:t>implemented</a:t>
-            </a:r>
-            <a:r>
-              <a:rPr lang="de-DE" dirty="0" smtClean="0"/>
-              <a:t> </a:t>
-            </a:r>
-            <a:r>
-              <a:rPr lang="de-DE" dirty="0" err="1" smtClean="0"/>
-              <a:t>when</a:t>
-            </a:r>
-            <a:r>
-              <a:rPr lang="de-DE" dirty="0" smtClean="0"/>
-              <a:t> </a:t>
-            </a:r>
-            <a:r>
-              <a:rPr lang="de-DE" dirty="0" err="1" smtClean="0"/>
-              <a:t>accessing</a:t>
-            </a:r>
-            <a:r>
-              <a:rPr lang="de-DE" dirty="0" smtClean="0"/>
-              <a:t> a definite </a:t>
-            </a:r>
-            <a:r>
-              <a:rPr lang="de-DE" dirty="0" err="1" smtClean="0"/>
-              <a:t>timeseries</a:t>
-            </a:r>
-            <a:r>
-              <a:rPr lang="de-DE" dirty="0" smtClean="0"/>
-              <a:t> </a:t>
-            </a:r>
-            <a:r>
-              <a:rPr lang="de-DE" dirty="0" err="1" smtClean="0"/>
-              <a:t>of</a:t>
-            </a:r>
-            <a:r>
-              <a:rPr lang="de-DE" dirty="0" smtClean="0"/>
-              <a:t> </a:t>
-            </a:r>
-            <a:r>
-              <a:rPr lang="de-DE" dirty="0" err="1" smtClean="0">
-                <a:latin typeface="Courier New" panose="02070309020205020404" pitchFamily="49" charset="0"/>
-                <a:cs typeface="Courier New" panose="02070309020205020404" pitchFamily="49" charset="0"/>
-              </a:rPr>
-              <a:t>actual_value</a:t>
-            </a:r>
-            <a:endParaRPr lang="de-DE" dirty="0">
-              <a:latin typeface="Courier New" panose="02070309020205020404" pitchFamily="49" charset="0"/>
-              <a:cs typeface="Courier New" panose="02070309020205020404" pitchFamily="49" charset="0"/>
-            </a:endParaRPr>
-          </a:p>
-          <a:p>
-            <a:r>
-              <a:rPr lang="de-DE" dirty="0" smtClean="0">
-                <a:latin typeface="Roboto Light" panose="02000000000000000000" pitchFamily="2" charset="0"/>
-                <a:ea typeface="Roboto Light" panose="02000000000000000000" pitchFamily="2" charset="0"/>
-                <a:cs typeface="Roboto Light" panose="02000000000000000000" pitchFamily="2" charset="0"/>
-              </a:rPr>
-              <a:t>Calling…</a:t>
-            </a:r>
-          </a:p>
-          <a:p>
-            <a:pPr lvl="1"/>
-            <a:r>
-              <a:rPr lang="de-DE" dirty="0" smtClean="0">
-                <a:latin typeface="Roboto Light" panose="02000000000000000000" pitchFamily="2" charset="0"/>
-                <a:ea typeface="Roboto Light" panose="02000000000000000000" pitchFamily="2" charset="0"/>
-                <a:cs typeface="Roboto Light" panose="02000000000000000000" pitchFamily="2" charset="0"/>
-              </a:rPr>
-              <a:t>A Flow </a:t>
-            </a:r>
-            <a:r>
-              <a:rPr lang="de-DE" dirty="0" err="1" smtClean="0">
-                <a:latin typeface="Roboto Light" panose="02000000000000000000" pitchFamily="2" charset="0"/>
-                <a:ea typeface="Roboto Light" panose="02000000000000000000" pitchFamily="2" charset="0"/>
-                <a:cs typeface="Roboto Light" panose="02000000000000000000" pitchFamily="2" charset="0"/>
-              </a:rPr>
-              <a:t>of</a:t>
-            </a:r>
-            <a:r>
-              <a:rPr lang="de-DE" dirty="0" smtClean="0">
-                <a:latin typeface="Roboto Light" panose="02000000000000000000" pitchFamily="2" charset="0"/>
-                <a:ea typeface="Roboto Light" panose="02000000000000000000" pitchFamily="2" charset="0"/>
-                <a:cs typeface="Roboto Light" panose="02000000000000000000" pitchFamily="2" charset="0"/>
-              </a:rPr>
-              <a:t> an </a:t>
-            </a:r>
-            <a:r>
-              <a:rPr lang="de-DE" dirty="0" err="1" smtClean="0">
-                <a:latin typeface="Roboto Light" panose="02000000000000000000" pitchFamily="2" charset="0"/>
-                <a:ea typeface="Roboto Light" panose="02000000000000000000" pitchFamily="2" charset="0"/>
-                <a:cs typeface="Roboto Light" panose="02000000000000000000" pitchFamily="2" charset="0"/>
-              </a:rPr>
-              <a:t>component</a:t>
-            </a:r>
-            <a:r>
-              <a:rPr lang="de-DE" dirty="0" smtClean="0">
-                <a:latin typeface="Roboto Light" panose="02000000000000000000" pitchFamily="2" charset="0"/>
-                <a:ea typeface="Roboto Light" panose="02000000000000000000" pitchFamily="2" charset="0"/>
-                <a:cs typeface="Roboto Light" panose="02000000000000000000" pitchFamily="2" charset="0"/>
-              </a:rPr>
-              <a:t> </a:t>
-            </a:r>
-            <a:r>
-              <a:rPr lang="de-DE" dirty="0" err="1" smtClean="0">
-                <a:latin typeface="Roboto Light" panose="02000000000000000000" pitchFamily="2" charset="0"/>
-                <a:ea typeface="Roboto Light" panose="02000000000000000000" pitchFamily="2" charset="0"/>
-                <a:cs typeface="Roboto Light" panose="02000000000000000000" pitchFamily="2" charset="0"/>
-              </a:rPr>
-              <a:t>with</a:t>
-            </a:r>
-            <a:r>
-              <a:rPr lang="de-DE" dirty="0" smtClean="0">
-                <a:latin typeface="Roboto Light" panose="02000000000000000000" pitchFamily="2" charset="0"/>
-                <a:ea typeface="Roboto Light" panose="02000000000000000000" pitchFamily="2" charset="0"/>
-                <a:cs typeface="Roboto Light" panose="02000000000000000000" pitchFamily="2" charset="0"/>
-              </a:rPr>
-              <a:t> nominal </a:t>
-            </a:r>
-            <a:r>
-              <a:rPr lang="de-DE" dirty="0" err="1" smtClean="0">
-                <a:latin typeface="Roboto Light" panose="02000000000000000000" pitchFamily="2" charset="0"/>
-                <a:ea typeface="Roboto Light" panose="02000000000000000000" pitchFamily="2" charset="0"/>
-                <a:cs typeface="Roboto Light" panose="02000000000000000000" pitchFamily="2" charset="0"/>
-              </a:rPr>
-              <a:t>value</a:t>
-            </a:r>
-            <a:r>
-              <a:rPr lang="de-DE" dirty="0" smtClean="0">
-                <a:latin typeface="Roboto Light" panose="02000000000000000000" pitchFamily="2" charset="0"/>
-                <a:ea typeface="Roboto Light" panose="02000000000000000000" pitchFamily="2" charset="0"/>
-                <a:cs typeface="Roboto Light" panose="02000000000000000000" pitchFamily="2" charset="0"/>
-              </a:rPr>
-              <a:t>:</a:t>
-            </a:r>
-          </a:p>
-          <a:p>
-            <a:pPr lvl="1"/>
-            <a:r>
-              <a:rPr lang="de-DE" dirty="0" smtClean="0">
-                <a:latin typeface="Roboto Light" panose="02000000000000000000" pitchFamily="2" charset="0"/>
-                <a:ea typeface="Roboto Light" panose="02000000000000000000" pitchFamily="2" charset="0"/>
-                <a:cs typeface="Roboto Light" panose="02000000000000000000" pitchFamily="2" charset="0"/>
-              </a:rPr>
-              <a:t>A Flow </a:t>
-            </a:r>
-            <a:r>
-              <a:rPr lang="de-DE" dirty="0" err="1" smtClean="0">
-                <a:latin typeface="Roboto Light" panose="02000000000000000000" pitchFamily="2" charset="0"/>
-                <a:ea typeface="Roboto Light" panose="02000000000000000000" pitchFamily="2" charset="0"/>
-                <a:cs typeface="Roboto Light" panose="02000000000000000000" pitchFamily="2" charset="0"/>
-              </a:rPr>
-              <a:t>of</a:t>
-            </a:r>
-            <a:r>
-              <a:rPr lang="de-DE" dirty="0" smtClean="0">
-                <a:latin typeface="Roboto Light" panose="02000000000000000000" pitchFamily="2" charset="0"/>
-                <a:ea typeface="Roboto Light" panose="02000000000000000000" pitchFamily="2" charset="0"/>
-                <a:cs typeface="Roboto Light" panose="02000000000000000000" pitchFamily="2" charset="0"/>
-              </a:rPr>
-              <a:t> a </a:t>
-            </a:r>
-            <a:r>
-              <a:rPr lang="de-DE" dirty="0" err="1" smtClean="0">
-                <a:latin typeface="Roboto Light" panose="02000000000000000000" pitchFamily="2" charset="0"/>
-                <a:ea typeface="Roboto Light" panose="02000000000000000000" pitchFamily="2" charset="0"/>
-                <a:cs typeface="Roboto Light" panose="02000000000000000000" pitchFamily="2" charset="0"/>
-              </a:rPr>
-              <a:t>component</a:t>
-            </a:r>
-            <a:r>
-              <a:rPr lang="de-DE" dirty="0" smtClean="0">
-                <a:latin typeface="Roboto Light" panose="02000000000000000000" pitchFamily="2" charset="0"/>
-                <a:ea typeface="Roboto Light" panose="02000000000000000000" pitchFamily="2" charset="0"/>
-                <a:cs typeface="Roboto Light" panose="02000000000000000000" pitchFamily="2" charset="0"/>
-              </a:rPr>
-              <a:t> </a:t>
-            </a:r>
-            <a:r>
-              <a:rPr lang="de-DE" dirty="0" err="1" smtClean="0">
-                <a:latin typeface="Roboto Light" panose="02000000000000000000" pitchFamily="2" charset="0"/>
-                <a:ea typeface="Roboto Light" panose="02000000000000000000" pitchFamily="2" charset="0"/>
-                <a:cs typeface="Roboto Light" panose="02000000000000000000" pitchFamily="2" charset="0"/>
-              </a:rPr>
-              <a:t>with</a:t>
-            </a:r>
-            <a:r>
-              <a:rPr lang="de-DE" dirty="0" smtClean="0">
-                <a:latin typeface="Roboto Light" panose="02000000000000000000" pitchFamily="2" charset="0"/>
-                <a:ea typeface="Roboto Light" panose="02000000000000000000" pitchFamily="2" charset="0"/>
-                <a:cs typeface="Roboto Light" panose="02000000000000000000" pitchFamily="2" charset="0"/>
-              </a:rPr>
-              <a:t> an </a:t>
-            </a:r>
-            <a:r>
-              <a:rPr lang="de-DE" dirty="0" err="1" smtClean="0">
-                <a:latin typeface="Roboto Light" panose="02000000000000000000" pitchFamily="2" charset="0"/>
-                <a:ea typeface="Roboto Light" panose="02000000000000000000" pitchFamily="2" charset="0"/>
-                <a:cs typeface="Roboto Light" panose="02000000000000000000" pitchFamily="2" charset="0"/>
-              </a:rPr>
-              <a:t>investment</a:t>
-            </a:r>
-            <a:r>
-              <a:rPr lang="de-DE" dirty="0" smtClean="0">
-                <a:latin typeface="Roboto Light" panose="02000000000000000000" pitchFamily="2" charset="0"/>
-                <a:ea typeface="Roboto Light" panose="02000000000000000000" pitchFamily="2" charset="0"/>
-                <a:cs typeface="Roboto Light" panose="02000000000000000000" pitchFamily="2" charset="0"/>
-              </a:rPr>
-              <a:t> </a:t>
-            </a:r>
-            <a:r>
-              <a:rPr lang="de-DE" dirty="0" err="1" smtClean="0">
-                <a:latin typeface="Roboto Light" panose="02000000000000000000" pitchFamily="2" charset="0"/>
-                <a:ea typeface="Roboto Light" panose="02000000000000000000" pitchFamily="2" charset="0"/>
-                <a:cs typeface="Roboto Light" panose="02000000000000000000" pitchFamily="2" charset="0"/>
-              </a:rPr>
-              <a:t>object</a:t>
-            </a:r>
-            <a:endParaRPr lang="de-DE" dirty="0" smtClean="0">
-              <a:latin typeface="Roboto Light" panose="02000000000000000000" pitchFamily="2" charset="0"/>
-              <a:ea typeface="Roboto Light" panose="02000000000000000000" pitchFamily="2" charset="0"/>
-              <a:cs typeface="Roboto Light" panose="02000000000000000000" pitchFamily="2" charset="0"/>
-            </a:endParaRPr>
-          </a:p>
-          <a:p>
-            <a:pPr lvl="1"/>
-            <a:r>
-              <a:rPr lang="de-DE" dirty="0" smtClean="0">
-                <a:latin typeface="Roboto Light" panose="02000000000000000000" pitchFamily="2" charset="0"/>
-                <a:ea typeface="Roboto Light" panose="02000000000000000000" pitchFamily="2" charset="0"/>
-                <a:cs typeface="Roboto Light" panose="02000000000000000000" pitchFamily="2" charset="0"/>
-              </a:rPr>
-              <a:t>A fix </a:t>
-            </a:r>
-            <a:r>
-              <a:rPr lang="de-DE" dirty="0" err="1" smtClean="0">
-                <a:latin typeface="Roboto Light" panose="02000000000000000000" pitchFamily="2" charset="0"/>
-                <a:ea typeface="Roboto Light" panose="02000000000000000000" pitchFamily="2" charset="0"/>
-                <a:cs typeface="Roboto Light" panose="02000000000000000000" pitchFamily="2" charset="0"/>
-              </a:rPr>
-              <a:t>parameter</a:t>
-            </a:r>
-            <a:r>
-              <a:rPr lang="de-DE" dirty="0" smtClean="0">
-                <a:latin typeface="Roboto Light" panose="02000000000000000000" pitchFamily="2" charset="0"/>
-                <a:ea typeface="Roboto Light" panose="02000000000000000000" pitchFamily="2" charset="0"/>
-                <a:cs typeface="Roboto Light" panose="02000000000000000000" pitchFamily="2" charset="0"/>
-              </a:rPr>
-              <a:t> </a:t>
-            </a:r>
-            <a:r>
-              <a:rPr lang="de-DE" dirty="0" err="1" smtClean="0">
-                <a:latin typeface="Roboto Light" panose="02000000000000000000" pitchFamily="2" charset="0"/>
-                <a:ea typeface="Roboto Light" panose="02000000000000000000" pitchFamily="2" charset="0"/>
-                <a:cs typeface="Roboto Light" panose="02000000000000000000" pitchFamily="2" charset="0"/>
-              </a:rPr>
-              <a:t>of</a:t>
-            </a:r>
-            <a:r>
-              <a:rPr lang="de-DE" dirty="0" smtClean="0">
-                <a:latin typeface="Roboto Light" panose="02000000000000000000" pitchFamily="2" charset="0"/>
-                <a:ea typeface="Roboto Light" panose="02000000000000000000" pitchFamily="2" charset="0"/>
-                <a:cs typeface="Roboto Light" panose="02000000000000000000" pitchFamily="2" charset="0"/>
-              </a:rPr>
-              <a:t> a </a:t>
-            </a:r>
-            <a:r>
-              <a:rPr lang="de-DE" dirty="0" err="1" smtClean="0">
-                <a:latin typeface="Roboto Light" panose="02000000000000000000" pitchFamily="2" charset="0"/>
-                <a:ea typeface="Roboto Light" panose="02000000000000000000" pitchFamily="2" charset="0"/>
-                <a:cs typeface="Roboto Light" panose="02000000000000000000" pitchFamily="2" charset="0"/>
-              </a:rPr>
-              <a:t>component</a:t>
-            </a:r>
-            <a:endParaRPr lang="de-DE" dirty="0" smtClean="0"/>
-          </a:p>
-        </p:txBody>
-      </p:sp>
-      <p:sp>
-        <p:nvSpPr>
           <p:cNvPr id="3" name="Fußzeilenplatzhalter 2"/>
           <p:cNvSpPr>
             <a:spLocks noGrp="1"/>
@@ -41462,157 +40653,7 @@
             <a:fld id="{C2A96E4E-EC3F-424D-8211-F17AF9FC0446}" type="slidenum">
               <a:rPr lang="de-DE" smtClean="0"/>
               <a:pPr/>
-              <a:t>21</a:t>
-            </a:fld>
-            <a:endParaRPr lang="de-DE" dirty="0"/>
-          </a:p>
-        </p:txBody>
-      </p:sp>
-      <p:sp>
-        <p:nvSpPr>
-          <p:cNvPr id="5" name="Titel 4"/>
-          <p:cNvSpPr>
-            <a:spLocks noGrp="1"/>
-          </p:cNvSpPr>
-          <p:nvPr>
-            <p:ph type="title"/>
-          </p:nvPr>
-        </p:nvSpPr>
-        <p:spPr/>
-        <p:txBody>
-          <a:bodyPr/>
-          <a:lstStyle/>
-          <a:p>
-            <a:r>
-              <a:rPr lang="de-DE" dirty="0" smtClean="0"/>
-              <a:t>Guidelines </a:t>
-            </a:r>
-            <a:r>
-              <a:rPr lang="de-DE" dirty="0" err="1" smtClean="0"/>
-              <a:t>for</a:t>
-            </a:r>
-            <a:r>
-              <a:rPr lang="de-DE" dirty="0" smtClean="0"/>
-              <a:t> </a:t>
-            </a:r>
-            <a:r>
-              <a:rPr lang="de-DE" dirty="0" err="1" smtClean="0"/>
-              <a:t>own</a:t>
-            </a:r>
-            <a:r>
-              <a:rPr lang="de-DE" dirty="0" smtClean="0"/>
-              <a:t> </a:t>
-            </a:r>
-            <a:r>
-              <a:rPr lang="de-DE" dirty="0" err="1" smtClean="0"/>
-              <a:t>constraints</a:t>
-            </a:r>
-            <a:endParaRPr lang="en-GB" dirty="0"/>
-          </a:p>
-        </p:txBody>
-      </p:sp>
-      <p:sp>
-        <p:nvSpPr>
-          <p:cNvPr id="6" name="Datumsplatzhalter 5"/>
-          <p:cNvSpPr>
-            <a:spLocks noGrp="1"/>
-          </p:cNvSpPr>
-          <p:nvPr>
-            <p:ph type="dt" sz="half" idx="13"/>
-          </p:nvPr>
-        </p:nvSpPr>
-        <p:spPr/>
-        <p:txBody>
-          <a:bodyPr/>
-          <a:lstStyle/>
-          <a:p>
-            <a:r>
-              <a:rPr lang="en-US" noProof="0" smtClean="0"/>
-              <a:t>September 18, 2019</a:t>
-            </a:r>
-            <a:endParaRPr lang="en-US" noProof="0" dirty="0"/>
-          </a:p>
-        </p:txBody>
-      </p:sp>
-    </p:spTree>
-    <p:extLst>
-      <p:ext uri="{BB962C8B-B14F-4D97-AF65-F5344CB8AC3E}">
-        <p14:creationId xmlns:p14="http://schemas.microsoft.com/office/powerpoint/2010/main" val="657800028"/>
-      </p:ext>
-    </p:extLst>
-  </p:cSld>
-  <p:clrMapOvr>
-    <a:masterClrMapping/>
-  </p:clrMapOvr>
-  <p:timing>
-    <p:tnLst>
-      <p:par>
-        <p:cTn id="1" dur="indefinite" restart="never" nodeType="tmRoot"/>
-      </p:par>
-    </p:tnLst>
-  </p:timing>
-</p:sld>
-</file>
-
-<file path=ppt/slides/slide23.xml><?xml version="1.0" encoding="utf-8"?>
-<p:sld xmlns:a="http://schemas.openxmlformats.org/drawingml/2006/main" xmlns:r="http://schemas.openxmlformats.org/officeDocument/2006/relationships" xmlns:p="http://schemas.openxmlformats.org/presentationml/2006/main">
-  <p:cSld>
-    <p:spTree>
-      <p:nvGrpSpPr>
-        <p:cNvPr id="1" name=""/>
-        <p:cNvGrpSpPr/>
-        <p:nvPr/>
-      </p:nvGrpSpPr>
-      <p:grpSpPr>
-        <a:xfrm>
-          <a:off x="0" y="0"/>
-          <a:ext cx="0" cy="0"/>
-          <a:chOff x="0" y="0"/>
-          <a:chExt cx="0" cy="0"/>
-        </a:xfrm>
-      </p:grpSpPr>
-      <p:sp>
-        <p:nvSpPr>
-          <p:cNvPr id="3" name="Fußzeilenplatzhalter 2"/>
-          <p:cNvSpPr>
-            <a:spLocks noGrp="1"/>
-          </p:cNvSpPr>
-          <p:nvPr>
-            <p:ph type="ftr" sz="quarter" idx="11"/>
-          </p:nvPr>
-        </p:nvSpPr>
-        <p:spPr/>
-        <p:txBody>
-          <a:bodyPr/>
-          <a:lstStyle/>
-          <a:p>
-            <a:r>
-              <a:rPr lang="de-DE" smtClean="0"/>
-              <a:t>Reiner Lemoine Institut</a:t>
-            </a:r>
-            <a:endParaRPr lang="de-DE" dirty="0"/>
-          </a:p>
-        </p:txBody>
-      </p:sp>
-      <p:sp>
-        <p:nvSpPr>
-          <p:cNvPr id="4" name="Foliennummernplatzhalter 3"/>
-          <p:cNvSpPr>
-            <a:spLocks noGrp="1"/>
-          </p:cNvSpPr>
-          <p:nvPr>
-            <p:ph type="sldNum" sz="quarter" idx="12"/>
-          </p:nvPr>
-        </p:nvSpPr>
-        <p:spPr/>
-        <p:txBody>
-          <a:bodyPr/>
-          <a:lstStyle/>
-          <a:p>
-            <a:fld id="{C2A96E4E-EC3F-424D-8211-F17AF9FC0446}" type="slidenum">
-              <a:rPr lang="de-DE" smtClean="0"/>
-              <a:pPr/>
-              <a:t>22</a:t>
+              <a:t>20</a:t>
             </a:fld>
             <a:endParaRPr lang="de-DE" dirty="0"/>
           </a:p>
@@ -42861,6 +41902,880 @@
 </p:sld>
 </file>
 
+<file path=ppt/slides/slide22.xml><?xml version="1.0" encoding="utf-8"?>
+<p:sld xmlns:a="http://schemas.openxmlformats.org/drawingml/2006/main" xmlns:r="http://schemas.openxmlformats.org/officeDocument/2006/relationships" xmlns:p="http://schemas.openxmlformats.org/presentationml/2006/main">
+  <p:cSld>
+    <p:spTree>
+      <p:nvGrpSpPr>
+        <p:cNvPr id="1" name=""/>
+        <p:cNvGrpSpPr/>
+        <p:nvPr/>
+      </p:nvGrpSpPr>
+      <p:grpSpPr>
+        <a:xfrm>
+          <a:off x="0" y="0"/>
+          <a:ext cx="0" cy="0"/>
+          <a:chOff x="0" y="0"/>
+          <a:chExt cx="0" cy="0"/>
+        </a:xfrm>
+      </p:grpSpPr>
+      <mc:AlternateContent xmlns:mc="http://schemas.openxmlformats.org/markup-compatibility/2006">
+        <mc:Choice xmlns:a14="http://schemas.microsoft.com/office/drawing/2010/main" Requires="a14">
+          <p:sp>
+            <p:nvSpPr>
+              <p:cNvPr id="2" name="Vertikaler Textplatzhalter 1"/>
+              <p:cNvSpPr>
+                <a:spLocks noGrp="1"/>
+              </p:cNvSpPr>
+              <p:nvPr>
+                <p:ph type="body" orient="vert" idx="1"/>
+              </p:nvPr>
+            </p:nvSpPr>
+            <p:spPr/>
+            <p:txBody>
+              <a:bodyPr/>
+              <a:lstStyle/>
+              <a:p>
+                <a:r>
+                  <a:rPr lang="de-DE" dirty="0" smtClean="0"/>
+                  <a:t>Type: </a:t>
+                </a:r>
+                <a:r>
+                  <a:rPr lang="de-DE" dirty="0" err="1" smtClean="0"/>
+                  <a:t>Summed</a:t>
+                </a:r>
+                <a:r>
+                  <a:rPr lang="de-DE" dirty="0" smtClean="0"/>
+                  <a:t> </a:t>
+                </a:r>
+                <a:r>
+                  <a:rPr lang="de-DE" dirty="0" err="1" smtClean="0"/>
+                  <a:t>minimum</a:t>
+                </a:r>
+                <a:endParaRPr lang="de-DE" dirty="0" smtClean="0"/>
+              </a:p>
+              <a:p>
+                <a:r>
+                  <a:rPr lang="de-DE" dirty="0" err="1" smtClean="0"/>
+                  <a:t>Based</a:t>
+                </a:r>
+                <a:r>
+                  <a:rPr lang="de-DE" dirty="0" smtClean="0"/>
+                  <a:t> on: Minimum </a:t>
+                </a:r>
+                <a:r>
+                  <a:rPr lang="de-DE" dirty="0" err="1" smtClean="0"/>
+                  <a:t>renewable</a:t>
+                </a:r>
+                <a:r>
+                  <a:rPr lang="de-DE" dirty="0" smtClean="0"/>
+                  <a:t> </a:t>
+                </a:r>
+                <a:r>
+                  <a:rPr lang="de-DE" dirty="0" err="1" smtClean="0"/>
+                  <a:t>share</a:t>
+                </a:r>
+                <a:r>
+                  <a:rPr lang="de-DE" dirty="0" smtClean="0"/>
+                  <a:t> </a:t>
+                </a:r>
+                <a:r>
+                  <a:rPr lang="de-DE" dirty="0" err="1" smtClean="0"/>
+                  <a:t>limit</a:t>
+                </a:r>
+                <a:r>
+                  <a:rPr lang="de-DE" dirty="0" smtClean="0"/>
+                  <a:t> (</a:t>
+                </a:r>
+                <a:r>
+                  <a:rPr lang="de-DE" dirty="0" err="1" smtClean="0"/>
+                  <a:t>constant</a:t>
+                </a:r>
+                <a:r>
+                  <a:rPr lang="de-DE" dirty="0" smtClean="0"/>
+                  <a:t>)</a:t>
+                </a:r>
+              </a:p>
+              <a:p>
+                <a:endParaRPr lang="de-DE" dirty="0"/>
+              </a:p>
+              <a:p>
+                <a:pPr marL="0" indent="0">
+                  <a:buNone/>
+                </a:pPr>
+                <a14:m>
+                  <m:oMathPara xmlns:m="http://schemas.openxmlformats.org/officeDocument/2006/math">
+                    <m:oMathParaPr>
+                      <m:jc m:val="centerGroup"/>
+                    </m:oMathParaPr>
+                    <m:oMath xmlns:m="http://schemas.openxmlformats.org/officeDocument/2006/math">
+                      <m:nary>
+                        <m:naryPr>
+                          <m:chr m:val="∑"/>
+                          <m:subHide m:val="on"/>
+                          <m:supHide m:val="on"/>
+                          <m:ctrlPr>
+                            <a:rPr lang="de-DE" i="1">
+                              <a:latin typeface="Cambria Math" panose="02040503050406030204" pitchFamily="18" charset="0"/>
+                            </a:rPr>
+                          </m:ctrlPr>
+                        </m:naryPr>
+                        <m:sub/>
+                        <m:sup/>
+                        <m:e>
+                          <m:sSub>
+                            <m:sSubPr>
+                              <m:ctrlPr>
+                                <a:rPr lang="de-DE" i="1">
+                                  <a:latin typeface="Cambria Math" panose="02040503050406030204" pitchFamily="18" charset="0"/>
+                                </a:rPr>
+                              </m:ctrlPr>
+                            </m:sSubPr>
+                            <m:e>
+                              <m:r>
+                                <a:rPr lang="de-DE" i="1">
+                                  <a:latin typeface="Cambria Math" panose="02040503050406030204" pitchFamily="18" charset="0"/>
+                                </a:rPr>
+                                <m:t>𝑃</m:t>
+                              </m:r>
+                            </m:e>
+                            <m:sub>
+                              <m:r>
+                                <a:rPr lang="de-DE" b="0" i="1" smtClean="0">
+                                  <a:latin typeface="Cambria Math" panose="02040503050406030204" pitchFamily="18" charset="0"/>
+                                </a:rPr>
+                                <m:t>𝑃𝑉</m:t>
+                              </m:r>
+                            </m:sub>
+                          </m:sSub>
+                        </m:e>
+                      </m:nary>
+                      <m:r>
+                        <a:rPr lang="de-DE" b="0" i="1" smtClean="0">
+                          <a:latin typeface="Cambria Math" panose="02040503050406030204" pitchFamily="18" charset="0"/>
+                        </a:rPr>
+                        <m:t>+</m:t>
+                      </m:r>
+                      <m:nary>
+                        <m:naryPr>
+                          <m:chr m:val="∑"/>
+                          <m:subHide m:val="on"/>
+                          <m:supHide m:val="on"/>
+                          <m:ctrlPr>
+                            <a:rPr lang="de-DE" i="1">
+                              <a:latin typeface="Cambria Math" panose="02040503050406030204" pitchFamily="18" charset="0"/>
+                            </a:rPr>
+                          </m:ctrlPr>
+                        </m:naryPr>
+                        <m:sub/>
+                        <m:sup/>
+                        <m:e>
+                          <m:sSub>
+                            <m:sSubPr>
+                              <m:ctrlPr>
+                                <a:rPr lang="de-DE" i="1">
+                                  <a:latin typeface="Cambria Math" panose="02040503050406030204" pitchFamily="18" charset="0"/>
+                                </a:rPr>
+                              </m:ctrlPr>
+                            </m:sSubPr>
+                            <m:e>
+                              <m:r>
+                                <a:rPr lang="de-DE" i="1">
+                                  <a:latin typeface="Cambria Math" panose="02040503050406030204" pitchFamily="18" charset="0"/>
+                                </a:rPr>
+                                <m:t>𝑃</m:t>
+                              </m:r>
+                            </m:e>
+                            <m:sub>
+                              <m:r>
+                                <a:rPr lang="de-DE" b="0" i="1" smtClean="0">
+                                  <a:latin typeface="Cambria Math" panose="02040503050406030204" pitchFamily="18" charset="0"/>
+                                </a:rPr>
+                                <m:t>𝑊𝑖𝑛𝑑</m:t>
+                              </m:r>
+                            </m:sub>
+                          </m:sSub>
+                        </m:e>
+                      </m:nary>
+                      <m:r>
+                        <a:rPr lang="de-DE" b="0" i="1" smtClean="0">
+                          <a:latin typeface="Cambria Math" panose="02040503050406030204" pitchFamily="18" charset="0"/>
+                        </a:rPr>
+                        <m:t>−</m:t>
+                      </m:r>
+                      <m:sSub>
+                        <m:sSubPr>
+                          <m:ctrlPr>
+                            <a:rPr lang="de-DE" b="0" i="1" smtClean="0">
+                              <a:latin typeface="Cambria Math" panose="02040503050406030204" pitchFamily="18" charset="0"/>
+                            </a:rPr>
+                          </m:ctrlPr>
+                        </m:sSubPr>
+                        <m:e>
+                          <m:r>
+                            <a:rPr lang="de-DE" b="0" i="1" smtClean="0">
+                              <a:latin typeface="Cambria Math" panose="02040503050406030204" pitchFamily="18" charset="0"/>
+                            </a:rPr>
+                            <m:t>𝑟</m:t>
+                          </m:r>
+                        </m:e>
+                        <m:sub>
+                          <m:r>
+                            <a:rPr lang="de-DE" b="0" i="1" smtClean="0">
+                              <a:latin typeface="Cambria Math" panose="02040503050406030204" pitchFamily="18" charset="0"/>
+                            </a:rPr>
+                            <m:t>𝑙𝑖𝑚</m:t>
+                          </m:r>
+                        </m:sub>
+                      </m:sSub>
+                      <m:r>
+                        <a:rPr lang="de-DE" b="0" i="1" smtClean="0">
+                          <a:latin typeface="Cambria Math" panose="02040503050406030204" pitchFamily="18" charset="0"/>
+                        </a:rPr>
+                        <m:t>⋅</m:t>
+                      </m:r>
+                      <m:nary>
+                        <m:naryPr>
+                          <m:chr m:val="∑"/>
+                          <m:subHide m:val="on"/>
+                          <m:supHide m:val="on"/>
+                          <m:ctrlPr>
+                            <a:rPr lang="de-DE" b="0" i="1" smtClean="0">
+                              <a:latin typeface="Cambria Math" panose="02040503050406030204" pitchFamily="18" charset="0"/>
+                            </a:rPr>
+                          </m:ctrlPr>
+                        </m:naryPr>
+                        <m:sub/>
+                        <m:sup/>
+                        <m:e>
+                          <m:sSub>
+                            <m:sSubPr>
+                              <m:ctrlPr>
+                                <a:rPr lang="de-DE" b="0" i="1" smtClean="0">
+                                  <a:latin typeface="Cambria Math" panose="02040503050406030204" pitchFamily="18" charset="0"/>
+                                </a:rPr>
+                              </m:ctrlPr>
+                            </m:sSubPr>
+                            <m:e>
+                              <m:r>
+                                <a:rPr lang="de-DE" b="0" i="1" smtClean="0">
+                                  <a:latin typeface="Cambria Math" panose="02040503050406030204" pitchFamily="18" charset="0"/>
+                                </a:rPr>
+                                <m:t>𝑃</m:t>
+                              </m:r>
+                            </m:e>
+                            <m:sub>
+                              <m:r>
+                                <a:rPr lang="de-DE" b="0" i="1" smtClean="0">
+                                  <a:latin typeface="Cambria Math" panose="02040503050406030204" pitchFamily="18" charset="0"/>
+                                </a:rPr>
+                                <m:t>𝑑𝑒𝑚𝑎𝑛𝑑</m:t>
+                              </m:r>
+                              <m:r>
+                                <a:rPr lang="de-DE" b="0" i="1" smtClean="0">
+                                  <a:latin typeface="Cambria Math" panose="02040503050406030204" pitchFamily="18" charset="0"/>
+                                </a:rPr>
+                                <m:t> </m:t>
+                              </m:r>
+                            </m:sub>
+                          </m:sSub>
+                        </m:e>
+                      </m:nary>
+                      <m:r>
+                        <a:rPr lang="de-DE" i="1">
+                          <a:latin typeface="Cambria Math" panose="02040503050406030204" pitchFamily="18" charset="0"/>
+                          <a:ea typeface="Cambria Math" panose="02040503050406030204" pitchFamily="18" charset="0"/>
+                        </a:rPr>
+                        <m:t>≥</m:t>
+                      </m:r>
+                      <m:r>
+                        <a:rPr lang="de-DE" b="0" i="0" smtClean="0">
+                          <a:latin typeface="Cambria Math" panose="02040503050406030204" pitchFamily="18" charset="0"/>
+                          <a:ea typeface="Cambria Math" panose="02040503050406030204" pitchFamily="18" charset="0"/>
+                        </a:rPr>
+                        <m:t>0</m:t>
+                      </m:r>
+                    </m:oMath>
+                  </m:oMathPara>
+                </a14:m>
+                <a:endParaRPr lang="de-DE" dirty="0" smtClean="0"/>
+              </a:p>
+              <a:p>
+                <a:r>
+                  <a:rPr lang="de-DE" dirty="0" smtClean="0"/>
+                  <a:t>Custom </a:t>
+                </a:r>
+                <a:r>
+                  <a:rPr lang="de-DE" dirty="0" err="1"/>
+                  <a:t>constraint</a:t>
+                </a:r>
+                <a:r>
+                  <a:rPr lang="de-DE" dirty="0"/>
+                  <a:t> </a:t>
+                </a:r>
+                <a:r>
+                  <a:rPr lang="de-DE" dirty="0" err="1"/>
+                  <a:t>with</a:t>
+                </a:r>
+                <a:r>
+                  <a:rPr lang="de-DE" dirty="0"/>
+                  <a:t> </a:t>
+                </a:r>
+                <a:r>
+                  <a:rPr lang="de-DE" dirty="0" err="1"/>
+                  <a:t>summed</a:t>
+                </a:r>
+                <a:r>
+                  <a:rPr lang="de-DE" dirty="0"/>
+                  <a:t> </a:t>
+                </a:r>
+                <a:r>
+                  <a:rPr lang="de-DE" dirty="0" err="1"/>
+                  <a:t>limit</a:t>
+                </a:r>
+                <a:r>
+                  <a:rPr lang="de-DE" dirty="0"/>
+                  <a:t>: </a:t>
+                </a:r>
+                <a:r>
+                  <a:rPr lang="de-DE" dirty="0">
+                    <a:hlinkClick r:id="rId2" action="ppaction://hlinkfile"/>
+                  </a:rPr>
+                  <a:t>./</a:t>
+                </a:r>
+                <a:r>
+                  <a:rPr lang="de-DE" dirty="0" err="1">
+                    <a:hlinkClick r:id="rId2" action="ppaction://hlinkfile"/>
+                  </a:rPr>
+                  <a:t>micro_grid_custom_constraint_summed_limit.ipynb</a:t>
+                </a:r>
+                <a:endParaRPr lang="de-DE" dirty="0"/>
+              </a:p>
+              <a:p>
+                <a:endParaRPr lang="de-DE" dirty="0" smtClean="0"/>
+              </a:p>
+              <a:p>
+                <a:endParaRPr lang="en-GB" dirty="0"/>
+              </a:p>
+            </p:txBody>
+          </p:sp>
+        </mc:Choice>
+        <mc:Fallback>
+          <p:sp>
+            <p:nvSpPr>
+              <p:cNvPr id="2" name="Vertikaler Textplatzhalter 1"/>
+              <p:cNvSpPr>
+                <a:spLocks noGrp="1" noRot="1" noChangeAspect="1" noMove="1" noResize="1" noEditPoints="1" noAdjustHandles="1" noChangeArrowheads="1" noChangeShapeType="1" noTextEdit="1"/>
+              </p:cNvSpPr>
+              <p:nvPr>
+                <p:ph type="body" orient="vert" idx="1"/>
+              </p:nvPr>
+            </p:nvSpPr>
+            <p:spPr>
+              <a:blipFill>
+                <a:blip r:embed="rId3"/>
+                <a:stretch>
+                  <a:fillRect l="-1082" t="-2717"/>
+                </a:stretch>
+              </a:blipFill>
+            </p:spPr>
+            <p:txBody>
+              <a:bodyPr/>
+              <a:lstStyle/>
+              <a:p>
+                <a:r>
+                  <a:rPr lang="en-GB">
+                    <a:noFill/>
+                  </a:rPr>
+                  <a:t> </a:t>
+                </a:r>
+              </a:p>
+            </p:txBody>
+          </p:sp>
+        </mc:Fallback>
+      </mc:AlternateContent>
+      <p:sp>
+        <p:nvSpPr>
+          <p:cNvPr id="3" name="Fußzeilenplatzhalter 2"/>
+          <p:cNvSpPr>
+            <a:spLocks noGrp="1"/>
+          </p:cNvSpPr>
+          <p:nvPr>
+            <p:ph type="ftr" sz="quarter" idx="11"/>
+          </p:nvPr>
+        </p:nvSpPr>
+        <p:spPr/>
+        <p:txBody>
+          <a:bodyPr/>
+          <a:lstStyle/>
+          <a:p>
+            <a:r>
+              <a:rPr lang="de-DE" smtClean="0"/>
+              <a:t>Reiner Lemoine Institut</a:t>
+            </a:r>
+            <a:endParaRPr lang="de-DE" dirty="0"/>
+          </a:p>
+        </p:txBody>
+      </p:sp>
+      <p:sp>
+        <p:nvSpPr>
+          <p:cNvPr id="4" name="Foliennummernplatzhalter 3"/>
+          <p:cNvSpPr>
+            <a:spLocks noGrp="1"/>
+          </p:cNvSpPr>
+          <p:nvPr>
+            <p:ph type="sldNum" sz="quarter" idx="12"/>
+          </p:nvPr>
+        </p:nvSpPr>
+        <p:spPr/>
+        <p:txBody>
+          <a:bodyPr/>
+          <a:lstStyle/>
+          <a:p>
+            <a:fld id="{C2A96E4E-EC3F-424D-8211-F17AF9FC0446}" type="slidenum">
+              <a:rPr lang="de-DE" smtClean="0"/>
+              <a:pPr/>
+              <a:t>21</a:t>
+            </a:fld>
+            <a:endParaRPr lang="de-DE" dirty="0"/>
+          </a:p>
+        </p:txBody>
+      </p:sp>
+      <p:sp>
+        <p:nvSpPr>
+          <p:cNvPr id="5" name="Titel 4"/>
+          <p:cNvSpPr>
+            <a:spLocks noGrp="1"/>
+          </p:cNvSpPr>
+          <p:nvPr>
+            <p:ph type="title"/>
+          </p:nvPr>
+        </p:nvSpPr>
+        <p:spPr/>
+        <p:txBody>
+          <a:bodyPr/>
+          <a:lstStyle/>
+          <a:p>
+            <a:r>
+              <a:rPr lang="de-DE" dirty="0" err="1" smtClean="0"/>
+              <a:t>Renewable</a:t>
+            </a:r>
+            <a:r>
+              <a:rPr lang="de-DE" dirty="0" smtClean="0"/>
+              <a:t> </a:t>
+            </a:r>
+            <a:r>
+              <a:rPr lang="de-DE" dirty="0" err="1" smtClean="0"/>
+              <a:t>share</a:t>
+            </a:r>
+            <a:r>
+              <a:rPr lang="de-DE" dirty="0" smtClean="0"/>
+              <a:t> </a:t>
+            </a:r>
+            <a:r>
+              <a:rPr lang="de-DE" dirty="0" err="1" smtClean="0"/>
+              <a:t>constraint</a:t>
+            </a:r>
+            <a:endParaRPr lang="en-GB" dirty="0"/>
+          </a:p>
+        </p:txBody>
+      </p:sp>
+      <p:sp>
+        <p:nvSpPr>
+          <p:cNvPr id="6" name="Datumsplatzhalter 5"/>
+          <p:cNvSpPr>
+            <a:spLocks noGrp="1"/>
+          </p:cNvSpPr>
+          <p:nvPr>
+            <p:ph type="dt" sz="half" idx="13"/>
+          </p:nvPr>
+        </p:nvSpPr>
+        <p:spPr/>
+        <p:txBody>
+          <a:bodyPr/>
+          <a:lstStyle/>
+          <a:p>
+            <a:r>
+              <a:rPr lang="en-US" noProof="0" smtClean="0"/>
+              <a:t>September 18, 2019</a:t>
+            </a:r>
+            <a:endParaRPr lang="en-US" noProof="0" dirty="0"/>
+          </a:p>
+        </p:txBody>
+      </p:sp>
+    </p:spTree>
+    <p:extLst>
+      <p:ext uri="{BB962C8B-B14F-4D97-AF65-F5344CB8AC3E}">
+        <p14:creationId xmlns:p14="http://schemas.microsoft.com/office/powerpoint/2010/main" val="3949370849"/>
+      </p:ext>
+    </p:extLst>
+  </p:cSld>
+  <p:clrMapOvr>
+    <a:masterClrMapping/>
+  </p:clrMapOvr>
+  <p:timing>
+    <p:tnLst>
+      <p:par>
+        <p:cTn id="1" dur="indefinite" restart="never" nodeType="tmRoot"/>
+      </p:par>
+    </p:tnLst>
+  </p:timing>
+</p:sld>
+</file>
+
+<file path=ppt/slides/slide23.xml><?xml version="1.0" encoding="utf-8"?>
+<p:sld xmlns:a="http://schemas.openxmlformats.org/drawingml/2006/main" xmlns:r="http://schemas.openxmlformats.org/officeDocument/2006/relationships" xmlns:p="http://schemas.openxmlformats.org/presentationml/2006/main">
+  <p:cSld>
+    <p:spTree>
+      <p:nvGrpSpPr>
+        <p:cNvPr id="1" name=""/>
+        <p:cNvGrpSpPr/>
+        <p:nvPr/>
+      </p:nvGrpSpPr>
+      <p:grpSpPr>
+        <a:xfrm>
+          <a:off x="0" y="0"/>
+          <a:ext cx="0" cy="0"/>
+          <a:chOff x="0" y="0"/>
+          <a:chExt cx="0" cy="0"/>
+        </a:xfrm>
+      </p:grpSpPr>
+      <mc:AlternateContent xmlns:mc="http://schemas.openxmlformats.org/markup-compatibility/2006">
+        <mc:Choice xmlns:a14="http://schemas.microsoft.com/office/drawing/2010/main" Requires="a14">
+          <p:sp>
+            <p:nvSpPr>
+              <p:cNvPr id="2" name="Vertikaler Textplatzhalter 1"/>
+              <p:cNvSpPr>
+                <a:spLocks noGrp="1"/>
+              </p:cNvSpPr>
+              <p:nvPr>
+                <p:ph type="body" orient="vert" idx="1"/>
+              </p:nvPr>
+            </p:nvSpPr>
+            <p:spPr/>
+            <p:txBody>
+              <a:bodyPr/>
+              <a:lstStyle/>
+              <a:p>
+                <a:r>
+                  <a:rPr lang="de-DE" dirty="0" smtClean="0"/>
+                  <a:t>Type: Minimum </a:t>
+                </a:r>
+                <a:r>
+                  <a:rPr lang="de-DE" dirty="0" err="1" smtClean="0"/>
+                  <a:t>bound</a:t>
+                </a:r>
+                <a:r>
+                  <a:rPr lang="de-DE" dirty="0" smtClean="0"/>
+                  <a:t> per </a:t>
+                </a:r>
+                <a:r>
+                  <a:rPr lang="de-DE" dirty="0" err="1" smtClean="0"/>
+                  <a:t>timestep</a:t>
+                </a:r>
+                <a:endParaRPr lang="de-DE" dirty="0" smtClean="0"/>
+              </a:p>
+              <a:p>
+                <a:r>
+                  <a:rPr lang="de-DE" dirty="0" err="1" smtClean="0"/>
+                  <a:t>Based</a:t>
+                </a:r>
+                <a:r>
+                  <a:rPr lang="de-DE" dirty="0" smtClean="0"/>
+                  <a:t> on: Minimum </a:t>
+                </a:r>
+                <a:r>
+                  <a:rPr lang="de-DE" dirty="0" err="1" smtClean="0"/>
+                  <a:t>stability</a:t>
+                </a:r>
+                <a:r>
+                  <a:rPr lang="de-DE" dirty="0" smtClean="0"/>
+                  <a:t> </a:t>
+                </a:r>
+                <a:r>
+                  <a:rPr lang="de-DE" dirty="0" err="1" smtClean="0"/>
+                  <a:t>limit</a:t>
+                </a:r>
+                <a:r>
+                  <a:rPr lang="de-DE" dirty="0" smtClean="0"/>
+                  <a:t> (</a:t>
+                </a:r>
+                <a:r>
+                  <a:rPr lang="de-DE" dirty="0" err="1" smtClean="0"/>
+                  <a:t>constant</a:t>
+                </a:r>
+                <a:r>
+                  <a:rPr lang="de-DE" dirty="0" smtClean="0"/>
+                  <a:t>)</a:t>
+                </a:r>
+              </a:p>
+              <a:p>
+                <a:endParaRPr lang="de-DE" dirty="0"/>
+              </a:p>
+              <a:p>
+                <a:pPr marL="0" indent="0">
+                  <a:buNone/>
+                </a:pPr>
+                <a:r>
+                  <a:rPr lang="de-DE" dirty="0" smtClean="0"/>
+                  <a:t>1) </a:t>
+                </a:r>
+                <a14:m>
+                  <m:oMath xmlns:m="http://schemas.openxmlformats.org/officeDocument/2006/math">
+                    <a:fld id="{217A7E00-11AF-4415-A3AF-F33B58053CC9}" type="mathplaceholder">
+                      <a:rPr lang="de-DE" i="1" smtClean="0">
+                        <a:latin typeface="Cambria Math" panose="02040503050406030204" pitchFamily="18" charset="0"/>
+                      </a:rPr>
+                      <a:t>Geben Sie hier eine Formel ein.</a:t>
+                    </a:fld>
+                  </m:oMath>
+                </a14:m>
+                <a:endParaRPr lang="de-DE" dirty="0" smtClean="0"/>
+              </a:p>
+              <a:p>
+                <a:pPr marL="0" indent="0">
+                  <a:buNone/>
+                </a:pPr>
+                <a:r>
+                  <a:rPr lang="de-DE" dirty="0" smtClean="0"/>
+                  <a:t>2)</a:t>
+                </a:r>
+              </a:p>
+              <a:p>
+                <a:endParaRPr lang="de-DE" dirty="0"/>
+              </a:p>
+              <a:p>
+                <a:r>
+                  <a:rPr lang="de-DE" dirty="0"/>
+                  <a:t>Custom </a:t>
+                </a:r>
+                <a:r>
+                  <a:rPr lang="de-DE" dirty="0" err="1"/>
+                  <a:t>constraint</a:t>
+                </a:r>
+                <a:r>
+                  <a:rPr lang="de-DE" dirty="0"/>
+                  <a:t> </a:t>
+                </a:r>
+                <a:r>
+                  <a:rPr lang="de-DE" dirty="0" err="1"/>
+                  <a:t>with</a:t>
+                </a:r>
+                <a:r>
+                  <a:rPr lang="de-DE" dirty="0"/>
+                  <a:t> </a:t>
+                </a:r>
+                <a:r>
+                  <a:rPr lang="de-DE" dirty="0" err="1"/>
+                  <a:t>bounded</a:t>
+                </a:r>
+                <a:r>
+                  <a:rPr lang="de-DE" dirty="0"/>
+                  <a:t> </a:t>
+                </a:r>
+                <a:r>
+                  <a:rPr lang="de-DE" dirty="0" err="1"/>
+                  <a:t>flows</a:t>
+                </a:r>
+                <a:r>
+                  <a:rPr lang="de-DE" dirty="0"/>
+                  <a:t>:</a:t>
+                </a:r>
+              </a:p>
+              <a:p>
+                <a:pPr marL="358775" lvl="1" indent="0">
+                  <a:buNone/>
+                </a:pPr>
+                <a:r>
+                  <a:rPr lang="de-DE" dirty="0">
+                    <a:hlinkClick r:id="rId2" action="ppaction://hlinkfile"/>
+                  </a:rPr>
+                  <a:t>./</a:t>
+                </a:r>
+                <a:r>
+                  <a:rPr lang="de-DE" dirty="0" err="1">
+                    <a:hlinkClick r:id="rId2" action="ppaction://hlinkfile"/>
+                  </a:rPr>
+                  <a:t>micro_grid_custom_constraint_flows.ipynb</a:t>
+                </a:r>
+                <a:endParaRPr lang="en-GB" dirty="0"/>
+              </a:p>
+              <a:p>
+                <a:endParaRPr lang="de-DE" dirty="0" smtClean="0"/>
+              </a:p>
+              <a:p>
+                <a:endParaRPr lang="en-GB" dirty="0"/>
+              </a:p>
+            </p:txBody>
+          </p:sp>
+        </mc:Choice>
+        <mc:Fallback>
+          <p:sp>
+            <p:nvSpPr>
+              <p:cNvPr id="2" name="Vertikaler Textplatzhalter 1"/>
+              <p:cNvSpPr>
+                <a:spLocks noGrp="1" noRot="1" noChangeAspect="1" noMove="1" noResize="1" noEditPoints="1" noAdjustHandles="1" noChangeArrowheads="1" noChangeShapeType="1" noTextEdit="1"/>
+              </p:cNvSpPr>
+              <p:nvPr>
+                <p:ph type="body" orient="vert" idx="1"/>
+              </p:nvPr>
+            </p:nvSpPr>
+            <p:spPr>
+              <a:blipFill>
+                <a:blip r:embed="rId3"/>
+                <a:stretch>
+                  <a:fillRect l="-1159" t="-2717"/>
+                </a:stretch>
+              </a:blipFill>
+            </p:spPr>
+            <p:txBody>
+              <a:bodyPr/>
+              <a:lstStyle/>
+              <a:p>
+                <a:r>
+                  <a:rPr lang="en-GB">
+                    <a:noFill/>
+                  </a:rPr>
+                  <a:t> </a:t>
+                </a:r>
+              </a:p>
+            </p:txBody>
+          </p:sp>
+        </mc:Fallback>
+      </mc:AlternateContent>
+      <p:sp>
+        <p:nvSpPr>
+          <p:cNvPr id="3" name="Fußzeilenplatzhalter 2"/>
+          <p:cNvSpPr>
+            <a:spLocks noGrp="1"/>
+          </p:cNvSpPr>
+          <p:nvPr>
+            <p:ph type="ftr" sz="quarter" idx="11"/>
+          </p:nvPr>
+        </p:nvSpPr>
+        <p:spPr/>
+        <p:txBody>
+          <a:bodyPr/>
+          <a:lstStyle/>
+          <a:p>
+            <a:r>
+              <a:rPr lang="de-DE" smtClean="0"/>
+              <a:t>Reiner Lemoine Institut</a:t>
+            </a:r>
+            <a:endParaRPr lang="de-DE" dirty="0"/>
+          </a:p>
+        </p:txBody>
+      </p:sp>
+      <p:sp>
+        <p:nvSpPr>
+          <p:cNvPr id="4" name="Foliennummernplatzhalter 3"/>
+          <p:cNvSpPr>
+            <a:spLocks noGrp="1"/>
+          </p:cNvSpPr>
+          <p:nvPr>
+            <p:ph type="sldNum" sz="quarter" idx="12"/>
+          </p:nvPr>
+        </p:nvSpPr>
+        <p:spPr/>
+        <p:txBody>
+          <a:bodyPr/>
+          <a:lstStyle/>
+          <a:p>
+            <a:fld id="{C2A96E4E-EC3F-424D-8211-F17AF9FC0446}" type="slidenum">
+              <a:rPr lang="de-DE" smtClean="0"/>
+              <a:pPr/>
+              <a:t>22</a:t>
+            </a:fld>
+            <a:endParaRPr lang="de-DE" dirty="0"/>
+          </a:p>
+        </p:txBody>
+      </p:sp>
+      <p:sp>
+        <p:nvSpPr>
+          <p:cNvPr id="5" name="Titel 4"/>
+          <p:cNvSpPr>
+            <a:spLocks noGrp="1"/>
+          </p:cNvSpPr>
+          <p:nvPr>
+            <p:ph type="title"/>
+          </p:nvPr>
+        </p:nvSpPr>
+        <p:spPr/>
+        <p:txBody>
+          <a:bodyPr/>
+          <a:lstStyle/>
+          <a:p>
+            <a:r>
+              <a:rPr lang="de-DE" dirty="0" smtClean="0"/>
+              <a:t>Micro </a:t>
+            </a:r>
+            <a:r>
+              <a:rPr lang="de-DE" dirty="0" err="1" smtClean="0"/>
+              <a:t>grid</a:t>
+            </a:r>
+            <a:r>
+              <a:rPr lang="de-DE" dirty="0" smtClean="0"/>
+              <a:t> </a:t>
+            </a:r>
+            <a:r>
+              <a:rPr lang="de-DE" dirty="0" err="1" smtClean="0"/>
+              <a:t>stability</a:t>
+            </a:r>
+            <a:r>
+              <a:rPr lang="de-DE" dirty="0" smtClean="0"/>
+              <a:t> </a:t>
+            </a:r>
+            <a:r>
+              <a:rPr lang="de-DE" dirty="0" err="1" smtClean="0"/>
+              <a:t>constraint</a:t>
+            </a:r>
+            <a:endParaRPr lang="en-GB" dirty="0"/>
+          </a:p>
+        </p:txBody>
+      </p:sp>
+      <p:sp>
+        <p:nvSpPr>
+          <p:cNvPr id="6" name="Datumsplatzhalter 5"/>
+          <p:cNvSpPr>
+            <a:spLocks noGrp="1"/>
+          </p:cNvSpPr>
+          <p:nvPr>
+            <p:ph type="dt" sz="half" idx="13"/>
+          </p:nvPr>
+        </p:nvSpPr>
+        <p:spPr/>
+        <p:txBody>
+          <a:bodyPr/>
+          <a:lstStyle/>
+          <a:p>
+            <a:r>
+              <a:rPr lang="en-US" noProof="0" smtClean="0"/>
+              <a:t>September 18, 2019</a:t>
+            </a:r>
+            <a:endParaRPr lang="en-US" noProof="0" dirty="0"/>
+          </a:p>
+        </p:txBody>
+      </p:sp>
+    </p:spTree>
+    <p:extLst>
+      <p:ext uri="{BB962C8B-B14F-4D97-AF65-F5344CB8AC3E}">
+        <p14:creationId xmlns:p14="http://schemas.microsoft.com/office/powerpoint/2010/main" val="3485150157"/>
+      </p:ext>
+    </p:extLst>
+  </p:cSld>
+  <p:clrMapOvr>
+    <a:masterClrMapping/>
+  </p:clrMapOvr>
+  <p:timing>
+    <p:tnLst>
+      <p:par>
+        <p:cTn id="1" dur="indefinite" restart="never" nodeType="tmRoot"/>
+      </p:par>
+    </p:tnLst>
+  </p:timing>
+</p:sld>
+</file>
+
 <file path=ppt/slides/slide24.xml><?xml version="1.0" encoding="utf-8"?>
 <p:sld xmlns:a="http://schemas.openxmlformats.org/drawingml/2006/main" xmlns:r="http://schemas.openxmlformats.org/officeDocument/2006/relationships" xmlns:p="http://schemas.openxmlformats.org/presentationml/2006/main">
   <p:cSld>
@@ -43067,11 +42982,11 @@
           <a:p>
             <a:r>
               <a:rPr lang="de-DE" dirty="0" smtClean="0"/>
-              <a:t>Type: </a:t>
+              <a:t>Type: Setting </a:t>
             </a:r>
             <a:r>
               <a:rPr lang="de-DE" dirty="0" err="1" smtClean="0"/>
-              <a:t>Summed</a:t>
+              <a:t>flow</a:t>
             </a:r>
             <a:r>
               <a:rPr lang="de-DE" dirty="0" smtClean="0"/>
@@ -43079,7 +42994,30 @@
             </a:r>
             <a:r>
               <a:rPr lang="de-DE" dirty="0" err="1" smtClean="0"/>
-              <a:t>minimum</a:t>
+              <a:t>value</a:t>
+            </a:r>
+            <a:r>
+              <a:rPr lang="de-DE" dirty="0" smtClean="0"/>
+              <a:t> in </a:t>
+            </a:r>
+            <a:r>
+              <a:rPr lang="de-DE" dirty="0" err="1" smtClean="0"/>
+              <a:t>timesteps</a:t>
+            </a:r>
+            <a:endParaRPr lang="de-DE" dirty="0" smtClean="0"/>
+          </a:p>
+          <a:p>
+            <a:r>
+              <a:rPr lang="de-DE" dirty="0" err="1" smtClean="0"/>
+              <a:t>Based</a:t>
+            </a:r>
+            <a:r>
+              <a:rPr lang="de-DE" dirty="0" smtClean="0"/>
+              <a:t> on: </a:t>
+            </a:r>
+            <a:r>
+              <a:rPr lang="de-DE" dirty="0" err="1" smtClean="0"/>
+              <a:t>External</a:t>
             </a:r>
             <a:r>
               <a:rPr lang="de-DE" dirty="0" smtClean="0"/>
@@ -43087,22 +43025,7 @@
             </a:r>
             <a:r>
               <a:rPr lang="de-DE" dirty="0" err="1" smtClean="0"/>
-              <a:t>constraint</a:t>
-            </a:r>
-            <a:endParaRPr lang="de-DE" dirty="0" smtClean="0"/>
-          </a:p>
-          <a:p>
-            <a:r>
-              <a:rPr lang="de-DE" dirty="0" err="1" smtClean="0"/>
-              <a:t>Based</a:t>
-            </a:r>
-            <a:r>
-              <a:rPr lang="de-DE" dirty="0" smtClean="0"/>
-              <a:t> on: Minimum </a:t>
-            </a:r>
-            <a:r>
-              <a:rPr lang="de-DE" dirty="0" err="1" smtClean="0"/>
-              <a:t>renewable</a:t>
+              <a:t>boolean</a:t>
             </a:r>
             <a:r>
               <a:rPr lang="de-DE" dirty="0" smtClean="0"/>
@@ -43110,28 +43033,15 @@
             </a:r>
             <a:r>
               <a:rPr lang="de-DE" dirty="0" err="1" smtClean="0"/>
-              <a:t>share</a:t>
-            </a:r>
-            <a:r>
-              <a:rPr lang="de-DE" dirty="0" smtClean="0"/>
-              <a:t> </a:t>
-            </a:r>
-            <a:r>
-              <a:rPr lang="de-DE" dirty="0" err="1" smtClean="0"/>
-              <a:t>limit</a:t>
-            </a:r>
-            <a:r>
-              <a:rPr lang="de-DE" dirty="0" smtClean="0"/>
-              <a:t> (</a:t>
-            </a:r>
-            <a:r>
-              <a:rPr lang="de-DE" dirty="0" err="1" smtClean="0"/>
-              <a:t>constant</a:t>
-            </a:r>
-            <a:r>
-              <a:rPr lang="de-DE" dirty="0" smtClean="0"/>
-              <a:t>)</a:t>
-            </a:r>
+              <a:t>timeseries</a:t>
+            </a:r>
+            <a:endParaRPr lang="de-DE" dirty="0" smtClean="0"/>
+          </a:p>
+          <a:p>
+            <a:pPr marL="0" indent="0">
+              <a:buNone/>
+            </a:pPr>
+            <a:endParaRPr lang="de-DE" dirty="0" smtClean="0"/>
           </a:p>
           <a:p>
             <a:endParaRPr lang="en-GB" dirty="0"/>
@@ -43202,7 +43112,7 @@
           <a:p>
             <a:r>
               <a:rPr lang="de-DE" dirty="0" err="1" smtClean="0"/>
-              <a:t>Renewable</a:t>
+              <a:t>Intermittantly</a:t>
             </a:r>
             <a:r>
               <a:rPr lang="de-DE" dirty="0" smtClean="0"/>
@@ -43210,15 +43120,15 @@
             </a:r>
             <a:r>
               <a:rPr lang="de-DE" dirty="0" err="1" smtClean="0"/>
-              <a:t>share</a:t>
+              <a:t>switching</a:t>
             </a:r>
             <a:r>
               <a:rPr lang="de-DE" dirty="0" smtClean="0"/>
-              <a:t> </a:t>
+              <a:t> off a </a:t>
             </a:r>
             <a:r>
               <a:rPr lang="de-DE" dirty="0" err="1" smtClean="0"/>
-              <a:t>constraint</a:t>
+              <a:t>component</a:t>
             </a:r>
             <a:endParaRPr lang="en-GB" dirty="0"/>
           </a:p>
@@ -43250,7 +43160,7 @@
     </p:spTree>
     <p:extLst>
       <p:ext uri="{BB962C8B-B14F-4D97-AF65-F5344CB8AC3E}">
-        <p14:creationId xmlns:p14="http://schemas.microsoft.com/office/powerpoint/2010/main" val="3949370849"/>
+        <p14:creationId xmlns:p14="http://schemas.microsoft.com/office/powerpoint/2010/main" val="2003653428"/>
       </p:ext>
     </p:extLst>
   </p:cSld>
@@ -43301,11 +43211,11 @@
           <a:p>
             <a:r>
               <a:rPr lang="de-DE" dirty="0" smtClean="0"/>
-              <a:t>Type: Minimum </a:t>
+              <a:t>Type: Setting </a:t>
             </a:r>
             <a:r>
               <a:rPr lang="de-DE" dirty="0" err="1" smtClean="0"/>
-              <a:t>bound</a:t>
+              <a:t>flow</a:t>
             </a:r>
             <a:r>
               <a:rPr lang="de-DE" dirty="0" smtClean="0"/>
@@ -43324,11 +43234,14 @@
             </a:r>
             <a:r>
               <a:rPr lang="de-DE" dirty="0" smtClean="0"/>
-              <a:t> on: Minimum </a:t>
-            </a:r>
+              <a:t> on: </a:t>
+            </a:r>
+          </a:p>
+          <a:p>
+            <a:pPr lvl="1"/>
             <a:r>
               <a:rPr lang="de-DE" dirty="0" err="1" smtClean="0"/>
-              <a:t>stability</a:t>
+              <a:t>External</a:t>
             </a:r>
             <a:r>
               <a:rPr lang="de-DE" dirty="0" smtClean="0"/>
@@ -43336,22 +43249,64 @@
             </a:r>
             <a:r>
               <a:rPr lang="de-DE" dirty="0" err="1" smtClean="0"/>
-              <a:t>limit</a:t>
+              <a:t>boolean</a:t>
             </a:r>
             <a:r>
               <a:rPr lang="de-DE" dirty="0" smtClean="0"/>
-              <a:t> (</a:t>
+              <a:t> </a:t>
             </a:r>
             <a:r>
               <a:rPr lang="de-DE" dirty="0" err="1" smtClean="0"/>
-              <a:t>constant</a:t>
+              <a:t>timeseries</a:t>
+            </a:r>
+            <a:endParaRPr lang="de-DE" dirty="0" smtClean="0"/>
+          </a:p>
+          <a:p>
+            <a:pPr lvl="1"/>
+            <a:r>
+              <a:rPr lang="de-DE" dirty="0" err="1" smtClean="0"/>
+              <a:t>Linerarized</a:t>
             </a:r>
             <a:r>
               <a:rPr lang="de-DE" dirty="0" smtClean="0"/>
-              <a:t>)</a:t>
-            </a:r>
-          </a:p>
-          <a:p>
+              <a:t> </a:t>
+            </a:r>
+            <a:r>
+              <a:rPr lang="de-DE" dirty="0" err="1" smtClean="0"/>
+              <a:t>formular</a:t>
+            </a:r>
+            <a:r>
+              <a:rPr lang="de-DE" dirty="0" smtClean="0"/>
+              <a:t> </a:t>
+            </a:r>
+            <a:r>
+              <a:rPr lang="de-DE" dirty="0" err="1" smtClean="0"/>
+              <a:t>for</a:t>
+            </a:r>
+            <a:r>
+              <a:rPr lang="de-DE" dirty="0" smtClean="0"/>
+              <a:t> </a:t>
+            </a:r>
+            <a:r>
+              <a:rPr lang="de-DE" dirty="0" err="1" smtClean="0"/>
+              <a:t>value</a:t>
+            </a:r>
+            <a:r>
+              <a:rPr lang="de-DE" dirty="0" smtClean="0"/>
+              <a:t> </a:t>
+            </a:r>
+            <a:r>
+              <a:rPr lang="de-DE" dirty="0" err="1" smtClean="0"/>
+              <a:t>of</a:t>
+            </a:r>
+            <a:r>
+              <a:rPr lang="de-DE" dirty="0" smtClean="0"/>
+              <a:t> </a:t>
+            </a:r>
+            <a:r>
+              <a:rPr lang="de-DE" dirty="0" err="1" smtClean="0"/>
+              <a:t>flow</a:t>
+            </a:r>
             <a:endParaRPr lang="en-GB" dirty="0"/>
           </a:p>
         </p:txBody>
@@ -43419,12 +43374,8 @@
           <a:lstStyle/>
           <a:p>
             <a:r>
-              <a:rPr lang="de-DE" dirty="0" smtClean="0"/>
-              <a:t>Micro </a:t>
-            </a:r>
-            <a:r>
               <a:rPr lang="de-DE" dirty="0" err="1" smtClean="0"/>
-              <a:t>grid</a:t>
+              <a:t>Forced</a:t>
             </a:r>
             <a:r>
               <a:rPr lang="de-DE" dirty="0" smtClean="0"/>
@@ -43432,7 +43383,7 @@
             </a:r>
             <a:r>
               <a:rPr lang="de-DE" dirty="0" err="1" smtClean="0"/>
-              <a:t>stability</a:t>
+              <a:t>battery</a:t>
             </a:r>
             <a:r>
               <a:rPr lang="de-DE" dirty="0" smtClean="0"/>
@@ -43440,7 +43391,7 @@
             </a:r>
             <a:r>
               <a:rPr lang="de-DE" dirty="0" err="1" smtClean="0"/>
-              <a:t>constraint</a:t>
+              <a:t>charge</a:t>
             </a:r>
             <a:endParaRPr lang="en-GB" dirty="0"/>
           </a:p>
@@ -43472,7 +43423,7 @@
     </p:spTree>
     <p:extLst>
       <p:ext uri="{BB962C8B-B14F-4D97-AF65-F5344CB8AC3E}">
-        <p14:creationId xmlns:p14="http://schemas.microsoft.com/office/powerpoint/2010/main" val="3485150157"/>
+        <p14:creationId xmlns:p14="http://schemas.microsoft.com/office/powerpoint/2010/main" val="3485598933"/>
       </p:ext>
     </p:extLst>
   </p:cSld>
@@ -43508,498 +43459,6 @@
       </p:grpSpPr>
       <p:sp>
         <p:nvSpPr>
-          <p:cNvPr id="2" name="Vertikaler Textplatzhalter 1"/>
-          <p:cNvSpPr>
-            <a:spLocks noGrp="1"/>
-          </p:cNvSpPr>
-          <p:nvPr>
-            <p:ph type="body" orient="vert" idx="1"/>
-          </p:nvPr>
-        </p:nvSpPr>
-        <p:spPr/>
-        <p:txBody>
-          <a:bodyPr/>
-          <a:lstStyle/>
-          <a:p>
-            <a:r>
-              <a:rPr lang="de-DE" dirty="0" smtClean="0"/>
-              <a:t>Type: Setting </a:t>
-            </a:r>
-            <a:r>
-              <a:rPr lang="de-DE" dirty="0" err="1" smtClean="0"/>
-              <a:t>flow</a:t>
-            </a:r>
-            <a:r>
-              <a:rPr lang="de-DE" dirty="0" smtClean="0"/>
-              <a:t> </a:t>
-            </a:r>
-            <a:r>
-              <a:rPr lang="de-DE" dirty="0" err="1" smtClean="0"/>
-              <a:t>value</a:t>
-            </a:r>
-            <a:r>
-              <a:rPr lang="de-DE" dirty="0" smtClean="0"/>
-              <a:t> in </a:t>
-            </a:r>
-            <a:r>
-              <a:rPr lang="de-DE" dirty="0" err="1" smtClean="0"/>
-              <a:t>timesteps</a:t>
-            </a:r>
-            <a:endParaRPr lang="de-DE" dirty="0" smtClean="0"/>
-          </a:p>
-          <a:p>
-            <a:r>
-              <a:rPr lang="de-DE" dirty="0" err="1" smtClean="0"/>
-              <a:t>Based</a:t>
-            </a:r>
-            <a:r>
-              <a:rPr lang="de-DE" dirty="0" smtClean="0"/>
-              <a:t> on: </a:t>
-            </a:r>
-            <a:r>
-              <a:rPr lang="de-DE" dirty="0" err="1" smtClean="0"/>
-              <a:t>External</a:t>
-            </a:r>
-            <a:r>
-              <a:rPr lang="de-DE" dirty="0" smtClean="0"/>
-              <a:t> </a:t>
-            </a:r>
-            <a:r>
-              <a:rPr lang="de-DE" dirty="0" err="1" smtClean="0"/>
-              <a:t>boolean</a:t>
-            </a:r>
-            <a:r>
-              <a:rPr lang="de-DE" dirty="0" smtClean="0"/>
-              <a:t> </a:t>
-            </a:r>
-            <a:r>
-              <a:rPr lang="de-DE" dirty="0" err="1" smtClean="0"/>
-              <a:t>timeseries</a:t>
-            </a:r>
-            <a:endParaRPr lang="de-DE" dirty="0" smtClean="0"/>
-          </a:p>
-          <a:p>
-            <a:pPr marL="0" indent="0">
-              <a:buNone/>
-            </a:pPr>
-            <a:endParaRPr lang="de-DE" dirty="0" smtClean="0"/>
-          </a:p>
-          <a:p>
-            <a:endParaRPr lang="en-GB" dirty="0"/>
-          </a:p>
-        </p:txBody>
-      </p:sp>
-      <p:sp>
-        <p:nvSpPr>
-          <p:cNvPr id="3" name="Fußzeilenplatzhalter 2"/>
-          <p:cNvSpPr>
-            <a:spLocks noGrp="1"/>
-          </p:cNvSpPr>
-          <p:nvPr>
-            <p:ph type="ftr" sz="quarter" idx="11"/>
-          </p:nvPr>
-        </p:nvSpPr>
-        <p:spPr/>
-        <p:txBody>
-          <a:bodyPr/>
-          <a:lstStyle/>
-          <a:p>
-            <a:r>
-              <a:rPr lang="de-DE" smtClean="0"/>
-              <a:t>Reiner Lemoine Institut</a:t>
-            </a:r>
-            <a:endParaRPr lang="de-DE" dirty="0"/>
-          </a:p>
-        </p:txBody>
-      </p:sp>
-      <p:sp>
-        <p:nvSpPr>
-          <p:cNvPr id="4" name="Foliennummernplatzhalter 3"/>
-          <p:cNvSpPr>
-            <a:spLocks noGrp="1"/>
-          </p:cNvSpPr>
-          <p:nvPr>
-            <p:ph type="sldNum" sz="quarter" idx="12"/>
-          </p:nvPr>
-        </p:nvSpPr>
-        <p:spPr/>
-        <p:txBody>
-          <a:bodyPr/>
-          <a:lstStyle/>
-          <a:p>
-            <a:fld id="{C2A96E4E-EC3F-424D-8211-F17AF9FC0446}" type="slidenum">
-              <a:rPr lang="de-DE" smtClean="0"/>
-              <a:pPr/>
-              <a:t>26</a:t>
-            </a:fld>
-            <a:endParaRPr lang="de-DE" dirty="0"/>
-          </a:p>
-        </p:txBody>
-      </p:sp>
-      <p:sp>
-        <p:nvSpPr>
-          <p:cNvPr id="5" name="Titel 4"/>
-          <p:cNvSpPr>
-            <a:spLocks noGrp="1"/>
-          </p:cNvSpPr>
-          <p:nvPr>
-            <p:ph type="title"/>
-          </p:nvPr>
-        </p:nvSpPr>
-        <p:spPr/>
-        <p:txBody>
-          <a:bodyPr/>
-          <a:lstStyle/>
-          <a:p>
-            <a:r>
-              <a:rPr lang="de-DE" dirty="0" err="1" smtClean="0"/>
-              <a:t>Intermittantly</a:t>
-            </a:r>
-            <a:r>
-              <a:rPr lang="de-DE" dirty="0" smtClean="0"/>
-              <a:t> </a:t>
-            </a:r>
-            <a:r>
-              <a:rPr lang="de-DE" dirty="0" err="1" smtClean="0"/>
-              <a:t>switching</a:t>
-            </a:r>
-            <a:r>
-              <a:rPr lang="de-DE" dirty="0" smtClean="0"/>
-              <a:t> off a </a:t>
-            </a:r>
-            <a:r>
-              <a:rPr lang="de-DE" dirty="0" err="1" smtClean="0"/>
-              <a:t>component</a:t>
-            </a:r>
-            <a:endParaRPr lang="en-GB" dirty="0"/>
-          </a:p>
-        </p:txBody>
-      </p:sp>
-      <p:sp>
-        <p:nvSpPr>
-          <p:cNvPr id="6" name="Datumsplatzhalter 5"/>
-          <p:cNvSpPr>
-            <a:spLocks noGrp="1"/>
-          </p:cNvSpPr>
-          <p:nvPr>
-            <p:ph type="dt" sz="half" idx="13"/>
-          </p:nvPr>
-        </p:nvSpPr>
-        <p:spPr/>
-        <p:txBody>
-          <a:bodyPr/>
-          <a:lstStyle/>
-          <a:p>
-            <a:r>
-              <a:rPr lang="en-US" noProof="0" smtClean="0"/>
-              <a:t>September 18, 2019</a:t>
-            </a:r>
-            <a:endParaRPr lang="en-US" noProof="0" dirty="0"/>
-          </a:p>
-        </p:txBody>
-      </p:sp>
-    </p:spTree>
-    <p:extLst>
-      <p:ext uri="{BB962C8B-B14F-4D97-AF65-F5344CB8AC3E}">
-        <p14:creationId xmlns:p14="http://schemas.microsoft.com/office/powerpoint/2010/main" val="2003653428"/>
-      </p:ext>
-    </p:extLst>
-  </p:cSld>
-  <p:clrMapOvr>
-    <a:masterClrMapping/>
-  </p:clrMapOvr>
-  <p:timing>
-    <p:tnLst>
-      <p:par>
-        <p:cTn id="1" dur="indefinite" restart="never" nodeType="tmRoot"/>
-      </p:par>
-    </p:tnLst>
-  </p:timing>
-</p:sld>
-</file>
-
-<file path=ppt/slides/slide28.xml><?xml version="1.0" encoding="utf-8"?>
-<p:sld xmlns:a="http://schemas.openxmlformats.org/drawingml/2006/main" xmlns:r="http://schemas.openxmlformats.org/officeDocument/2006/relationships" xmlns:p="http://schemas.openxmlformats.org/presentationml/2006/main">
-  <p:cSld>
-    <p:spTree>
-      <p:nvGrpSpPr>
-        <p:cNvPr id="1" name=""/>
-        <p:cNvGrpSpPr/>
-        <p:nvPr/>
-      </p:nvGrpSpPr>
-      <p:grpSpPr>
-        <a:xfrm>
-          <a:off x="0" y="0"/>
-          <a:ext cx="0" cy="0"/>
-          <a:chOff x="0" y="0"/>
-          <a:chExt cx="0" cy="0"/>
-        </a:xfrm>
-      </p:grpSpPr>
-      <p:sp>
-        <p:nvSpPr>
-          <p:cNvPr id="2" name="Vertikaler Textplatzhalter 1"/>
-          <p:cNvSpPr>
-            <a:spLocks noGrp="1"/>
-          </p:cNvSpPr>
-          <p:nvPr>
-            <p:ph type="body" orient="vert" idx="1"/>
-          </p:nvPr>
-        </p:nvSpPr>
-        <p:spPr/>
-        <p:txBody>
-          <a:bodyPr/>
-          <a:lstStyle/>
-          <a:p>
-            <a:r>
-              <a:rPr lang="de-DE" dirty="0" smtClean="0"/>
-              <a:t>Type: Setting </a:t>
-            </a:r>
-            <a:r>
-              <a:rPr lang="de-DE" dirty="0" err="1" smtClean="0"/>
-              <a:t>flow</a:t>
-            </a:r>
-            <a:r>
-              <a:rPr lang="de-DE" dirty="0" smtClean="0"/>
-              <a:t> per </a:t>
-            </a:r>
-            <a:r>
-              <a:rPr lang="de-DE" dirty="0" err="1" smtClean="0"/>
-              <a:t>timestep</a:t>
-            </a:r>
-            <a:endParaRPr lang="de-DE" dirty="0" smtClean="0"/>
-          </a:p>
-          <a:p>
-            <a:r>
-              <a:rPr lang="de-DE" dirty="0" err="1" smtClean="0"/>
-              <a:t>Based</a:t>
-            </a:r>
-            <a:r>
-              <a:rPr lang="de-DE" dirty="0" smtClean="0"/>
-              <a:t> on: </a:t>
-            </a:r>
-          </a:p>
-          <a:p>
-            <a:pPr lvl="1"/>
-            <a:r>
-              <a:rPr lang="de-DE" dirty="0" err="1" smtClean="0"/>
-              <a:t>External</a:t>
-            </a:r>
-            <a:r>
-              <a:rPr lang="de-DE" dirty="0" smtClean="0"/>
-              <a:t> </a:t>
-            </a:r>
-            <a:r>
-              <a:rPr lang="de-DE" dirty="0" err="1" smtClean="0"/>
-              <a:t>boolean</a:t>
-            </a:r>
-            <a:r>
-              <a:rPr lang="de-DE" dirty="0" smtClean="0"/>
-              <a:t> </a:t>
-            </a:r>
-            <a:r>
-              <a:rPr lang="de-DE" dirty="0" err="1" smtClean="0"/>
-              <a:t>timeseries</a:t>
-            </a:r>
-            <a:endParaRPr lang="de-DE" dirty="0" smtClean="0"/>
-          </a:p>
-          <a:p>
-            <a:pPr lvl="1"/>
-            <a:r>
-              <a:rPr lang="de-DE" dirty="0" err="1" smtClean="0"/>
-              <a:t>Linerarized</a:t>
-            </a:r>
-            <a:r>
-              <a:rPr lang="de-DE" dirty="0" smtClean="0"/>
-              <a:t> </a:t>
-            </a:r>
-            <a:r>
-              <a:rPr lang="de-DE" dirty="0" err="1" smtClean="0"/>
-              <a:t>formular</a:t>
-            </a:r>
-            <a:r>
-              <a:rPr lang="de-DE" dirty="0" smtClean="0"/>
-              <a:t> </a:t>
-            </a:r>
-            <a:r>
-              <a:rPr lang="de-DE" dirty="0" err="1" smtClean="0"/>
-              <a:t>for</a:t>
-            </a:r>
-            <a:r>
-              <a:rPr lang="de-DE" dirty="0" smtClean="0"/>
-              <a:t> </a:t>
-            </a:r>
-            <a:r>
-              <a:rPr lang="de-DE" dirty="0" err="1" smtClean="0"/>
-              <a:t>value</a:t>
-            </a:r>
-            <a:r>
-              <a:rPr lang="de-DE" dirty="0" smtClean="0"/>
-              <a:t> </a:t>
-            </a:r>
-            <a:r>
-              <a:rPr lang="de-DE" dirty="0" err="1" smtClean="0"/>
-              <a:t>of</a:t>
-            </a:r>
-            <a:r>
-              <a:rPr lang="de-DE" dirty="0" smtClean="0"/>
-              <a:t> </a:t>
-            </a:r>
-            <a:r>
-              <a:rPr lang="de-DE" dirty="0" err="1" smtClean="0"/>
-              <a:t>flow</a:t>
-            </a:r>
-            <a:endParaRPr lang="en-GB" dirty="0"/>
-          </a:p>
-        </p:txBody>
-      </p:sp>
-      <p:sp>
-        <p:nvSpPr>
-          <p:cNvPr id="3" name="Fußzeilenplatzhalter 2"/>
-          <p:cNvSpPr>
-            <a:spLocks noGrp="1"/>
-          </p:cNvSpPr>
-          <p:nvPr>
-            <p:ph type="ftr" sz="quarter" idx="11"/>
-          </p:nvPr>
-        </p:nvSpPr>
-        <p:spPr/>
-        <p:txBody>
-          <a:bodyPr/>
-          <a:lstStyle/>
-          <a:p>
-            <a:r>
-              <a:rPr lang="de-DE" smtClean="0"/>
-              <a:t>Reiner Lemoine Institut</a:t>
-            </a:r>
-            <a:endParaRPr lang="de-DE" dirty="0"/>
-          </a:p>
-        </p:txBody>
-      </p:sp>
-      <p:sp>
-        <p:nvSpPr>
-          <p:cNvPr id="4" name="Foliennummernplatzhalter 3"/>
-          <p:cNvSpPr>
-            <a:spLocks noGrp="1"/>
-          </p:cNvSpPr>
-          <p:nvPr>
-            <p:ph type="sldNum" sz="quarter" idx="12"/>
-          </p:nvPr>
-        </p:nvSpPr>
-        <p:spPr/>
-        <p:txBody>
-          <a:bodyPr/>
-          <a:lstStyle/>
-          <a:p>
-            <a:fld id="{C2A96E4E-EC3F-424D-8211-F17AF9FC0446}" type="slidenum">
-              <a:rPr lang="de-DE" smtClean="0"/>
-              <a:pPr/>
-              <a:t>27</a:t>
-            </a:fld>
-            <a:endParaRPr lang="de-DE" dirty="0"/>
-          </a:p>
-        </p:txBody>
-      </p:sp>
-      <p:sp>
-        <p:nvSpPr>
-          <p:cNvPr id="5" name="Titel 4"/>
-          <p:cNvSpPr>
-            <a:spLocks noGrp="1"/>
-          </p:cNvSpPr>
-          <p:nvPr>
-            <p:ph type="title"/>
-          </p:nvPr>
-        </p:nvSpPr>
-        <p:spPr/>
-        <p:txBody>
-          <a:bodyPr/>
-          <a:lstStyle/>
-          <a:p>
-            <a:r>
-              <a:rPr lang="de-DE" dirty="0" err="1" smtClean="0"/>
-              <a:t>Forced</a:t>
-            </a:r>
-            <a:r>
-              <a:rPr lang="de-DE" dirty="0" smtClean="0"/>
-              <a:t> </a:t>
-            </a:r>
-            <a:r>
-              <a:rPr lang="de-DE" dirty="0" err="1" smtClean="0"/>
-              <a:t>battery</a:t>
-            </a:r>
-            <a:r>
-              <a:rPr lang="de-DE" dirty="0" smtClean="0"/>
-              <a:t> </a:t>
-            </a:r>
-            <a:r>
-              <a:rPr lang="de-DE" dirty="0" err="1" smtClean="0"/>
-              <a:t>charge</a:t>
-            </a:r>
-            <a:endParaRPr lang="en-GB" dirty="0"/>
-          </a:p>
-        </p:txBody>
-      </p:sp>
-      <p:sp>
-        <p:nvSpPr>
-          <p:cNvPr id="6" name="Datumsplatzhalter 5"/>
-          <p:cNvSpPr>
-            <a:spLocks noGrp="1"/>
-          </p:cNvSpPr>
-          <p:nvPr>
-            <p:ph type="dt" sz="half" idx="13"/>
-          </p:nvPr>
-        </p:nvSpPr>
-        <p:spPr/>
-        <p:txBody>
-          <a:bodyPr/>
-          <a:lstStyle/>
-          <a:p>
-            <a:r>
-              <a:rPr lang="en-US" noProof="0" smtClean="0"/>
-              <a:t>September 18, 2019</a:t>
-            </a:r>
-            <a:endParaRPr lang="en-US" noProof="0" dirty="0"/>
-          </a:p>
-        </p:txBody>
-      </p:sp>
-    </p:spTree>
-    <p:extLst>
-      <p:ext uri="{BB962C8B-B14F-4D97-AF65-F5344CB8AC3E}">
-        <p14:creationId xmlns:p14="http://schemas.microsoft.com/office/powerpoint/2010/main" val="3485598933"/>
-      </p:ext>
-    </p:extLst>
-  </p:cSld>
-  <p:clrMapOvr>
-    <a:masterClrMapping/>
-  </p:clrMapOvr>
-  <p:timing>
-    <p:tnLst>
-      <p:par>
-        <p:cTn id="1" dur="indefinite" restart="never" nodeType="tmRoot"/>
-      </p:par>
-    </p:tnLst>
-  </p:timing>
-</p:sld>
-</file>
-
-<file path=ppt/slides/slide29.xml><?xml version="1.0" encoding="utf-8"?>
-<p:sld xmlns:a="http://schemas.openxmlformats.org/drawingml/2006/main" xmlns:r="http://schemas.openxmlformats.org/officeDocument/2006/relationships" xmlns:p="http://schemas.openxmlformats.org/presentationml/2006/main">
-  <p:cSld>
-    <p:spTree>
-      <p:nvGrpSpPr>
-        <p:cNvPr id="1" name=""/>
-        <p:cNvGrpSpPr/>
-        <p:nvPr/>
-      </p:nvGrpSpPr>
-      <p:grpSpPr>
-        <a:xfrm>
-          <a:off x="0" y="0"/>
-          <a:ext cx="0" cy="0"/>
-          <a:chOff x="0" y="0"/>
-          <a:chExt cx="0" cy="0"/>
-        </a:xfrm>
-      </p:grpSpPr>
-      <p:sp>
-        <p:nvSpPr>
           <p:cNvPr id="4" name="Fußzeilenplatzhalter 3"/>
           <p:cNvSpPr>
             <a:spLocks noGrp="1"/>
@@ -44051,7 +43510,7 @@
                 </a:solidFill>
               </a:rPr>
               <a:pPr/>
-              <a:t>28</a:t>
+              <a:t>26</a:t>
             </a:fld>
             <a:endParaRPr lang="de-DE" dirty="0">
               <a:solidFill>
@@ -45769,8 +45228,12 @@
           <a:lstStyle/>
           <a:p>
             <a:r>
+              <a:rPr lang="de-DE" dirty="0" smtClean="0"/>
+              <a:t>Linear </a:t>
+            </a:r>
+            <a:r>
               <a:rPr lang="de-DE" dirty="0" err="1" smtClean="0"/>
-              <a:t>Introducing</a:t>
+              <a:t>equation</a:t>
             </a:r>
             <a:r>
               <a:rPr lang="de-DE" dirty="0" smtClean="0"/>
@@ -45778,7 +45241,31 @@
             </a:r>
             <a:r>
               <a:rPr lang="de-DE" dirty="0" err="1" smtClean="0"/>
-              <a:t>words</a:t>
+              <a:t>system</a:t>
+            </a:r>
+            <a:r>
+              <a:rPr lang="de-DE" dirty="0" smtClean="0"/>
+              <a:t> </a:t>
+            </a:r>
+            <a:r>
+              <a:rPr lang="de-DE" dirty="0" err="1" smtClean="0"/>
+              <a:t>generated</a:t>
+            </a:r>
+            <a:r>
+              <a:rPr lang="de-DE" dirty="0" smtClean="0"/>
+              <a:t> </a:t>
+            </a:r>
+            <a:r>
+              <a:rPr lang="de-DE" dirty="0" err="1" smtClean="0"/>
+              <a:t>by</a:t>
+            </a:r>
+            <a:r>
+              <a:rPr lang="de-DE" dirty="0" smtClean="0"/>
+              <a:t> </a:t>
+            </a:r>
+            <a:r>
+              <a:rPr lang="de-DE" dirty="0" err="1" smtClean="0"/>
+              <a:t>oemof</a:t>
             </a:r>
             <a:endParaRPr lang="de-DE" dirty="0"/>
           </a:p>
@@ -45817,26 +45304,6 @@
               </a:spcAft>
             </a:pPr>
             <a:r>
-              <a:rPr lang="en-GB" sz="3200" dirty="0">
-                <a:latin typeface="Roboto Medium" panose="02000000000000000000" pitchFamily="2" charset="0"/>
-                <a:ea typeface="Roboto Medium" panose="02000000000000000000" pitchFamily="2" charset="0"/>
-                <a:cs typeface="Roboto Medium" panose="02000000000000000000" pitchFamily="2" charset="0"/>
-              </a:rPr>
-              <a:t>We learnt: </a:t>
-            </a:r>
-            <a:endParaRPr lang="en-GB" sz="3200" dirty="0" smtClean="0">
-              <a:latin typeface="Roboto Medium" panose="02000000000000000000" pitchFamily="2" charset="0"/>
-              <a:ea typeface="Roboto Medium" panose="02000000000000000000" pitchFamily="2" charset="0"/>
-              <a:cs typeface="Roboto Medium" panose="02000000000000000000" pitchFamily="2" charset="0"/>
-            </a:endParaRPr>
-          </a:p>
-          <a:p>
-            <a:pPr algn="ctr">
-              <a:spcAft>
-                <a:spcPts val="600"/>
-              </a:spcAft>
-            </a:pPr>
-            <a:r>
               <a:rPr lang="en-GB" sz="3200" dirty="0" smtClean="0">
                 <a:latin typeface="Roboto Medium" panose="02000000000000000000" pitchFamily="2" charset="0"/>
                 <a:ea typeface="Roboto Medium" panose="02000000000000000000" pitchFamily="2" charset="0"/>
@@ -45884,182 +45351,6 @@
               </a:rPr>
               <a:t>as a whole</a:t>
             </a:r>
-          </a:p>
-        </p:txBody>
-      </p:sp>
-      <p:sp>
-        <p:nvSpPr>
-          <p:cNvPr id="7" name="Rechteck 6"/>
-          <p:cNvSpPr/>
-          <p:nvPr/>
-        </p:nvSpPr>
-        <p:spPr>
-          <a:xfrm>
-            <a:off x="468761" y="5773161"/>
-            <a:ext cx="8255786" cy="923330"/>
-          </a:xfrm>
-          <a:prstGeom prst="rect">
-            <a:avLst/>
-          </a:prstGeom>
-        </p:spPr>
-        <p:txBody>
-          <a:bodyPr wrap="none">
-            <a:spAutoFit/>
-          </a:bodyPr>
-          <a:lstStyle/>
-          <a:p>
-            <a:r>
-              <a:rPr lang="en-GB" sz="1800" dirty="0" smtClean="0">
-                <a:latin typeface="Roboto Light" panose="02000000000000000000" pitchFamily="2" charset="0"/>
-                <a:ea typeface="Roboto Light" panose="02000000000000000000" pitchFamily="2" charset="0"/>
-                <a:cs typeface="Roboto Light" panose="02000000000000000000" pitchFamily="2" charset="0"/>
-              </a:rPr>
-              <a:t>All workshop contents at: </a:t>
-            </a:r>
-            <a:r>
-              <a:rPr lang="en-GB" sz="1800" dirty="0" smtClean="0">
-                <a:latin typeface="Roboto Light" panose="02000000000000000000" pitchFamily="2" charset="0"/>
-                <a:ea typeface="Roboto Light" panose="02000000000000000000" pitchFamily="2" charset="0"/>
-                <a:cs typeface="Roboto Light" panose="02000000000000000000" pitchFamily="2" charset="0"/>
-                <a:hlinkClick r:id="rId3"/>
-              </a:rPr>
-              <a:t>https</a:t>
-            </a:r>
-            <a:r>
-              <a:rPr lang="en-GB" sz="1800" dirty="0">
-                <a:latin typeface="Roboto Light" panose="02000000000000000000" pitchFamily="2" charset="0"/>
-                <a:ea typeface="Roboto Light" panose="02000000000000000000" pitchFamily="2" charset="0"/>
-                <a:cs typeface="Roboto Light" panose="02000000000000000000" pitchFamily="2" charset="0"/>
-                <a:hlinkClick r:id="rId3"/>
-              </a:rPr>
-              <a:t>://</a:t>
-            </a:r>
-            <a:r>
-              <a:rPr lang="en-GB" sz="1800" dirty="0" smtClean="0">
-                <a:latin typeface="Roboto Light" panose="02000000000000000000" pitchFamily="2" charset="0"/>
-                <a:ea typeface="Roboto Light" panose="02000000000000000000" pitchFamily="2" charset="0"/>
-                <a:cs typeface="Roboto Light" panose="02000000000000000000" pitchFamily="2" charset="0"/>
-                <a:hlinkClick r:id="rId3"/>
-              </a:rPr>
-              <a:t>github.com/smartie2076/oemof_workshop</a:t>
-            </a:r>
-            <a:endParaRPr lang="en-GB" sz="1800" dirty="0" smtClean="0">
-              <a:latin typeface="Roboto Light" panose="02000000000000000000" pitchFamily="2" charset="0"/>
-              <a:ea typeface="Roboto Light" panose="02000000000000000000" pitchFamily="2" charset="0"/>
-              <a:cs typeface="Roboto Light" panose="02000000000000000000" pitchFamily="2" charset="0"/>
-            </a:endParaRPr>
-          </a:p>
-          <a:p>
-            <a:r>
-              <a:rPr lang="de-DE" sz="1800" dirty="0" err="1" smtClean="0">
-                <a:latin typeface="Roboto Light" panose="02000000000000000000" pitchFamily="2" charset="0"/>
-                <a:ea typeface="Roboto Light" panose="02000000000000000000" pitchFamily="2" charset="0"/>
-                <a:cs typeface="Roboto Light" panose="02000000000000000000" pitchFamily="2" charset="0"/>
-              </a:rPr>
-              <a:t>Todays</a:t>
-            </a:r>
-            <a:r>
-              <a:rPr lang="de-DE" sz="1800" dirty="0" smtClean="0">
-                <a:latin typeface="Roboto Light" panose="02000000000000000000" pitchFamily="2" charset="0"/>
-                <a:ea typeface="Roboto Light" panose="02000000000000000000" pitchFamily="2" charset="0"/>
-                <a:cs typeface="Roboto Light" panose="02000000000000000000" pitchFamily="2" charset="0"/>
-              </a:rPr>
-              <a:t> </a:t>
-            </a:r>
-            <a:r>
-              <a:rPr lang="de-DE" sz="1800" dirty="0" err="1" smtClean="0">
-                <a:latin typeface="Roboto Light" panose="02000000000000000000" pitchFamily="2" charset="0"/>
-                <a:ea typeface="Roboto Light" panose="02000000000000000000" pitchFamily="2" charset="0"/>
-                <a:cs typeface="Roboto Light" panose="02000000000000000000" pitchFamily="2" charset="0"/>
-              </a:rPr>
-              <a:t>jupyter</a:t>
-            </a:r>
-            <a:r>
-              <a:rPr lang="de-DE" sz="1800" dirty="0" smtClean="0">
-                <a:latin typeface="Roboto Light" panose="02000000000000000000" pitchFamily="2" charset="0"/>
-                <a:ea typeface="Roboto Light" panose="02000000000000000000" pitchFamily="2" charset="0"/>
-                <a:cs typeface="Roboto Light" panose="02000000000000000000" pitchFamily="2" charset="0"/>
-              </a:rPr>
-              <a:t> </a:t>
-            </a:r>
-            <a:r>
-              <a:rPr lang="de-DE" sz="1800" dirty="0" err="1" smtClean="0">
-                <a:latin typeface="Roboto Light" panose="02000000000000000000" pitchFamily="2" charset="0"/>
-                <a:ea typeface="Roboto Light" panose="02000000000000000000" pitchFamily="2" charset="0"/>
-                <a:cs typeface="Roboto Light" panose="02000000000000000000" pitchFamily="2" charset="0"/>
-              </a:rPr>
-              <a:t>notebooks</a:t>
-            </a:r>
-            <a:r>
-              <a:rPr lang="de-DE" sz="1800" dirty="0" smtClean="0">
-                <a:latin typeface="Roboto Light" panose="02000000000000000000" pitchFamily="2" charset="0"/>
-                <a:ea typeface="Roboto Light" panose="02000000000000000000" pitchFamily="2" charset="0"/>
-                <a:cs typeface="Roboto Light" panose="02000000000000000000" pitchFamily="2" charset="0"/>
-              </a:rPr>
-              <a:t> </a:t>
-            </a:r>
-            <a:r>
-              <a:rPr lang="de-DE" sz="1800" dirty="0" err="1" smtClean="0">
-                <a:latin typeface="Roboto Light" panose="02000000000000000000" pitchFamily="2" charset="0"/>
-                <a:ea typeface="Roboto Light" panose="02000000000000000000" pitchFamily="2" charset="0"/>
-                <a:cs typeface="Roboto Light" panose="02000000000000000000" pitchFamily="2" charset="0"/>
-              </a:rPr>
-              <a:t>are</a:t>
-            </a:r>
-            <a:r>
-              <a:rPr lang="de-DE" sz="1800" dirty="0" smtClean="0">
-                <a:latin typeface="Roboto Light" panose="02000000000000000000" pitchFamily="2" charset="0"/>
-                <a:ea typeface="Roboto Light" panose="02000000000000000000" pitchFamily="2" charset="0"/>
-                <a:cs typeface="Roboto Light" panose="02000000000000000000" pitchFamily="2" charset="0"/>
-              </a:rPr>
-              <a:t> </a:t>
-            </a:r>
-            <a:r>
-              <a:rPr lang="de-DE" sz="1800" dirty="0" err="1" smtClean="0">
-                <a:latin typeface="Roboto Light" panose="02000000000000000000" pitchFamily="2" charset="0"/>
-                <a:ea typeface="Roboto Light" panose="02000000000000000000" pitchFamily="2" charset="0"/>
-                <a:cs typeface="Roboto Light" panose="02000000000000000000" pitchFamily="2" charset="0"/>
-              </a:rPr>
-              <a:t>stored</a:t>
-            </a:r>
-            <a:r>
-              <a:rPr lang="de-DE" sz="1800" dirty="0" smtClean="0">
-                <a:latin typeface="Roboto Light" panose="02000000000000000000" pitchFamily="2" charset="0"/>
-                <a:ea typeface="Roboto Light" panose="02000000000000000000" pitchFamily="2" charset="0"/>
-                <a:cs typeface="Roboto Light" panose="02000000000000000000" pitchFamily="2" charset="0"/>
-              </a:rPr>
-              <a:t> in </a:t>
-            </a:r>
-            <a:r>
-              <a:rPr lang="en-GB" sz="1800" dirty="0">
-                <a:latin typeface="Roboto Light" panose="02000000000000000000" pitchFamily="2" charset="0"/>
-                <a:ea typeface="Roboto Light" panose="02000000000000000000" pitchFamily="2" charset="0"/>
-                <a:cs typeface="Roboto Light" panose="02000000000000000000" pitchFamily="2" charset="0"/>
-                <a:hlinkClick r:id="rId4" action="ppaction://hlinkfile"/>
-              </a:rPr>
-              <a:t>./</a:t>
-            </a:r>
-            <a:r>
-              <a:rPr lang="en-GB" sz="1800" dirty="0" smtClean="0">
-                <a:latin typeface="Roboto Light" panose="02000000000000000000" pitchFamily="2" charset="0"/>
-                <a:ea typeface="Roboto Light" panose="02000000000000000000" pitchFamily="2" charset="0"/>
-                <a:cs typeface="Roboto Light" panose="02000000000000000000" pitchFamily="2" charset="0"/>
-                <a:hlinkClick r:id="rId4" action="ppaction://hlinkfile"/>
-              </a:rPr>
-              <a:t>Day_3_Custom_Constraints_for_Oemof</a:t>
-            </a:r>
-            <a:endParaRPr lang="en-GB" sz="1800" dirty="0" smtClean="0">
-              <a:latin typeface="Roboto Light" panose="02000000000000000000" pitchFamily="2" charset="0"/>
-              <a:ea typeface="Roboto Light" panose="02000000000000000000" pitchFamily="2" charset="0"/>
-              <a:cs typeface="Roboto Light" panose="02000000000000000000" pitchFamily="2" charset="0"/>
-            </a:endParaRPr>
-          </a:p>
-          <a:p>
-            <a:endParaRPr lang="en-GB" sz="1800" dirty="0">
-              <a:latin typeface="Roboto Light" panose="02000000000000000000" pitchFamily="2" charset="0"/>
-              <a:ea typeface="Roboto Light" panose="02000000000000000000" pitchFamily="2" charset="0"/>
-              <a:cs typeface="Roboto Light" panose="02000000000000000000" pitchFamily="2" charset="0"/>
-            </a:endParaRPr>
           </a:p>
         </p:txBody>
       </p:sp>
@@ -46118,8 +45409,12 @@
           <a:lstStyle/>
           <a:p>
             <a:r>
+              <a:rPr lang="de-DE" dirty="0" smtClean="0"/>
+              <a:t>Linear </a:t>
+            </a:r>
+            <a:r>
               <a:rPr lang="de-DE" dirty="0" err="1" smtClean="0"/>
-              <a:t>Oemof</a:t>
+              <a:t>equation</a:t>
             </a:r>
             <a:r>
               <a:rPr lang="de-DE" dirty="0" smtClean="0"/>
@@ -46127,15 +45422,7 @@
             </a:r>
             <a:r>
               <a:rPr lang="de-DE" dirty="0" err="1" smtClean="0"/>
-              <a:t>generates</a:t>
-            </a:r>
-            <a:r>
-              <a:rPr lang="de-DE" dirty="0" smtClean="0"/>
-              <a:t> a </a:t>
-            </a:r>
-            <a:r>
-              <a:rPr lang="de-DE" dirty="0" err="1" smtClean="0"/>
-              <a:t>set</a:t>
+              <a:t>system</a:t>
             </a:r>
             <a:r>
               <a:rPr lang="de-DE" dirty="0" smtClean="0"/>
@@ -46143,15 +45430,7 @@
             </a:r>
             <a:r>
               <a:rPr lang="de-DE" dirty="0" err="1" smtClean="0"/>
-              <a:t>of</a:t>
-            </a:r>
-            <a:r>
-              <a:rPr lang="de-DE" dirty="0" smtClean="0"/>
-              <a:t> linear </a:t>
-            </a:r>
-            <a:r>
-              <a:rPr lang="de-DE" dirty="0" err="1" smtClean="0"/>
-              <a:t>equations</a:t>
+              <a:t>describes</a:t>
             </a:r>
             <a:r>
               <a:rPr lang="de-DE" dirty="0" smtClean="0"/>
@@ -46159,15 +45438,7 @@
             </a:r>
             <a:r>
               <a:rPr lang="de-DE" dirty="0" err="1" smtClean="0"/>
-              <a:t>based</a:t>
-            </a:r>
-            <a:r>
-              <a:rPr lang="de-DE" dirty="0" smtClean="0"/>
-              <a:t> on </a:t>
-            </a:r>
-            <a:r>
-              <a:rPr lang="de-DE" dirty="0" err="1" smtClean="0"/>
-              <a:t>the</a:t>
+              <a:t>energy</a:t>
             </a:r>
             <a:r>
               <a:rPr lang="de-DE" dirty="0" smtClean="0"/>
@@ -46175,7 +45446,7 @@
             </a:r>
             <a:r>
               <a:rPr lang="de-DE" dirty="0" err="1" smtClean="0"/>
-              <a:t>created</a:t>
+              <a:t>system</a:t>
             </a:r>
             <a:r>
               <a:rPr lang="de-DE" dirty="0" smtClean="0"/>
@@ -46183,11 +45454,23 @@
             </a:r>
             <a:r>
               <a:rPr lang="de-DE" dirty="0" err="1" smtClean="0"/>
-              <a:t>model</a:t>
-            </a:r>
+              <a:t>fully</a:t>
+            </a:r>
+            <a:endParaRPr lang="de-DE" dirty="0" smtClean="0"/>
+          </a:p>
+          <a:p>
+            <a:pPr lvl="1"/>
             <a:r>
               <a:rPr lang="de-DE" dirty="0" smtClean="0"/>
-              <a:t>, </a:t>
+              <a:t> </a:t>
+            </a:r>
+            <a:r>
+              <a:rPr lang="de-DE" dirty="0" err="1" smtClean="0"/>
+              <a:t>generated</a:t>
+            </a:r>
+            <a:r>
+              <a:rPr lang="de-DE" dirty="0" smtClean="0"/>
+              <a:t> </a:t>
             </a:r>
             <a:r>
               <a:rPr lang="de-DE" dirty="0" err="1" smtClean="0"/>
@@ -46201,25 +45484,18 @@
               <a:rPr lang="de-DE" dirty="0" err="1" smtClean="0"/>
               <a:t>Pyomo</a:t>
             </a:r>
-            <a:endParaRPr lang="de-DE" dirty="0" smtClean="0"/>
-          </a:p>
-          <a:p>
-            <a:r>
-              <a:rPr lang="de-DE" dirty="0" smtClean="0"/>
-              <a:t>Linear </a:t>
-            </a:r>
-            <a:r>
-              <a:rPr lang="de-DE" dirty="0" err="1" smtClean="0"/>
-              <a:t>equation</a:t>
-            </a:r>
             <a:r>
               <a:rPr lang="de-DE" dirty="0" smtClean="0"/>
               <a:t> </a:t>
             </a:r>
             <a:r>
               <a:rPr lang="de-DE" dirty="0" err="1" smtClean="0"/>
-              <a:t>system</a:t>
-            </a:r>
+              <a:t>package</a:t>
+            </a:r>
+            <a:endParaRPr lang="de-DE" dirty="0" smtClean="0"/>
+          </a:p>
+          <a:p>
+            <a:pPr lvl="1"/>
             <a:r>
               <a:rPr lang="de-DE" dirty="0" smtClean="0"/>
               <a:t> </a:t>
@@ -46254,17 +45530,39 @@
             </a:r>
             <a:r>
               <a:rPr lang="de-DE" dirty="0" smtClean="0"/>
-              <a:t>-file“</a:t>
-            </a:r>
-          </a:p>
-          <a:p>
+              <a:t>-file</a:t>
+            </a:r>
+            <a:r>
+              <a:rPr lang="de-DE" dirty="0" smtClean="0"/>
+              <a:t>“</a:t>
+            </a:r>
+          </a:p>
+          <a:p>
+            <a:pPr marL="358775" lvl="1" indent="0">
+              <a:buNone/>
+            </a:pPr>
+            <a:endParaRPr lang="de-DE" dirty="0" smtClean="0"/>
+          </a:p>
+          <a:p>
+            <a:r>
+              <a:rPr lang="de-DE" dirty="0" smtClean="0"/>
+              <a:t>The „</a:t>
+            </a:r>
             <a:r>
               <a:rPr lang="de-DE" dirty="0" err="1" smtClean="0"/>
               <a:t>lp</a:t>
             </a:r>
             <a:r>
               <a:rPr lang="de-DE" dirty="0" smtClean="0"/>
-              <a:t>-file </a:t>
+              <a:t>-file“ </a:t>
+            </a:r>
+            <a:r>
+              <a:rPr lang="de-DE" dirty="0" err="1" smtClean="0"/>
+              <a:t>is</a:t>
+            </a:r>
+            <a:r>
+              <a:rPr lang="de-DE" dirty="0" smtClean="0"/>
+              <a:t> </a:t>
             </a:r>
             <a:r>
               <a:rPr lang="de-DE" dirty="0" err="1" smtClean="0"/>
@@ -46304,8 +45602,9 @@
             </a:r>
             <a:r>
               <a:rPr lang="de-DE" dirty="0" smtClean="0"/>
-              <a:t>, </a:t>
-            </a:r>
+              <a:t> </a:t>
+            </a:r>
+            <a:endParaRPr lang="de-DE" dirty="0" smtClean="0"/>
           </a:p>
           <a:p>
             <a:pPr lvl="1"/>
@@ -46335,7 +45634,7 @@
             <a:pPr lvl="1"/>
             <a:r>
               <a:rPr lang="de-DE" dirty="0" smtClean="0"/>
-              <a:t>Same </a:t>
+              <a:t> Same </a:t>
             </a:r>
             <a:r>
               <a:rPr lang="de-DE" dirty="0" err="1" smtClean="0"/>
@@ -46385,6 +45684,13 @@
           </a:p>
           <a:p>
             <a:pPr lvl="1"/>
+            <a:endParaRPr lang="de-DE" dirty="0" smtClean="0"/>
+          </a:p>
+          <a:p>
+            <a:r>
+              <a:rPr lang="de-DE" dirty="0" smtClean="0"/>
+              <a:t> </a:t>
+            </a:r>
             <a:r>
               <a:rPr lang="de-DE" dirty="0" err="1" smtClean="0"/>
               <a:t>Lp</a:t>
@@ -46456,63 +45762,9 @@
             <a:endParaRPr lang="de-DE" dirty="0" smtClean="0"/>
           </a:p>
           <a:p>
-            <a:pPr lvl="1"/>
-            <a:r>
-              <a:rPr lang="de-DE" dirty="0" err="1" smtClean="0"/>
-              <a:t>Includes</a:t>
-            </a:r>
-            <a:r>
-              <a:rPr lang="de-DE" dirty="0" smtClean="0"/>
-              <a:t> all </a:t>
-            </a:r>
-            <a:r>
-              <a:rPr lang="de-DE" dirty="0" err="1" smtClean="0"/>
-              <a:t>necessary</a:t>
-            </a:r>
-            <a:r>
-              <a:rPr lang="de-DE" dirty="0" smtClean="0"/>
-              <a:t> </a:t>
-            </a:r>
-            <a:r>
-              <a:rPr lang="de-DE" dirty="0" err="1" smtClean="0"/>
-              <a:t>data</a:t>
-            </a:r>
-            <a:r>
-              <a:rPr lang="de-DE" dirty="0" smtClean="0"/>
-              <a:t> </a:t>
-            </a:r>
-            <a:r>
-              <a:rPr lang="de-DE" dirty="0" err="1" smtClean="0"/>
-              <a:t>of</a:t>
-            </a:r>
-            <a:r>
-              <a:rPr lang="de-DE" dirty="0" smtClean="0"/>
-              <a:t> </a:t>
-            </a:r>
-            <a:r>
-              <a:rPr lang="de-DE" dirty="0" err="1" smtClean="0"/>
-              <a:t>your</a:t>
-            </a:r>
-            <a:r>
-              <a:rPr lang="de-DE" dirty="0" smtClean="0"/>
-              <a:t> </a:t>
-            </a:r>
-            <a:r>
-              <a:rPr lang="de-DE" dirty="0" err="1" smtClean="0"/>
-              <a:t>energy</a:t>
-            </a:r>
-            <a:r>
-              <a:rPr lang="de-DE" dirty="0" smtClean="0"/>
-              <a:t> </a:t>
-            </a:r>
-            <a:r>
-              <a:rPr lang="de-DE" dirty="0" err="1" smtClean="0"/>
-              <a:t>system</a:t>
-            </a:r>
-            <a:endParaRPr lang="de-DE" dirty="0" smtClean="0"/>
-          </a:p>
-          <a:p>
-            <a:pPr lvl="1"/>
+            <a:pPr marL="358775" lvl="1" indent="0">
+              <a:buNone/>
+            </a:pPr>
             <a:endParaRPr lang="de-DE" dirty="0"/>
           </a:p>
           <a:p>
@@ -46522,10 +45774,18 @@
             </a:r>
             <a:r>
               <a:rPr lang="de-DE" dirty="0" smtClean="0"/>
-              <a:t>: ./</a:t>
-            </a:r>
-            <a:r>
-              <a:rPr lang="de-DE" dirty="0" err="1" smtClean="0"/>
+              <a:t>: </a:t>
+            </a:r>
+            <a:r>
+              <a:rPr lang="de-DE" dirty="0" smtClean="0">
+                <a:hlinkClick r:id="rId2" action="ppaction://hlinkfile"/>
+              </a:rPr>
+              <a:t>./</a:t>
+            </a:r>
+            <a:r>
+              <a:rPr lang="de-DE" dirty="0" err="1" smtClean="0">
+                <a:hlinkClick r:id="rId2" action="ppaction://hlinkfile"/>
+              </a:rPr>
               <a:t>micro_grid_fixed_cap_basic.ipynb</a:t>
             </a:r>
             <a:endParaRPr lang="de-DE" dirty="0" smtClean="0"/>
@@ -46816,11 +46076,19 @@
             </a:r>
             <a:r>
               <a:rPr lang="de-DE" dirty="0" smtClean="0"/>
-              <a:t>-file“: Main </a:t>
+              <a:t>-file“: </a:t>
             </a:r>
             <a:r>
               <a:rPr lang="de-DE" dirty="0" err="1" smtClean="0"/>
-              <a:t>balance</a:t>
+              <a:t>Objective</a:t>
+            </a:r>
+            <a:r>
+              <a:rPr lang="de-DE" dirty="0" smtClean="0"/>
+              <a:t> </a:t>
+            </a:r>
+            <a:r>
+              <a:rPr lang="de-DE" dirty="0" err="1" smtClean="0"/>
+              <a:t>value</a:t>
             </a:r>
             <a:endParaRPr lang="en-GB" dirty="0"/>
           </a:p>
@@ -46849,56 +46117,36 @@
           </a:p>
         </p:txBody>
       </p:sp>
-      <p:sp>
-        <p:nvSpPr>
-          <p:cNvPr id="7" name="Textfeld 6"/>
-          <p:cNvSpPr txBox="1"/>
+      <p:pic>
+        <p:nvPicPr>
+          <p:cNvPr id="8" name="Grafik 7"/>
+          <p:cNvPicPr>
+            <a:picLocks noChangeAspect="1"/>
+          </p:cNvPicPr>
           <p:nvPr/>
-        </p:nvSpPr>
+        </p:nvPicPr>
+        <p:blipFill>
+          <a:blip r:embed="rId2">
+            <a:extLst>
+              <a:ext uri="{28A0092B-C50C-407E-A947-70E740481C1C}">
+                <a14:useLocalDpi xmlns:a14="http://schemas.microsoft.com/office/drawing/2010/main" val="0"/>
+              </a:ext>
+            </a:extLst>
+          </a:blip>
+          <a:stretch>
+            <a:fillRect/>
+          </a:stretch>
+        </p:blipFill>
         <p:spPr>
           <a:xfrm>
-            <a:off x="2762865" y="3687097"/>
-            <a:ext cx="2122312" cy="300082"/>
+            <a:off x="722904" y="1875998"/>
+            <a:ext cx="7796784" cy="3282856"/>
           </a:xfrm>
           <a:prstGeom prst="rect">
             <a:avLst/>
           </a:prstGeom>
-          <a:noFill/>
         </p:spPr>
-        <p:txBody>
-          <a:bodyPr wrap="none" rtlCol="0">
-            <a:spAutoFit/>
-          </a:bodyPr>
-          <a:lstStyle/>
-          <a:p>
-            <a:r>
-              <a:rPr lang="de-DE" dirty="0" smtClean="0"/>
-              <a:t>Image </a:t>
-            </a:r>
-            <a:r>
-              <a:rPr lang="de-DE" dirty="0" err="1" smtClean="0"/>
-              <a:t>for</a:t>
-            </a:r>
-            <a:r>
-              <a:rPr lang="de-DE" dirty="0" smtClean="0"/>
-              <a:t> </a:t>
-            </a:r>
-            <a:r>
-              <a:rPr lang="de-DE" dirty="0" err="1" smtClean="0"/>
-              <a:t>dispatch</a:t>
-            </a:r>
-            <a:r>
-              <a:rPr lang="de-DE" dirty="0" smtClean="0"/>
-              <a:t> </a:t>
-            </a:r>
-            <a:r>
-              <a:rPr lang="de-DE" dirty="0" err="1" smtClean="0"/>
-              <a:t>problem</a:t>
-            </a:r>
-            <a:endParaRPr lang="en-GB" dirty="0"/>
-          </a:p>
-        </p:txBody>
-      </p:sp>
+      </p:pic>
     </p:spTree>
     <p:extLst>
       <p:ext uri="{BB962C8B-B14F-4D97-AF65-F5344CB8AC3E}">

--- a/Oemof_Workshop_07_Constraints.pptx
+++ b/Oemof_Workshop_07_Constraints.pptx
@@ -36756,8 +36756,8 @@
           <a:chExt cx="0" cy="0"/>
         </a:xfrm>
       </p:grpSpPr>
-      <mc:AlternateContent xmlns:mc="http://schemas.openxmlformats.org/markup-compatibility/2006">
-        <mc:Choice xmlns:a14="http://schemas.microsoft.com/office/drawing/2010/main" Requires="a14">
+      <mc:AlternateContent xmlns:mc="http://schemas.openxmlformats.org/markup-compatibility/2006" xmlns:a14="http://schemas.microsoft.com/office/drawing/2010/main">
+        <mc:Choice Requires="a14">
           <p:sp>
             <p:nvSpPr>
               <p:cNvPr id="2" name="Vertikaler Textplatzhalter 1"/>
@@ -37005,11 +37005,7 @@
                 </a:r>
                 <a:r>
                   <a:rPr lang="de-DE" dirty="0" smtClean="0"/>
-                  <a:t>“-</a:t>
-                </a:r>
-                <a:r>
-                  <a:rPr lang="de-DE" dirty="0" smtClean="0"/>
-                  <a:t>Sink</a:t>
+                  <a:t>“-Sink</a:t>
                 </a:r>
               </a:p>
               <a:p>
@@ -37019,7 +37015,7 @@
             </p:txBody>
           </p:sp>
         </mc:Choice>
-        <mc:Fallback>
+        <mc:Fallback xmlns="">
           <p:sp>
             <p:nvSpPr>
               <p:cNvPr id="2" name="Vertikaler Textplatzhalter 1"/>
@@ -37225,8 +37221,8 @@
           <a:chExt cx="0" cy="0"/>
         </a:xfrm>
       </p:grpSpPr>
-      <mc:AlternateContent xmlns:mc="http://schemas.openxmlformats.org/markup-compatibility/2006">
-        <mc:Choice xmlns:a14="http://schemas.microsoft.com/office/drawing/2010/main" Requires="a14">
+      <mc:AlternateContent xmlns:mc="http://schemas.openxmlformats.org/markup-compatibility/2006" xmlns:a14="http://schemas.microsoft.com/office/drawing/2010/main">
+        <mc:Choice Requires="a14">
           <p:sp>
             <p:nvSpPr>
               <p:cNvPr id="2" name="Vertikaler Textplatzhalter 1"/>
@@ -37474,17 +37470,13 @@
                 </a:r>
                 <a:r>
                   <a:rPr lang="de-DE" dirty="0" smtClean="0"/>
-                  <a:t>“-</a:t>
-                </a:r>
-                <a:r>
-                  <a:rPr lang="de-DE" dirty="0" smtClean="0"/>
-                  <a:t>Sink</a:t>
+                  <a:t>“-Sink</a:t>
                 </a:r>
               </a:p>
             </p:txBody>
           </p:sp>
         </mc:Choice>
-        <mc:Fallback>
+        <mc:Fallback xmlns="">
           <p:sp>
             <p:nvSpPr>
               <p:cNvPr id="2" name="Vertikaler Textplatzhalter 1"/>
@@ -37720,8 +37712,8 @@
           <a:chExt cx="0" cy="0"/>
         </a:xfrm>
       </p:grpSpPr>
-      <mc:AlternateContent xmlns:mc="http://schemas.openxmlformats.org/markup-compatibility/2006">
-        <mc:Choice xmlns:a14="http://schemas.microsoft.com/office/drawing/2010/main" Requires="a14">
+      <mc:AlternateContent xmlns:mc="http://schemas.openxmlformats.org/markup-compatibility/2006" xmlns:a14="http://schemas.microsoft.com/office/drawing/2010/main">
+        <mc:Choice Requires="a14">
           <p:sp>
             <p:nvSpPr>
               <p:cNvPr id="2" name="Vertikaler Textplatzhalter 1"/>
@@ -37983,7 +37975,7 @@
             </p:txBody>
           </p:sp>
         </mc:Choice>
-        <mc:Fallback>
+        <mc:Fallback xmlns="">
           <p:sp>
             <p:nvSpPr>
               <p:cNvPr id="2" name="Vertikaler Textplatzhalter 1"/>
@@ -40368,11 +40360,7 @@
             </a:r>
             <a:r>
               <a:rPr lang="de-DE" dirty="0" smtClean="0"/>
-              <a:t> </a:t>
-            </a:r>
-            <a:r>
-              <a:rPr lang="de-DE" dirty="0" smtClean="0"/>
-              <a:t>variables</a:t>
+              <a:t> variables</a:t>
             </a:r>
           </a:p>
           <a:p>
@@ -41919,8 +41907,8 @@
           <a:chExt cx="0" cy="0"/>
         </a:xfrm>
       </p:grpSpPr>
-      <mc:AlternateContent xmlns:mc="http://schemas.openxmlformats.org/markup-compatibility/2006">
-        <mc:Choice xmlns:a14="http://schemas.microsoft.com/office/drawing/2010/main" Requires="a14">
+      <mc:AlternateContent xmlns:mc="http://schemas.openxmlformats.org/markup-compatibility/2006" xmlns:a14="http://schemas.microsoft.com/office/drawing/2010/main">
+        <mc:Choice Requires="a14">
           <p:sp>
             <p:nvSpPr>
               <p:cNvPr id="2" name="Vertikaler Textplatzhalter 1"/>
@@ -42260,7 +42248,7 @@
             </p:txBody>
           </p:sp>
         </mc:Choice>
-        <mc:Fallback>
+        <mc:Fallback xmlns="">
           <p:sp>
             <p:nvSpPr>
               <p:cNvPr id="2" name="Vertikaler Textplatzhalter 1"/>
@@ -42440,209 +42428,161 @@
           <a:chExt cx="0" cy="0"/>
         </a:xfrm>
       </p:grpSpPr>
-      <mc:AlternateContent xmlns:mc="http://schemas.openxmlformats.org/markup-compatibility/2006">
-        <mc:Choice xmlns:a14="http://schemas.microsoft.com/office/drawing/2010/main" Requires="a14">
-          <p:sp>
-            <p:nvSpPr>
-              <p:cNvPr id="2" name="Vertikaler Textplatzhalter 1"/>
-              <p:cNvSpPr>
-                <a:spLocks noGrp="1"/>
-              </p:cNvSpPr>
-              <p:nvPr>
-                <p:ph type="body" orient="vert" idx="1"/>
-              </p:nvPr>
-            </p:nvSpPr>
-            <p:spPr/>
-            <p:txBody>
-              <a:bodyPr/>
-              <a:lstStyle/>
-              <a:p>
-                <a:r>
-                  <a:rPr lang="de-DE" dirty="0" smtClean="0"/>
-                  <a:t>Type: Minimum </a:t>
-                </a:r>
-                <a:r>
-                  <a:rPr lang="de-DE" dirty="0" err="1" smtClean="0"/>
-                  <a:t>bound</a:t>
-                </a:r>
-                <a:r>
-                  <a:rPr lang="de-DE" dirty="0" smtClean="0"/>
-                  <a:t> per </a:t>
-                </a:r>
-                <a:r>
-                  <a:rPr lang="de-DE" dirty="0" err="1" smtClean="0"/>
-                  <a:t>timestep</a:t>
-                </a:r>
-                <a:endParaRPr lang="de-DE" dirty="0" smtClean="0"/>
-              </a:p>
-              <a:p>
-                <a:r>
-                  <a:rPr lang="de-DE" dirty="0" err="1" smtClean="0"/>
-                  <a:t>Based</a:t>
-                </a:r>
-                <a:r>
-                  <a:rPr lang="de-DE" dirty="0" smtClean="0"/>
-                  <a:t> on: Minimum </a:t>
-                </a:r>
-                <a:r>
-                  <a:rPr lang="de-DE" dirty="0" err="1" smtClean="0"/>
-                  <a:t>stability</a:t>
-                </a:r>
-                <a:r>
-                  <a:rPr lang="de-DE" dirty="0" smtClean="0"/>
-                  <a:t> </a:t>
-                </a:r>
-                <a:r>
-                  <a:rPr lang="de-DE" dirty="0" err="1" smtClean="0"/>
-                  <a:t>limit</a:t>
-                </a:r>
-                <a:r>
-                  <a:rPr lang="de-DE" dirty="0" smtClean="0"/>
-                  <a:t> (</a:t>
-                </a:r>
-                <a:r>
-                  <a:rPr lang="de-DE" dirty="0" err="1" smtClean="0"/>
-                  <a:t>constant</a:t>
-                </a:r>
-                <a:r>
-                  <a:rPr lang="de-DE" dirty="0" smtClean="0"/>
-                  <a:t>)</a:t>
-                </a:r>
-              </a:p>
-              <a:p>
-                <a:endParaRPr lang="de-DE" dirty="0"/>
-              </a:p>
-              <a:p>
-                <a:pPr marL="0" indent="0">
-                  <a:buNone/>
-                </a:pPr>
-                <a:r>
-                  <a:rPr lang="de-DE" dirty="0" smtClean="0"/>
-                  <a:t>1) </a:t>
-                </a:r>
-                <a14:m>
-                  <m:oMath xmlns:m="http://schemas.openxmlformats.org/officeDocument/2006/math">
-                    <a:fld id="{217A7E00-11AF-4415-A3AF-F33B58053CC9}" type="mathplaceholder">
-                      <a:rPr lang="de-DE" i="1" smtClean="0">
-                        <a:latin typeface="Cambria Math" panose="02040503050406030204" pitchFamily="18" charset="0"/>
-                      </a:rPr>
-                      <a:t>Geben Sie hier eine Formel ein.</a:t>
-                    </a:fld>
-                  </m:oMath>
-                </a14:m>
-                <a:endParaRPr lang="de-DE" dirty="0" smtClean="0"/>
-              </a:p>
-              <a:p>
-                <a:pPr marL="0" indent="0">
-                  <a:buNone/>
-                </a:pPr>
-                <a:r>
-                  <a:rPr lang="de-DE" dirty="0" smtClean="0"/>
-                  <a:t>2)</a:t>
-                </a:r>
-              </a:p>
-              <a:p>
-                <a:endParaRPr lang="de-DE" dirty="0"/>
-              </a:p>
-              <a:p>
-                <a:r>
-                  <a:rPr lang="de-DE" dirty="0"/>
-                  <a:t>Custom </a:t>
-                </a:r>
-                <a:r>
-                  <a:rPr lang="de-DE" dirty="0" err="1"/>
-                  <a:t>constraint</a:t>
-                </a:r>
-                <a:r>
-                  <a:rPr lang="de-DE" dirty="0"/>
-                  <a:t> </a:t>
-                </a:r>
-                <a:r>
-                  <a:rPr lang="de-DE" dirty="0" err="1"/>
-                  <a:t>with</a:t>
-                </a:r>
-                <a:r>
-                  <a:rPr lang="de-DE" dirty="0"/>
-                  <a:t> </a:t>
-                </a:r>
-                <a:r>
-                  <a:rPr lang="de-DE" dirty="0" err="1"/>
-                  <a:t>bounded</a:t>
-                </a:r>
-                <a:r>
-                  <a:rPr lang="de-DE" dirty="0"/>
-                  <a:t> </a:t>
-                </a:r>
-                <a:r>
-                  <a:rPr lang="de-DE" dirty="0" err="1"/>
-                  <a:t>flows</a:t>
-                </a:r>
-                <a:r>
-                  <a:rPr lang="de-DE" dirty="0"/>
-                  <a:t>:</a:t>
-                </a:r>
-              </a:p>
-              <a:p>
-                <a:pPr marL="358775" lvl="1" indent="0">
-                  <a:buNone/>
-                </a:pPr>
-                <a:r>
-                  <a:rPr lang="de-DE" dirty="0">
-                    <a:hlinkClick r:id="rId2" action="ppaction://hlinkfile"/>
-                  </a:rPr>
-                  <a:t>./</a:t>
-                </a:r>
-                <a:r>
-                  <a:rPr lang="de-DE" dirty="0" err="1">
-                    <a:hlinkClick r:id="rId2" action="ppaction://hlinkfile"/>
-                  </a:rPr>
-                  <a:t>micro_grid_custom_constraint_flows.ipynb</a:t>
-                </a:r>
-                <a:endParaRPr lang="en-GB" dirty="0"/>
-              </a:p>
-              <a:p>
-                <a:endParaRPr lang="de-DE" dirty="0" smtClean="0"/>
-              </a:p>
-              <a:p>
-                <a:endParaRPr lang="en-GB" dirty="0"/>
-              </a:p>
-            </p:txBody>
-          </p:sp>
-        </mc:Choice>
-        <mc:Fallback>
-          <p:sp>
-            <p:nvSpPr>
-              <p:cNvPr id="2" name="Vertikaler Textplatzhalter 1"/>
-              <p:cNvSpPr>
-                <a:spLocks noGrp="1" noRot="1" noChangeAspect="1" noMove="1" noResize="1" noEditPoints="1" noAdjustHandles="1" noChangeArrowheads="1" noChangeShapeType="1" noTextEdit="1"/>
-              </p:cNvSpPr>
-              <p:nvPr>
-                <p:ph type="body" orient="vert" idx="1"/>
-              </p:nvPr>
-            </p:nvSpPr>
-            <p:spPr>
-              <a:blipFill>
-                <a:blip r:embed="rId3"/>
-                <a:stretch>
-                  <a:fillRect l="-1159" t="-2717"/>
-                </a:stretch>
-              </a:blipFill>
-            </p:spPr>
-            <p:txBody>
-              <a:bodyPr/>
-              <a:lstStyle/>
-              <a:p>
-                <a:r>
-                  <a:rPr lang="en-GB">
-                    <a:noFill/>
-                  </a:rPr>
-                  <a:t> </a:t>
-                </a:r>
-              </a:p>
-            </p:txBody>
-          </p:sp>
-        </mc:Fallback>
-      </mc:AlternateContent>
+      <p:sp>
+        <p:nvSpPr>
+          <p:cNvPr id="2" name="Vertikaler Textplatzhalter 1"/>
+          <p:cNvSpPr>
+            <a:spLocks noGrp="1"/>
+          </p:cNvSpPr>
+          <p:nvPr>
+            <p:ph type="body" orient="vert" idx="1"/>
+          </p:nvPr>
+        </p:nvSpPr>
+        <p:spPr/>
+        <p:txBody>
+          <a:bodyPr/>
+          <a:lstStyle/>
+          <a:p>
+            <a:r>
+              <a:rPr lang="de-DE" dirty="0" smtClean="0"/>
+              <a:t>Type: Minimum </a:t>
+            </a:r>
+            <a:r>
+              <a:rPr lang="de-DE" dirty="0" err="1" smtClean="0"/>
+              <a:t>bound</a:t>
+            </a:r>
+            <a:r>
+              <a:rPr lang="de-DE" dirty="0" smtClean="0"/>
+              <a:t> per </a:t>
+            </a:r>
+            <a:r>
+              <a:rPr lang="de-DE" dirty="0" err="1" smtClean="0"/>
+              <a:t>timestep</a:t>
+            </a:r>
+            <a:endParaRPr lang="de-DE" dirty="0" smtClean="0"/>
+          </a:p>
+          <a:p>
+            <a:r>
+              <a:rPr lang="de-DE" dirty="0" err="1" smtClean="0"/>
+              <a:t>Based</a:t>
+            </a:r>
+            <a:r>
+              <a:rPr lang="de-DE" dirty="0" smtClean="0"/>
+              <a:t> on: Minimum </a:t>
+            </a:r>
+            <a:r>
+              <a:rPr lang="de-DE" dirty="0" err="1" smtClean="0"/>
+              <a:t>stability</a:t>
+            </a:r>
+            <a:r>
+              <a:rPr lang="de-DE" dirty="0" smtClean="0"/>
+              <a:t> </a:t>
+            </a:r>
+            <a:r>
+              <a:rPr lang="de-DE" dirty="0" err="1" smtClean="0"/>
+              <a:t>limit</a:t>
+            </a:r>
+            <a:r>
+              <a:rPr lang="de-DE" dirty="0" smtClean="0"/>
+              <a:t> (</a:t>
+            </a:r>
+            <a:r>
+              <a:rPr lang="de-DE" dirty="0" err="1" smtClean="0"/>
+              <a:t>constant</a:t>
+            </a:r>
+            <a:r>
+              <a:rPr lang="de-DE" dirty="0" smtClean="0"/>
+              <a:t>)</a:t>
+            </a:r>
+          </a:p>
+          <a:p>
+            <a:pPr marL="0" indent="0">
+              <a:buNone/>
+            </a:pPr>
+            <a:endParaRPr lang="de-DE" dirty="0" smtClean="0"/>
+          </a:p>
+          <a:p>
+            <a:endParaRPr lang="de-DE" dirty="0"/>
+          </a:p>
+          <a:p>
+            <a:pPr marL="0" indent="0">
+              <a:buNone/>
+            </a:pPr>
+            <a:endParaRPr lang="de-DE" dirty="0" smtClean="0"/>
+          </a:p>
+          <a:p>
+            <a:pPr marL="0" indent="0">
+              <a:buNone/>
+            </a:pPr>
+            <a:endParaRPr lang="de-DE" dirty="0" smtClean="0"/>
+          </a:p>
+          <a:p>
+            <a:endParaRPr lang="de-DE" dirty="0"/>
+          </a:p>
+          <a:p>
+            <a:r>
+              <a:rPr lang="de-DE" dirty="0"/>
+              <a:t>Custom </a:t>
+            </a:r>
+            <a:r>
+              <a:rPr lang="de-DE" dirty="0" err="1"/>
+              <a:t>constraint</a:t>
+            </a:r>
+            <a:r>
+              <a:rPr lang="de-DE" dirty="0"/>
+              <a:t> </a:t>
+            </a:r>
+            <a:r>
+              <a:rPr lang="de-DE" dirty="0" err="1"/>
+              <a:t>with</a:t>
+            </a:r>
+            <a:r>
+              <a:rPr lang="de-DE" dirty="0"/>
+              <a:t> </a:t>
+            </a:r>
+            <a:r>
+              <a:rPr lang="de-DE" dirty="0" err="1"/>
+              <a:t>bounded</a:t>
+            </a:r>
+            <a:r>
+              <a:rPr lang="de-DE" dirty="0"/>
+              <a:t> </a:t>
+            </a:r>
+            <a:r>
+              <a:rPr lang="de-DE" dirty="0" err="1"/>
+              <a:t>flows</a:t>
+            </a:r>
+            <a:r>
+              <a:rPr lang="de-DE" dirty="0"/>
+              <a:t>:</a:t>
+            </a:r>
+          </a:p>
+          <a:p>
+            <a:pPr marL="358775" lvl="1" indent="0">
+              <a:buNone/>
+            </a:pPr>
+            <a:r>
+              <a:rPr lang="de-DE" dirty="0">
+                <a:hlinkClick r:id="rId2" action="ppaction://hlinkfile"/>
+              </a:rPr>
+              <a:t>./</a:t>
+            </a:r>
+            <a:r>
+              <a:rPr lang="de-DE" dirty="0" err="1">
+                <a:hlinkClick r:id="rId2" action="ppaction://hlinkfile"/>
+              </a:rPr>
+              <a:t>micro_grid_custom_constraint_flows.ipynb</a:t>
+            </a:r>
+            <a:endParaRPr lang="en-GB" dirty="0"/>
+          </a:p>
+          <a:p>
+            <a:endParaRPr lang="de-DE" dirty="0" smtClean="0"/>
+          </a:p>
+          <a:p>
+            <a:endParaRPr lang="en-GB" dirty="0"/>
+          </a:p>
+        </p:txBody>
+      </p:sp>
       <p:sp>
         <p:nvSpPr>
           <p:cNvPr id="3" name="Fußzeilenplatzhalter 2"/>
@@ -42756,6 +42696,54 @@
           </a:p>
         </p:txBody>
       </p:sp>
+      <p:pic>
+        <p:nvPicPr>
+          <p:cNvPr id="7" name="Grafik 6"/>
+          <p:cNvPicPr>
+            <a:picLocks noChangeAspect="1"/>
+          </p:cNvPicPr>
+          <p:nvPr/>
+        </p:nvPicPr>
+        <p:blipFill>
+          <a:blip r:embed="rId3"/>
+          <a:stretch>
+            <a:fillRect/>
+          </a:stretch>
+        </p:blipFill>
+        <p:spPr>
+          <a:xfrm>
+            <a:off x="628652" y="2227157"/>
+            <a:ext cx="7894446" cy="832617"/>
+          </a:xfrm>
+          <a:prstGeom prst="rect">
+            <a:avLst/>
+          </a:prstGeom>
+        </p:spPr>
+      </p:pic>
+      <p:pic>
+        <p:nvPicPr>
+          <p:cNvPr id="8" name="Grafik 7"/>
+          <p:cNvPicPr>
+            <a:picLocks noChangeAspect="1"/>
+          </p:cNvPicPr>
+          <p:nvPr/>
+        </p:nvPicPr>
+        <p:blipFill>
+          <a:blip r:embed="rId4"/>
+          <a:stretch>
+            <a:fillRect/>
+          </a:stretch>
+        </p:blipFill>
+        <p:spPr>
+          <a:xfrm>
+            <a:off x="636398" y="3173805"/>
+            <a:ext cx="7999851" cy="749266"/>
+          </a:xfrm>
+          <a:prstGeom prst="rect">
+            <a:avLst/>
+          </a:prstGeom>
+        </p:spPr>
+      </p:pic>
     </p:spTree>
     <p:extLst>
       <p:ext uri="{BB962C8B-B14F-4D97-AF65-F5344CB8AC3E}">
@@ -43157,6 +43145,36 @@
           </a:p>
         </p:txBody>
       </p:sp>
+      <p:pic>
+        <p:nvPicPr>
+          <p:cNvPr id="7" name="Grafik 6"/>
+          <p:cNvPicPr>
+            <a:picLocks noChangeAspect="1"/>
+          </p:cNvPicPr>
+          <p:nvPr/>
+        </p:nvPicPr>
+        <p:blipFill>
+          <a:blip r:embed="rId2">
+            <a:extLst>
+              <a:ext uri="{28A0092B-C50C-407E-A947-70E740481C1C}">
+                <a14:useLocalDpi xmlns:a14="http://schemas.microsoft.com/office/drawing/2010/main" val="0"/>
+              </a:ext>
+            </a:extLst>
+          </a:blip>
+          <a:stretch>
+            <a:fillRect/>
+          </a:stretch>
+        </p:blipFill>
+        <p:spPr>
+          <a:xfrm>
+            <a:off x="775836" y="2274984"/>
+            <a:ext cx="7607823" cy="3822200"/>
+          </a:xfrm>
+          <a:prstGeom prst="rect">
+            <a:avLst/>
+          </a:prstGeom>
+        </p:spPr>
+      </p:pic>
     </p:spTree>
     <p:extLst>
       <p:ext uri="{BB962C8B-B14F-4D97-AF65-F5344CB8AC3E}">
@@ -43420,6 +43438,36 @@
           </a:p>
         </p:txBody>
       </p:sp>
+      <p:pic>
+        <p:nvPicPr>
+          <p:cNvPr id="7" name="Grafik 6"/>
+          <p:cNvPicPr>
+            <a:picLocks noChangeAspect="1"/>
+          </p:cNvPicPr>
+          <p:nvPr/>
+        </p:nvPicPr>
+        <p:blipFill>
+          <a:blip r:embed="rId2">
+            <a:extLst>
+              <a:ext uri="{28A0092B-C50C-407E-A947-70E740481C1C}">
+                <a14:useLocalDpi xmlns:a14="http://schemas.microsoft.com/office/drawing/2010/main" val="0"/>
+              </a:ext>
+            </a:extLst>
+          </a:blip>
+          <a:stretch>
+            <a:fillRect/>
+          </a:stretch>
+        </p:blipFill>
+        <p:spPr>
+          <a:xfrm>
+            <a:off x="1293528" y="2943739"/>
+            <a:ext cx="6556944" cy="3294234"/>
+          </a:xfrm>
+          <a:prstGeom prst="rect">
+            <a:avLst/>
+          </a:prstGeom>
+        </p:spPr>
+      </p:pic>
     </p:spTree>
     <p:extLst>
       <p:ext uri="{BB962C8B-B14F-4D97-AF65-F5344CB8AC3E}">
@@ -45530,11 +45578,7 @@
             </a:r>
             <a:r>
               <a:rPr lang="de-DE" dirty="0" smtClean="0"/>
-              <a:t>-file</a:t>
-            </a:r>
-            <a:r>
-              <a:rPr lang="de-DE" dirty="0" smtClean="0"/>
-              <a:t>“</a:t>
+              <a:t>-file“</a:t>
             </a:r>
           </a:p>
           <a:p>
@@ -45604,7 +45648,6 @@
               <a:rPr lang="de-DE" dirty="0" smtClean="0"/>
               <a:t> </a:t>
             </a:r>
-            <a:endParaRPr lang="de-DE" dirty="0" smtClean="0"/>
           </a:p>
           <a:p>
             <a:pPr lvl="1"/>
